--- a/content/05-networking-fundamentals.pptx
+++ b/content/05-networking-fundamentals.pptx
@@ -5,13 +5,13 @@
     <p:sldMasterId id="2147483696" r:id="rId1"/>
   </p:sldMasterIdLst>
   <p:notesMasterIdLst>
-    <p:notesMasterId r:id="rId37"/>
+    <p:notesMasterId r:id="rId36"/>
   </p:notesMasterIdLst>
   <p:sldIdLst>
     <p:sldId id="297" r:id="rId2"/>
     <p:sldId id="289" r:id="rId3"/>
     <p:sldId id="258" r:id="rId4"/>
-    <p:sldId id="300" r:id="rId5"/>
+    <p:sldId id="317" r:id="rId5"/>
     <p:sldId id="261" r:id="rId6"/>
     <p:sldId id="260" r:id="rId7"/>
     <p:sldId id="262" r:id="rId8"/>
@@ -39,10 +39,9 @@
     <p:sldId id="315" r:id="rId30"/>
     <p:sldId id="316" r:id="rId31"/>
     <p:sldId id="314" r:id="rId32"/>
-    <p:sldId id="281" r:id="rId33"/>
-    <p:sldId id="292" r:id="rId34"/>
-    <p:sldId id="293" r:id="rId35"/>
-    <p:sldId id="283" r:id="rId36"/>
+    <p:sldId id="292" r:id="rId33"/>
+    <p:sldId id="293" r:id="rId34"/>
+    <p:sldId id="283" r:id="rId35"/>
   </p:sldIdLst>
   <p:sldSz cx="12192000" cy="6858000"/>
   <p:notesSz cx="6858000" cy="9144000"/>
@@ -149,7 +148,7 @@
             <p14:sldId id="297"/>
             <p14:sldId id="289"/>
             <p14:sldId id="258"/>
-            <p14:sldId id="300"/>
+            <p14:sldId id="317"/>
           </p14:sldIdLst>
         </p14:section>
         <p14:section name="Content" id="{2C67B003-B916-43D3-BE5B-B3D36B8F4E1C}">
@@ -181,7 +180,6 @@
             <p14:sldId id="315"/>
             <p14:sldId id="316"/>
             <p14:sldId id="314"/>
-            <p14:sldId id="281"/>
           </p14:sldIdLst>
         </p14:section>
         <p14:section name="Wrap-Up" id="{250B09FA-E151-4F0D-B4D4-21A2DA6D2F7E}">
@@ -4035,788 +4033,6 @@
     <dgm:fillClrLst meth="repeat">
       <a:schemeClr val="accent6">
         <a:tint val="60000"/>
-      </a:schemeClr>
-    </dgm:fillClrLst>
-    <dgm:linClrLst meth="repeat">
-      <a:schemeClr val="lt1"/>
-    </dgm:linClrLst>
-    <dgm:effectClrLst/>
-    <dgm:txLinClrLst/>
-    <dgm:txFillClrLst meth="repeat">
-      <a:schemeClr val="dk1"/>
-    </dgm:txFillClrLst>
-    <dgm:txEffectClrLst/>
-  </dgm:styleLbl>
-  <dgm:styleLbl name="revTx">
-    <dgm:fillClrLst meth="repeat">
-      <a:schemeClr val="lt1">
-        <a:alpha val="0"/>
-      </a:schemeClr>
-    </dgm:fillClrLst>
-    <dgm:linClrLst meth="repeat">
-      <a:schemeClr val="dk1">
-        <a:alpha val="0"/>
-      </a:schemeClr>
-    </dgm:linClrLst>
-    <dgm:effectClrLst/>
-    <dgm:txLinClrLst/>
-    <dgm:txFillClrLst meth="repeat">
-      <a:schemeClr val="tx1"/>
-    </dgm:txFillClrLst>
-    <dgm:txEffectClrLst/>
-  </dgm:styleLbl>
-</dgm:colorsDef>
-</file>
-
-<file path=ppt/diagrams/colors6.xml><?xml version="1.0" encoding="utf-8"?>
-<dgm:colorsDef xmlns:dgm="http://schemas.openxmlformats.org/drawingml/2006/diagram" xmlns:a="http://schemas.openxmlformats.org/drawingml/2006/main" uniqueId="urn:microsoft.com/office/officeart/2005/8/colors/colorful2">
-  <dgm:title val=""/>
-  <dgm:desc val=""/>
-  <dgm:catLst>
-    <dgm:cat type="colorful" pri="10200"/>
-  </dgm:catLst>
-  <dgm:styleLbl name="node0">
-    <dgm:fillClrLst meth="repeat">
-      <a:schemeClr val="accent1"/>
-    </dgm:fillClrLst>
-    <dgm:linClrLst meth="repeat">
-      <a:schemeClr val="lt1"/>
-    </dgm:linClrLst>
-    <dgm:effectClrLst/>
-    <dgm:txLinClrLst/>
-    <dgm:txFillClrLst/>
-    <dgm:txEffectClrLst/>
-  </dgm:styleLbl>
-  <dgm:styleLbl name="node1">
-    <dgm:fillClrLst>
-      <a:schemeClr val="accent2"/>
-      <a:schemeClr val="accent3"/>
-    </dgm:fillClrLst>
-    <dgm:linClrLst meth="repeat">
-      <a:schemeClr val="lt1"/>
-    </dgm:linClrLst>
-    <dgm:effectClrLst/>
-    <dgm:txLinClrLst/>
-    <dgm:txFillClrLst/>
-    <dgm:txEffectClrLst/>
-  </dgm:styleLbl>
-  <dgm:styleLbl name="alignNode1">
-    <dgm:fillClrLst>
-      <a:schemeClr val="accent2"/>
-      <a:schemeClr val="accent3"/>
-    </dgm:fillClrLst>
-    <dgm:linClrLst>
-      <a:schemeClr val="accent2"/>
-      <a:schemeClr val="accent3"/>
-    </dgm:linClrLst>
-    <dgm:effectClrLst/>
-    <dgm:txLinClrLst/>
-    <dgm:txFillClrLst/>
-    <dgm:txEffectClrLst/>
-  </dgm:styleLbl>
-  <dgm:styleLbl name="lnNode1">
-    <dgm:fillClrLst>
-      <a:schemeClr val="accent2"/>
-      <a:schemeClr val="accent3"/>
-    </dgm:fillClrLst>
-    <dgm:linClrLst meth="repeat">
-      <a:schemeClr val="lt1"/>
-    </dgm:linClrLst>
-    <dgm:effectClrLst/>
-    <dgm:txLinClrLst/>
-    <dgm:txFillClrLst/>
-    <dgm:txEffectClrLst/>
-  </dgm:styleLbl>
-  <dgm:styleLbl name="vennNode1">
-    <dgm:fillClrLst>
-      <a:schemeClr val="accent2">
-        <a:alpha val="50000"/>
-      </a:schemeClr>
-      <a:schemeClr val="accent3">
-        <a:alpha val="50000"/>
-      </a:schemeClr>
-    </dgm:fillClrLst>
-    <dgm:linClrLst meth="repeat">
-      <a:schemeClr val="lt1"/>
-    </dgm:linClrLst>
-    <dgm:effectClrLst/>
-    <dgm:txLinClrLst/>
-    <dgm:txFillClrLst/>
-    <dgm:txEffectClrLst/>
-  </dgm:styleLbl>
-  <dgm:styleLbl name="node2">
-    <dgm:fillClrLst>
-      <a:schemeClr val="accent3"/>
-    </dgm:fillClrLst>
-    <dgm:linClrLst meth="repeat">
-      <a:schemeClr val="lt1"/>
-    </dgm:linClrLst>
-    <dgm:effectClrLst/>
-    <dgm:txLinClrLst/>
-    <dgm:txFillClrLst/>
-    <dgm:txEffectClrLst/>
-  </dgm:styleLbl>
-  <dgm:styleLbl name="node3">
-    <dgm:fillClrLst>
-      <a:schemeClr val="accent4"/>
-    </dgm:fillClrLst>
-    <dgm:linClrLst meth="repeat">
-      <a:schemeClr val="lt1"/>
-    </dgm:linClrLst>
-    <dgm:effectClrLst/>
-    <dgm:txLinClrLst/>
-    <dgm:txFillClrLst/>
-    <dgm:txEffectClrLst/>
-  </dgm:styleLbl>
-  <dgm:styleLbl name="node4">
-    <dgm:fillClrLst>
-      <a:schemeClr val="accent5"/>
-    </dgm:fillClrLst>
-    <dgm:linClrLst meth="repeat">
-      <a:schemeClr val="lt1"/>
-    </dgm:linClrLst>
-    <dgm:effectClrLst/>
-    <dgm:txLinClrLst/>
-    <dgm:txFillClrLst/>
-    <dgm:txEffectClrLst/>
-  </dgm:styleLbl>
-  <dgm:styleLbl name="fgImgPlace1">
-    <dgm:fillClrLst>
-      <a:schemeClr val="accent2">
-        <a:tint val="50000"/>
-      </a:schemeClr>
-      <a:schemeClr val="accent3">
-        <a:tint val="50000"/>
-      </a:schemeClr>
-    </dgm:fillClrLst>
-    <dgm:linClrLst meth="repeat">
-      <a:schemeClr val="lt1"/>
-    </dgm:linClrLst>
-    <dgm:effectClrLst/>
-    <dgm:txLinClrLst/>
-    <dgm:txFillClrLst meth="repeat">
-      <a:schemeClr val="lt1"/>
-    </dgm:txFillClrLst>
-    <dgm:txEffectClrLst/>
-  </dgm:styleLbl>
-  <dgm:styleLbl name="alignImgPlace1">
-    <dgm:fillClrLst>
-      <a:schemeClr val="accent2">
-        <a:tint val="50000"/>
-      </a:schemeClr>
-      <a:schemeClr val="accent3">
-        <a:tint val="20000"/>
-      </a:schemeClr>
-    </dgm:fillClrLst>
-    <dgm:linClrLst meth="repeat">
-      <a:schemeClr val="lt1"/>
-    </dgm:linClrLst>
-    <dgm:effectClrLst/>
-    <dgm:txLinClrLst/>
-    <dgm:txFillClrLst meth="repeat">
-      <a:schemeClr val="lt1"/>
-    </dgm:txFillClrLst>
-    <dgm:txEffectClrLst/>
-  </dgm:styleLbl>
-  <dgm:styleLbl name="bgImgPlace1">
-    <dgm:fillClrLst>
-      <a:schemeClr val="accent2">
-        <a:tint val="50000"/>
-      </a:schemeClr>
-      <a:schemeClr val="accent3">
-        <a:tint val="20000"/>
-      </a:schemeClr>
-    </dgm:fillClrLst>
-    <dgm:linClrLst meth="repeat">
-      <a:schemeClr val="lt1"/>
-    </dgm:linClrLst>
-    <dgm:effectClrLst/>
-    <dgm:txLinClrLst/>
-    <dgm:txFillClrLst meth="repeat">
-      <a:schemeClr val="lt1"/>
-    </dgm:txFillClrLst>
-    <dgm:txEffectClrLst/>
-  </dgm:styleLbl>
-  <dgm:styleLbl name="sibTrans2D1">
-    <dgm:fillClrLst>
-      <a:schemeClr val="accent2"/>
-      <a:schemeClr val="accent3"/>
-    </dgm:fillClrLst>
-    <dgm:linClrLst meth="repeat">
-      <a:schemeClr val="lt1"/>
-    </dgm:linClrLst>
-    <dgm:effectClrLst/>
-    <dgm:txLinClrLst/>
-    <dgm:txFillClrLst/>
-    <dgm:txEffectClrLst/>
-  </dgm:styleLbl>
-  <dgm:styleLbl name="fgSibTrans2D1">
-    <dgm:fillClrLst>
-      <a:schemeClr val="accent2"/>
-      <a:schemeClr val="accent3"/>
-    </dgm:fillClrLst>
-    <dgm:linClrLst meth="repeat">
-      <a:schemeClr val="lt1"/>
-    </dgm:linClrLst>
-    <dgm:effectClrLst/>
-    <dgm:txLinClrLst/>
-    <dgm:txFillClrLst meth="repeat">
-      <a:schemeClr val="lt1"/>
-    </dgm:txFillClrLst>
-    <dgm:txEffectClrLst/>
-  </dgm:styleLbl>
-  <dgm:styleLbl name="bgSibTrans2D1">
-    <dgm:fillClrLst>
-      <a:schemeClr val="accent2"/>
-      <a:schemeClr val="accent3"/>
-    </dgm:fillClrLst>
-    <dgm:linClrLst meth="repeat">
-      <a:schemeClr val="lt1"/>
-    </dgm:linClrLst>
-    <dgm:effectClrLst/>
-    <dgm:txLinClrLst/>
-    <dgm:txFillClrLst meth="repeat">
-      <a:schemeClr val="lt1"/>
-    </dgm:txFillClrLst>
-    <dgm:txEffectClrLst/>
-  </dgm:styleLbl>
-  <dgm:styleLbl name="sibTrans1D1">
-    <dgm:fillClrLst/>
-    <dgm:linClrLst>
-      <a:schemeClr val="accent2"/>
-      <a:schemeClr val="accent3"/>
-    </dgm:linClrLst>
-    <dgm:effectClrLst/>
-    <dgm:txLinClrLst/>
-    <dgm:txFillClrLst meth="repeat">
-      <a:schemeClr val="tx1"/>
-    </dgm:txFillClrLst>
-    <dgm:txEffectClrLst/>
-  </dgm:styleLbl>
-  <dgm:styleLbl name="callout">
-    <dgm:fillClrLst meth="repeat">
-      <a:schemeClr val="accent2"/>
-    </dgm:fillClrLst>
-    <dgm:linClrLst meth="repeat">
-      <a:schemeClr val="accent2">
-        <a:tint val="50000"/>
-      </a:schemeClr>
-    </dgm:linClrLst>
-    <dgm:effectClrLst/>
-    <dgm:txLinClrLst/>
-    <dgm:txFillClrLst meth="repeat">
-      <a:schemeClr val="tx1"/>
-    </dgm:txFillClrLst>
-    <dgm:txEffectClrLst/>
-  </dgm:styleLbl>
-  <dgm:styleLbl name="asst0">
-    <dgm:fillClrLst meth="repeat">
-      <a:schemeClr val="accent2"/>
-    </dgm:fillClrLst>
-    <dgm:linClrLst meth="repeat">
-      <a:schemeClr val="lt1">
-        <a:shade val="80000"/>
-      </a:schemeClr>
-    </dgm:linClrLst>
-    <dgm:effectClrLst/>
-    <dgm:txLinClrLst/>
-    <dgm:txFillClrLst/>
-    <dgm:txEffectClrLst/>
-  </dgm:styleLbl>
-  <dgm:styleLbl name="asst1">
-    <dgm:fillClrLst meth="repeat">
-      <a:schemeClr val="accent3"/>
-    </dgm:fillClrLst>
-    <dgm:linClrLst meth="repeat">
-      <a:schemeClr val="lt1">
-        <a:shade val="80000"/>
-      </a:schemeClr>
-    </dgm:linClrLst>
-    <dgm:effectClrLst/>
-    <dgm:txLinClrLst/>
-    <dgm:txFillClrLst/>
-    <dgm:txEffectClrLst/>
-  </dgm:styleLbl>
-  <dgm:styleLbl name="asst2">
-    <dgm:fillClrLst>
-      <a:schemeClr val="accent4"/>
-    </dgm:fillClrLst>
-    <dgm:linClrLst meth="repeat">
-      <a:schemeClr val="lt1"/>
-    </dgm:linClrLst>
-    <dgm:effectClrLst/>
-    <dgm:txLinClrLst/>
-    <dgm:txFillClrLst/>
-    <dgm:txEffectClrLst/>
-  </dgm:styleLbl>
-  <dgm:styleLbl name="asst3">
-    <dgm:fillClrLst>
-      <a:schemeClr val="accent5"/>
-    </dgm:fillClrLst>
-    <dgm:linClrLst meth="repeat">
-      <a:schemeClr val="lt1"/>
-    </dgm:linClrLst>
-    <dgm:effectClrLst/>
-    <dgm:txLinClrLst/>
-    <dgm:txFillClrLst/>
-    <dgm:txEffectClrLst/>
-  </dgm:styleLbl>
-  <dgm:styleLbl name="asst4">
-    <dgm:fillClrLst>
-      <a:schemeClr val="accent6"/>
-    </dgm:fillClrLst>
-    <dgm:linClrLst meth="repeat">
-      <a:schemeClr val="lt1"/>
-    </dgm:linClrLst>
-    <dgm:effectClrLst/>
-    <dgm:txLinClrLst/>
-    <dgm:txFillClrLst/>
-    <dgm:txEffectClrLst/>
-  </dgm:styleLbl>
-  <dgm:styleLbl name="parChTrans2D1">
-    <dgm:fillClrLst meth="repeat">
-      <a:schemeClr val="accent2"/>
-    </dgm:fillClrLst>
-    <dgm:linClrLst meth="repeat">
-      <a:schemeClr val="lt1"/>
-    </dgm:linClrLst>
-    <dgm:effectClrLst/>
-    <dgm:txLinClrLst/>
-    <dgm:txFillClrLst meth="repeat">
-      <a:schemeClr val="lt1"/>
-    </dgm:txFillClrLst>
-    <dgm:txEffectClrLst/>
-  </dgm:styleLbl>
-  <dgm:styleLbl name="parChTrans2D2">
-    <dgm:fillClrLst meth="repeat">
-      <a:schemeClr val="accent3"/>
-    </dgm:fillClrLst>
-    <dgm:linClrLst meth="repeat">
-      <a:schemeClr val="lt1"/>
-    </dgm:linClrLst>
-    <dgm:effectClrLst/>
-    <dgm:txLinClrLst/>
-    <dgm:txFillClrLst/>
-    <dgm:txEffectClrLst/>
-  </dgm:styleLbl>
-  <dgm:styleLbl name="parChTrans2D3">
-    <dgm:fillClrLst meth="repeat">
-      <a:schemeClr val="accent4"/>
-    </dgm:fillClrLst>
-    <dgm:linClrLst meth="repeat">
-      <a:schemeClr val="lt1"/>
-    </dgm:linClrLst>
-    <dgm:effectClrLst/>
-    <dgm:txLinClrLst/>
-    <dgm:txFillClrLst/>
-    <dgm:txEffectClrLst/>
-  </dgm:styleLbl>
-  <dgm:styleLbl name="parChTrans2D4">
-    <dgm:fillClrLst meth="repeat">
-      <a:schemeClr val="accent5"/>
-    </dgm:fillClrLst>
-    <dgm:linClrLst meth="repeat">
-      <a:schemeClr val="lt1"/>
-    </dgm:linClrLst>
-    <dgm:effectClrLst/>
-    <dgm:txLinClrLst/>
-    <dgm:txFillClrLst meth="repeat">
-      <a:schemeClr val="lt1"/>
-    </dgm:txFillClrLst>
-    <dgm:txEffectClrLst/>
-  </dgm:styleLbl>
-  <dgm:styleLbl name="parChTrans1D1">
-    <dgm:fillClrLst meth="repeat">
-      <a:schemeClr val="accent2"/>
-    </dgm:fillClrLst>
-    <dgm:linClrLst meth="repeat">
-      <a:schemeClr val="accent2"/>
-    </dgm:linClrLst>
-    <dgm:effectClrLst/>
-    <dgm:txLinClrLst/>
-    <dgm:txFillClrLst meth="repeat">
-      <a:schemeClr val="tx1"/>
-    </dgm:txFillClrLst>
-    <dgm:txEffectClrLst/>
-  </dgm:styleLbl>
-  <dgm:styleLbl name="parChTrans1D2">
-    <dgm:fillClrLst meth="repeat">
-      <a:schemeClr val="accent2">
-        <a:tint val="90000"/>
-      </a:schemeClr>
-    </dgm:fillClrLst>
-    <dgm:linClrLst meth="repeat">
-      <a:schemeClr val="accent3"/>
-    </dgm:linClrLst>
-    <dgm:effectClrLst/>
-    <dgm:txLinClrLst/>
-    <dgm:txFillClrLst meth="repeat">
-      <a:schemeClr val="tx1"/>
-    </dgm:txFillClrLst>
-    <dgm:txEffectClrLst/>
-  </dgm:styleLbl>
-  <dgm:styleLbl name="parChTrans1D3">
-    <dgm:fillClrLst meth="repeat">
-      <a:schemeClr val="accent2">
-        <a:tint val="70000"/>
-      </a:schemeClr>
-    </dgm:fillClrLst>
-    <dgm:linClrLst meth="repeat">
-      <a:schemeClr val="accent4"/>
-    </dgm:linClrLst>
-    <dgm:effectClrLst/>
-    <dgm:txLinClrLst/>
-    <dgm:txFillClrLst meth="repeat">
-      <a:schemeClr val="tx1"/>
-    </dgm:txFillClrLst>
-    <dgm:txEffectClrLst/>
-  </dgm:styleLbl>
-  <dgm:styleLbl name="parChTrans1D4">
-    <dgm:fillClrLst meth="repeat">
-      <a:schemeClr val="accent2">
-        <a:tint val="50000"/>
-      </a:schemeClr>
-    </dgm:fillClrLst>
-    <dgm:linClrLst meth="repeat">
-      <a:schemeClr val="accent5"/>
-    </dgm:linClrLst>
-    <dgm:effectClrLst/>
-    <dgm:txLinClrLst/>
-    <dgm:txFillClrLst meth="repeat">
-      <a:schemeClr val="tx1"/>
-    </dgm:txFillClrLst>
-    <dgm:txEffectClrLst/>
-  </dgm:styleLbl>
-  <dgm:styleLbl name="fgAcc1">
-    <dgm:fillClrLst meth="repeat">
-      <a:schemeClr val="lt1">
-        <a:alpha val="90000"/>
-      </a:schemeClr>
-    </dgm:fillClrLst>
-    <dgm:linClrLst>
-      <a:schemeClr val="accent2"/>
-      <a:schemeClr val="accent3"/>
-    </dgm:linClrLst>
-    <dgm:effectClrLst/>
-    <dgm:txLinClrLst/>
-    <dgm:txFillClrLst meth="repeat">
-      <a:schemeClr val="dk1"/>
-    </dgm:txFillClrLst>
-    <dgm:txEffectClrLst/>
-  </dgm:styleLbl>
-  <dgm:styleLbl name="conFgAcc1">
-    <dgm:fillClrLst meth="repeat">
-      <a:schemeClr val="lt1">
-        <a:alpha val="90000"/>
-      </a:schemeClr>
-    </dgm:fillClrLst>
-    <dgm:linClrLst>
-      <a:schemeClr val="accent2"/>
-      <a:schemeClr val="accent3"/>
-    </dgm:linClrLst>
-    <dgm:effectClrLst/>
-    <dgm:txLinClrLst/>
-    <dgm:txFillClrLst meth="repeat">
-      <a:schemeClr val="dk1"/>
-    </dgm:txFillClrLst>
-    <dgm:txEffectClrLst/>
-  </dgm:styleLbl>
-  <dgm:styleLbl name="alignAcc1">
-    <dgm:fillClrLst meth="repeat">
-      <a:schemeClr val="lt1">
-        <a:alpha val="90000"/>
-      </a:schemeClr>
-    </dgm:fillClrLst>
-    <dgm:linClrLst>
-      <a:schemeClr val="accent2"/>
-      <a:schemeClr val="accent3"/>
-    </dgm:linClrLst>
-    <dgm:effectClrLst/>
-    <dgm:txLinClrLst/>
-    <dgm:txFillClrLst meth="repeat">
-      <a:schemeClr val="dk1"/>
-    </dgm:txFillClrLst>
-    <dgm:txEffectClrLst/>
-  </dgm:styleLbl>
-  <dgm:styleLbl name="trAlignAcc1">
-    <dgm:fillClrLst meth="repeat">
-      <a:schemeClr val="lt1">
-        <a:alpha val="40000"/>
-      </a:schemeClr>
-    </dgm:fillClrLst>
-    <dgm:linClrLst meth="repeat">
-      <a:schemeClr val="accent2"/>
-    </dgm:linClrLst>
-    <dgm:effectClrLst/>
-    <dgm:txLinClrLst/>
-    <dgm:txFillClrLst meth="repeat">
-      <a:schemeClr val="dk1"/>
-    </dgm:txFillClrLst>
-    <dgm:txEffectClrLst/>
-  </dgm:styleLbl>
-  <dgm:styleLbl name="bgAcc1">
-    <dgm:fillClrLst meth="repeat">
-      <a:schemeClr val="lt1">
-        <a:alpha val="90000"/>
-      </a:schemeClr>
-    </dgm:fillClrLst>
-    <dgm:linClrLst>
-      <a:schemeClr val="accent2"/>
-      <a:schemeClr val="accent3"/>
-    </dgm:linClrLst>
-    <dgm:effectClrLst/>
-    <dgm:txLinClrLst/>
-    <dgm:txFillClrLst meth="repeat">
-      <a:schemeClr val="dk1"/>
-    </dgm:txFillClrLst>
-    <dgm:txEffectClrLst/>
-  </dgm:styleLbl>
-  <dgm:styleLbl name="solidFgAcc1">
-    <dgm:fillClrLst meth="repeat">
-      <a:schemeClr val="lt1"/>
-    </dgm:fillClrLst>
-    <dgm:linClrLst>
-      <a:schemeClr val="accent2"/>
-      <a:schemeClr val="accent3"/>
-    </dgm:linClrLst>
-    <dgm:effectClrLst/>
-    <dgm:txLinClrLst/>
-    <dgm:txFillClrLst meth="repeat">
-      <a:schemeClr val="dk1"/>
-    </dgm:txFillClrLst>
-    <dgm:txEffectClrLst/>
-  </dgm:styleLbl>
-  <dgm:styleLbl name="solidAlignAcc1">
-    <dgm:fillClrLst meth="repeat">
-      <a:schemeClr val="lt1"/>
-    </dgm:fillClrLst>
-    <dgm:linClrLst>
-      <a:schemeClr val="accent2"/>
-      <a:schemeClr val="accent3"/>
-    </dgm:linClrLst>
-    <dgm:effectClrLst/>
-    <dgm:txLinClrLst/>
-    <dgm:txFillClrLst meth="repeat">
-      <a:schemeClr val="dk1"/>
-    </dgm:txFillClrLst>
-    <dgm:txEffectClrLst/>
-  </dgm:styleLbl>
-  <dgm:styleLbl name="solidBgAcc1">
-    <dgm:fillClrLst meth="repeat">
-      <a:schemeClr val="lt1"/>
-    </dgm:fillClrLst>
-    <dgm:linClrLst>
-      <a:schemeClr val="accent2"/>
-      <a:schemeClr val="accent3"/>
-    </dgm:linClrLst>
-    <dgm:effectClrLst/>
-    <dgm:txLinClrLst/>
-    <dgm:txFillClrLst meth="repeat">
-      <a:schemeClr val="dk1"/>
-    </dgm:txFillClrLst>
-    <dgm:txEffectClrLst/>
-  </dgm:styleLbl>
-  <dgm:styleLbl name="fgAccFollowNode1">
-    <dgm:fillClrLst>
-      <a:schemeClr val="accent2">
-        <a:tint val="40000"/>
-        <a:alpha val="90000"/>
-      </a:schemeClr>
-      <a:schemeClr val="accent3">
-        <a:tint val="40000"/>
-        <a:alpha val="90000"/>
-      </a:schemeClr>
-    </dgm:fillClrLst>
-    <dgm:linClrLst>
-      <a:schemeClr val="accent2">
-        <a:tint val="40000"/>
-        <a:alpha val="90000"/>
-      </a:schemeClr>
-      <a:schemeClr val="accent3">
-        <a:tint val="40000"/>
-        <a:alpha val="90000"/>
-      </a:schemeClr>
-    </dgm:linClrLst>
-    <dgm:effectClrLst/>
-    <dgm:txLinClrLst/>
-    <dgm:txFillClrLst meth="repeat">
-      <a:schemeClr val="dk1"/>
-    </dgm:txFillClrLst>
-    <dgm:txEffectClrLst/>
-  </dgm:styleLbl>
-  <dgm:styleLbl name="alignAccFollowNode1">
-    <dgm:fillClrLst>
-      <a:schemeClr val="accent2">
-        <a:tint val="40000"/>
-        <a:alpha val="90000"/>
-      </a:schemeClr>
-      <a:schemeClr val="accent3">
-        <a:tint val="40000"/>
-        <a:alpha val="90000"/>
-      </a:schemeClr>
-    </dgm:fillClrLst>
-    <dgm:linClrLst>
-      <a:schemeClr val="accent2">
-        <a:tint val="40000"/>
-        <a:alpha val="90000"/>
-      </a:schemeClr>
-      <a:schemeClr val="accent3">
-        <a:tint val="40000"/>
-        <a:alpha val="90000"/>
-      </a:schemeClr>
-    </dgm:linClrLst>
-    <dgm:effectClrLst/>
-    <dgm:txLinClrLst/>
-    <dgm:txFillClrLst meth="repeat">
-      <a:schemeClr val="dk1"/>
-    </dgm:txFillClrLst>
-    <dgm:txEffectClrLst/>
-  </dgm:styleLbl>
-  <dgm:styleLbl name="bgAccFollowNode1">
-    <dgm:fillClrLst>
-      <a:schemeClr val="accent2">
-        <a:tint val="40000"/>
-        <a:alpha val="90000"/>
-      </a:schemeClr>
-      <a:schemeClr val="accent3">
-        <a:tint val="40000"/>
-        <a:alpha val="90000"/>
-      </a:schemeClr>
-    </dgm:fillClrLst>
-    <dgm:linClrLst>
-      <a:schemeClr val="accent2">
-        <a:tint val="40000"/>
-        <a:alpha val="90000"/>
-      </a:schemeClr>
-      <a:schemeClr val="accent3">
-        <a:tint val="40000"/>
-        <a:alpha val="90000"/>
-      </a:schemeClr>
-    </dgm:linClrLst>
-    <dgm:effectClrLst/>
-    <dgm:txLinClrLst/>
-    <dgm:txFillClrLst meth="repeat">
-      <a:schemeClr val="dk1"/>
-    </dgm:txFillClrLst>
-    <dgm:txEffectClrLst/>
-  </dgm:styleLbl>
-  <dgm:styleLbl name="fgAcc0">
-    <dgm:fillClrLst meth="repeat">
-      <a:schemeClr val="lt1">
-        <a:alpha val="90000"/>
-      </a:schemeClr>
-    </dgm:fillClrLst>
-    <dgm:linClrLst>
-      <a:schemeClr val="accent1"/>
-    </dgm:linClrLst>
-    <dgm:effectClrLst/>
-    <dgm:txLinClrLst/>
-    <dgm:txFillClrLst meth="repeat">
-      <a:schemeClr val="dk1"/>
-    </dgm:txFillClrLst>
-    <dgm:txEffectClrLst/>
-  </dgm:styleLbl>
-  <dgm:styleLbl name="fgAcc2">
-    <dgm:fillClrLst meth="repeat">
-      <a:schemeClr val="lt1">
-        <a:alpha val="90000"/>
-      </a:schemeClr>
-    </dgm:fillClrLst>
-    <dgm:linClrLst>
-      <a:schemeClr val="accent3"/>
-    </dgm:linClrLst>
-    <dgm:effectClrLst/>
-    <dgm:txLinClrLst/>
-    <dgm:txFillClrLst meth="repeat">
-      <a:schemeClr val="dk1"/>
-    </dgm:txFillClrLst>
-    <dgm:txEffectClrLst/>
-  </dgm:styleLbl>
-  <dgm:styleLbl name="fgAcc3">
-    <dgm:fillClrLst meth="repeat">
-      <a:schemeClr val="lt1">
-        <a:alpha val="90000"/>
-      </a:schemeClr>
-    </dgm:fillClrLst>
-    <dgm:linClrLst>
-      <a:schemeClr val="accent4"/>
-    </dgm:linClrLst>
-    <dgm:effectClrLst/>
-    <dgm:txLinClrLst/>
-    <dgm:txFillClrLst meth="repeat">
-      <a:schemeClr val="dk1"/>
-    </dgm:txFillClrLst>
-    <dgm:txEffectClrLst/>
-  </dgm:styleLbl>
-  <dgm:styleLbl name="fgAcc4">
-    <dgm:fillClrLst meth="repeat">
-      <a:schemeClr val="lt1">
-        <a:alpha val="90000"/>
-      </a:schemeClr>
-    </dgm:fillClrLst>
-    <dgm:linClrLst>
-      <a:schemeClr val="accent5"/>
-    </dgm:linClrLst>
-    <dgm:effectClrLst/>
-    <dgm:txLinClrLst/>
-    <dgm:txFillClrLst meth="repeat">
-      <a:schemeClr val="dk1"/>
-    </dgm:txFillClrLst>
-    <dgm:txEffectClrLst/>
-  </dgm:styleLbl>
-  <dgm:styleLbl name="bgShp">
-    <dgm:fillClrLst meth="repeat">
-      <a:schemeClr val="accent2">
-        <a:tint val="40000"/>
-      </a:schemeClr>
-    </dgm:fillClrLst>
-    <dgm:linClrLst meth="repeat">
-      <a:schemeClr val="dk1"/>
-    </dgm:linClrLst>
-    <dgm:effectClrLst/>
-    <dgm:txLinClrLst/>
-    <dgm:txFillClrLst meth="repeat">
-      <a:schemeClr val="dk1"/>
-    </dgm:txFillClrLst>
-    <dgm:txEffectClrLst/>
-  </dgm:styleLbl>
-  <dgm:styleLbl name="dkBgShp">
-    <dgm:fillClrLst meth="repeat">
-      <a:schemeClr val="accent2">
-        <a:shade val="90000"/>
-      </a:schemeClr>
-    </dgm:fillClrLst>
-    <dgm:linClrLst meth="repeat">
-      <a:schemeClr val="dk1"/>
-    </dgm:linClrLst>
-    <dgm:effectClrLst/>
-    <dgm:txLinClrLst/>
-    <dgm:txFillClrLst meth="repeat">
-      <a:schemeClr val="lt1"/>
-    </dgm:txFillClrLst>
-    <dgm:txEffectClrLst/>
-  </dgm:styleLbl>
-  <dgm:styleLbl name="trBgShp">
-    <dgm:fillClrLst meth="repeat">
-      <a:schemeClr val="accent2">
-        <a:tint val="50000"/>
-        <a:alpha val="40000"/>
-      </a:schemeClr>
-    </dgm:fillClrLst>
-    <dgm:linClrLst meth="repeat">
-      <a:schemeClr val="accent2"/>
-    </dgm:linClrLst>
-    <dgm:effectClrLst/>
-    <dgm:txLinClrLst/>
-    <dgm:txFillClrLst meth="repeat">
-      <a:schemeClr val="lt1"/>
-    </dgm:txFillClrLst>
-    <dgm:txEffectClrLst/>
-  </dgm:styleLbl>
-  <dgm:styleLbl name="fgShp">
-    <dgm:fillClrLst meth="repeat">
-      <a:schemeClr val="accent2">
-        <a:tint val="40000"/>
       </a:schemeClr>
     </dgm:fillClrLst>
     <dgm:linClrLst meth="repeat">
@@ -5678,21 +4894,21 @@
     </dgm:pt>
   </dgm:ptLst>
   <dgm:cxnLst>
-    <dgm:cxn modelId="{44E77E90-4430-4A09-A8F0-3AEDD33CDB9A}" srcId="{2927FB38-3512-40E2-B504-D77A64E13296}" destId="{0E91CF2F-D875-42CC-B825-76380A712888}" srcOrd="0" destOrd="0" parTransId="{1A4C12E3-50B5-4200-847A-EC63D0D2AB7E}" sibTransId="{3EDD180C-C859-4D0B-8D3A-A71AEC2A20A3}"/>
-    <dgm:cxn modelId="{0295EE0E-7D3A-48E7-A204-B5D1CFD092C0}" type="presOf" srcId="{87ACD990-04B4-4A55-A76F-041815DFC8A6}" destId="{B56ED1B3-AD12-493A-B779-5705C6E8B046}" srcOrd="0" destOrd="0" presId="urn:microsoft.com/office/officeart/2005/8/layout/default"/>
-    <dgm:cxn modelId="{05D07A24-1763-483E-AA8E-36BABDA45FC8}" type="presOf" srcId="{09A35EA0-3E60-491C-A515-9C4B46B73B7B}" destId="{07146097-D8EB-42A0-82B6-1EEAA90F2445}" srcOrd="0" destOrd="0" presId="urn:microsoft.com/office/officeart/2005/8/layout/default"/>
-    <dgm:cxn modelId="{8F9C39AF-8C5B-439A-BDFF-8D7F720C0269}" srcId="{2927FB38-3512-40E2-B504-D77A64E13296}" destId="{7BCDFECE-EF78-4D3D-B19F-6D1567A9D7F4}" srcOrd="3" destOrd="0" parTransId="{3935CAB4-984A-422D-9E2C-E0A9BF28F450}" sibTransId="{68E77C80-B150-4ADE-BDF5-046E10FA21EA}"/>
-    <dgm:cxn modelId="{26A5331A-CDC9-4A7C-A894-7524F940A6D8}" type="presOf" srcId="{0E91CF2F-D875-42CC-B825-76380A712888}" destId="{3B3FEAC4-4769-48D4-B749-EC0AF2843F41}" srcOrd="0" destOrd="0" presId="urn:microsoft.com/office/officeart/2005/8/layout/default"/>
-    <dgm:cxn modelId="{21E3A125-4793-49FB-AF9B-9ECC8EA7624F}" srcId="{2927FB38-3512-40E2-B504-D77A64E13296}" destId="{09A35EA0-3E60-491C-A515-9C4B46B73B7B}" srcOrd="4" destOrd="0" parTransId="{FC51EC92-0740-4F3D-8E6F-0FE985C22B22}" sibTransId="{FC4D0046-F6CC-49D6-8DA5-6CAE321D632D}"/>
-    <dgm:cxn modelId="{33A0CC3E-77C7-491F-BF2E-BAFE507DAC16}" type="presOf" srcId="{8DE54F51-2596-4DBE-A64A-78B5BFC95EDA}" destId="{4B2F1BE1-7D7B-402D-884D-95B20B0E65DF}" srcOrd="0" destOrd="0" presId="urn:microsoft.com/office/officeart/2005/8/layout/default"/>
-    <dgm:cxn modelId="{A062517B-BEDB-40A6-8232-791F450E065E}" srcId="{2927FB38-3512-40E2-B504-D77A64E13296}" destId="{D76AE78C-424D-4C80-BEA8-592D6F5F1B35}" srcOrd="2" destOrd="0" parTransId="{7D85F4A9-565A-478E-84BA-7713826D9B2C}" sibTransId="{C9E18AE7-6C64-4D1A-9980-C4E1C3E85881}"/>
-    <dgm:cxn modelId="{F125943A-0043-4EEB-B30B-3DD7F2F9A0E9}" type="presOf" srcId="{C167B42B-8239-47AE-BC37-4DD7822F2368}" destId="{979AEEEC-7724-4C98-A03C-FCE9E240B2C6}" srcOrd="0" destOrd="0" presId="urn:microsoft.com/office/officeart/2005/8/layout/default"/>
-    <dgm:cxn modelId="{7FE1A1D5-57B6-4DDF-9A2A-E672D73DB385}" type="presOf" srcId="{D76AE78C-424D-4C80-BEA8-592D6F5F1B35}" destId="{8FF795FB-0350-4C79-9B38-BEB6DEE8C250}" srcOrd="0" destOrd="0" presId="urn:microsoft.com/office/officeart/2005/8/layout/default"/>
     <dgm:cxn modelId="{E2A5C0C8-8F2C-44BF-A8D3-50F1C5BF6395}" type="presOf" srcId="{2927FB38-3512-40E2-B504-D77A64E13296}" destId="{7731FC45-56C6-482F-9554-BB272BA8736E}" srcOrd="0" destOrd="0" presId="urn:microsoft.com/office/officeart/2005/8/layout/default"/>
     <dgm:cxn modelId="{0B742F96-0AB9-4869-BC6D-800E14629068}" srcId="{2927FB38-3512-40E2-B504-D77A64E13296}" destId="{87ACD990-04B4-4A55-A76F-041815DFC8A6}" srcOrd="6" destOrd="0" parTransId="{A913D357-7217-4E3E-B18B-278C8E162F5B}" sibTransId="{0847D87A-A01A-473E-8403-9BBACECA85DC}"/>
+    <dgm:cxn modelId="{F125943A-0043-4EEB-B30B-3DD7F2F9A0E9}" type="presOf" srcId="{C167B42B-8239-47AE-BC37-4DD7822F2368}" destId="{979AEEEC-7724-4C98-A03C-FCE9E240B2C6}" srcOrd="0" destOrd="0" presId="urn:microsoft.com/office/officeart/2005/8/layout/default"/>
     <dgm:cxn modelId="{04B4079D-AA2A-4B94-A101-5187B54133F1}" srcId="{2927FB38-3512-40E2-B504-D77A64E13296}" destId="{8DE54F51-2596-4DBE-A64A-78B5BFC95EDA}" srcOrd="5" destOrd="0" parTransId="{606351A0-399D-4D64-85CB-7E1725E22DA9}" sibTransId="{9753E323-A210-43B7-9A55-21150014F818}"/>
+    <dgm:cxn modelId="{8F9C39AF-8C5B-439A-BDFF-8D7F720C0269}" srcId="{2927FB38-3512-40E2-B504-D77A64E13296}" destId="{7BCDFECE-EF78-4D3D-B19F-6D1567A9D7F4}" srcOrd="3" destOrd="0" parTransId="{3935CAB4-984A-422D-9E2C-E0A9BF28F450}" sibTransId="{68E77C80-B150-4ADE-BDF5-046E10FA21EA}"/>
+    <dgm:cxn modelId="{44E77E90-4430-4A09-A8F0-3AEDD33CDB9A}" srcId="{2927FB38-3512-40E2-B504-D77A64E13296}" destId="{0E91CF2F-D875-42CC-B825-76380A712888}" srcOrd="0" destOrd="0" parTransId="{1A4C12E3-50B5-4200-847A-EC63D0D2AB7E}" sibTransId="{3EDD180C-C859-4D0B-8D3A-A71AEC2A20A3}"/>
+    <dgm:cxn modelId="{33A0CC3E-77C7-491F-BF2E-BAFE507DAC16}" type="presOf" srcId="{8DE54F51-2596-4DBE-A64A-78B5BFC95EDA}" destId="{4B2F1BE1-7D7B-402D-884D-95B20B0E65DF}" srcOrd="0" destOrd="0" presId="urn:microsoft.com/office/officeart/2005/8/layout/default"/>
+    <dgm:cxn modelId="{21E3A125-4793-49FB-AF9B-9ECC8EA7624F}" srcId="{2927FB38-3512-40E2-B504-D77A64E13296}" destId="{09A35EA0-3E60-491C-A515-9C4B46B73B7B}" srcOrd="4" destOrd="0" parTransId="{FC51EC92-0740-4F3D-8E6F-0FE985C22B22}" sibTransId="{FC4D0046-F6CC-49D6-8DA5-6CAE321D632D}"/>
+    <dgm:cxn modelId="{7A3A9B27-9202-483A-98F4-B0E42AE13272}" type="presOf" srcId="{7BCDFECE-EF78-4D3D-B19F-6D1567A9D7F4}" destId="{91A1C46E-06FC-4233-B1C1-803B20745470}" srcOrd="0" destOrd="0" presId="urn:microsoft.com/office/officeart/2005/8/layout/default"/>
+    <dgm:cxn modelId="{A062517B-BEDB-40A6-8232-791F450E065E}" srcId="{2927FB38-3512-40E2-B504-D77A64E13296}" destId="{D76AE78C-424D-4C80-BEA8-592D6F5F1B35}" srcOrd="2" destOrd="0" parTransId="{7D85F4A9-565A-478E-84BA-7713826D9B2C}" sibTransId="{C9E18AE7-6C64-4D1A-9980-C4E1C3E85881}"/>
+    <dgm:cxn modelId="{26A5331A-CDC9-4A7C-A894-7524F940A6D8}" type="presOf" srcId="{0E91CF2F-D875-42CC-B825-76380A712888}" destId="{3B3FEAC4-4769-48D4-B749-EC0AF2843F41}" srcOrd="0" destOrd="0" presId="urn:microsoft.com/office/officeart/2005/8/layout/default"/>
+    <dgm:cxn modelId="{05D07A24-1763-483E-AA8E-36BABDA45FC8}" type="presOf" srcId="{09A35EA0-3E60-491C-A515-9C4B46B73B7B}" destId="{07146097-D8EB-42A0-82B6-1EEAA90F2445}" srcOrd="0" destOrd="0" presId="urn:microsoft.com/office/officeart/2005/8/layout/default"/>
     <dgm:cxn modelId="{303E7C17-49AB-4D42-91BC-7A7DA0D968DE}" srcId="{2927FB38-3512-40E2-B504-D77A64E13296}" destId="{C167B42B-8239-47AE-BC37-4DD7822F2368}" srcOrd="1" destOrd="0" parTransId="{A6BF3024-83B9-473F-9CC8-34A2268F637C}" sibTransId="{50368CB1-F831-4CBF-9A59-405C4F60F549}"/>
-    <dgm:cxn modelId="{7A3A9B27-9202-483A-98F4-B0E42AE13272}" type="presOf" srcId="{7BCDFECE-EF78-4D3D-B19F-6D1567A9D7F4}" destId="{91A1C46E-06FC-4233-B1C1-803B20745470}" srcOrd="0" destOrd="0" presId="urn:microsoft.com/office/officeart/2005/8/layout/default"/>
+    <dgm:cxn modelId="{0295EE0E-7D3A-48E7-A204-B5D1CFD092C0}" type="presOf" srcId="{87ACD990-04B4-4A55-A76F-041815DFC8A6}" destId="{B56ED1B3-AD12-493A-B779-5705C6E8B046}" srcOrd="0" destOrd="0" presId="urn:microsoft.com/office/officeart/2005/8/layout/default"/>
+    <dgm:cxn modelId="{7FE1A1D5-57B6-4DDF-9A2A-E672D73DB385}" type="presOf" srcId="{D76AE78C-424D-4C80-BEA8-592D6F5F1B35}" destId="{8FF795FB-0350-4C79-9B38-BEB6DEE8C250}" srcOrd="0" destOrd="0" presId="urn:microsoft.com/office/officeart/2005/8/layout/default"/>
     <dgm:cxn modelId="{60062805-872F-4406-B34A-B67AA4CB2990}" type="presParOf" srcId="{7731FC45-56C6-482F-9554-BB272BA8736E}" destId="{3B3FEAC4-4769-48D4-B749-EC0AF2843F41}" srcOrd="0" destOrd="0" presId="urn:microsoft.com/office/officeart/2005/8/layout/default"/>
     <dgm:cxn modelId="{BC7360B4-1BC4-4BA6-86C8-462EA71236B5}" type="presParOf" srcId="{7731FC45-56C6-482F-9554-BB272BA8736E}" destId="{2210154D-E38B-4D1D-8297-6D78D93EE224}" srcOrd="1" destOrd="0" presId="urn:microsoft.com/office/officeart/2005/8/layout/default"/>
     <dgm:cxn modelId="{C5958393-6355-496A-87F9-55CEB6598943}" type="presParOf" srcId="{7731FC45-56C6-482F-9554-BB272BA8736E}" destId="{979AEEEC-7724-4C98-A03C-FCE9E240B2C6}" srcOrd="2" destOrd="0" presId="urn:microsoft.com/office/officeart/2005/8/layout/default"/>
@@ -6329,760 +5545,6 @@
   <dgm:extLst>
     <a:ext uri="http://schemas.microsoft.com/office/drawing/2008/diagram">
       <dsp:dataModelExt xmlns:dsp="http://schemas.microsoft.com/office/drawing/2008/diagram" relId="rId6" minVer="http://schemas.openxmlformats.org/drawingml/2006/diagram"/>
-    </a:ext>
-  </dgm:extLst>
-</dgm:dataModel>
-</file>
-
-<file path=ppt/diagrams/data6.xml><?xml version="1.0" encoding="utf-8"?>
-<dgm:dataModel xmlns:dgm="http://schemas.openxmlformats.org/drawingml/2006/diagram" xmlns:a="http://schemas.openxmlformats.org/drawingml/2006/main">
-  <dgm:ptLst>
-    <dgm:pt modelId="{9D785267-21AD-481F-B351-7809B96DA154}" type="doc">
-      <dgm:prSet loTypeId="urn:microsoft.com/office/officeart/2005/8/layout/vList5" loCatId="list" qsTypeId="urn:microsoft.com/office/officeart/2005/8/quickstyle/simple4" qsCatId="simple" csTypeId="urn:microsoft.com/office/officeart/2005/8/colors/colorful2" csCatId="colorful"/>
-      <dgm:spPr/>
-      <dgm:t>
-        <a:bodyPr/>
-        <a:lstStyle/>
-        <a:p>
-          <a:endParaRPr lang="en-US"/>
-        </a:p>
-      </dgm:t>
-    </dgm:pt>
-    <dgm:pt modelId="{A6934BEF-EF20-4FD0-BEA6-914F1FD1C7C0}">
-      <dgm:prSet/>
-      <dgm:spPr/>
-      <dgm:t>
-        <a:bodyPr/>
-        <a:lstStyle/>
-        <a:p>
-          <a:r>
-            <a:rPr lang="en-US"/>
-            <a:t>ipconfig / ifconfig</a:t>
-          </a:r>
-        </a:p>
-      </dgm:t>
-    </dgm:pt>
-    <dgm:pt modelId="{58BC7A9E-64D8-4BB2-A9D9-81AFCF645AB1}" type="parTrans" cxnId="{A2DC5C57-77F1-4817-B1EE-1477FCBCDE06}">
-      <dgm:prSet/>
-      <dgm:spPr/>
-      <dgm:t>
-        <a:bodyPr/>
-        <a:lstStyle/>
-        <a:p>
-          <a:endParaRPr lang="en-US"/>
-        </a:p>
-      </dgm:t>
-    </dgm:pt>
-    <dgm:pt modelId="{88C75DB8-1CD7-422E-B9AC-796EC250B400}" type="sibTrans" cxnId="{A2DC5C57-77F1-4817-B1EE-1477FCBCDE06}">
-      <dgm:prSet/>
-      <dgm:spPr/>
-      <dgm:t>
-        <a:bodyPr/>
-        <a:lstStyle/>
-        <a:p>
-          <a:endParaRPr lang="en-US"/>
-        </a:p>
-      </dgm:t>
-    </dgm:pt>
-    <dgm:pt modelId="{E067515D-BA13-44D7-85EB-1ADC60B14FAB}">
-      <dgm:prSet/>
-      <dgm:spPr/>
-      <dgm:t>
-        <a:bodyPr/>
-        <a:lstStyle/>
-        <a:p>
-          <a:r>
-            <a:rPr lang="en-US"/>
-            <a:t>For retrieving IP configuration of a device</a:t>
-          </a:r>
-        </a:p>
-      </dgm:t>
-    </dgm:pt>
-    <dgm:pt modelId="{B210159D-6EDB-461A-9357-3A902E261CFF}" type="parTrans" cxnId="{2DB626A2-4EDE-4186-B29F-1B8FD105BCC1}">
-      <dgm:prSet/>
-      <dgm:spPr/>
-      <dgm:t>
-        <a:bodyPr/>
-        <a:lstStyle/>
-        <a:p>
-          <a:endParaRPr lang="en-US"/>
-        </a:p>
-      </dgm:t>
-    </dgm:pt>
-    <dgm:pt modelId="{BA4F0DE4-8BEC-4B54-A6B4-0870327187B7}" type="sibTrans" cxnId="{2DB626A2-4EDE-4186-B29F-1B8FD105BCC1}">
-      <dgm:prSet/>
-      <dgm:spPr/>
-      <dgm:t>
-        <a:bodyPr/>
-        <a:lstStyle/>
-        <a:p>
-          <a:endParaRPr lang="en-US"/>
-        </a:p>
-      </dgm:t>
-    </dgm:pt>
-    <dgm:pt modelId="{6838D8B8-3E83-4571-8C58-6E652BA54B2F}">
-      <dgm:prSet/>
-      <dgm:spPr/>
-      <dgm:t>
-        <a:bodyPr/>
-        <a:lstStyle/>
-        <a:p>
-          <a:r>
-            <a:rPr lang="en-US"/>
-            <a:t>ping</a:t>
-          </a:r>
-        </a:p>
-      </dgm:t>
-    </dgm:pt>
-    <dgm:pt modelId="{576960CB-8827-4507-8D44-B43A1C3DB394}" type="parTrans" cxnId="{7AC03E8E-BE58-4945-BB48-79475BE30049}">
-      <dgm:prSet/>
-      <dgm:spPr/>
-      <dgm:t>
-        <a:bodyPr/>
-        <a:lstStyle/>
-        <a:p>
-          <a:endParaRPr lang="en-US"/>
-        </a:p>
-      </dgm:t>
-    </dgm:pt>
-    <dgm:pt modelId="{1285F841-ADD2-44E6-9403-A1A8735502F6}" type="sibTrans" cxnId="{7AC03E8E-BE58-4945-BB48-79475BE30049}">
-      <dgm:prSet/>
-      <dgm:spPr/>
-      <dgm:t>
-        <a:bodyPr/>
-        <a:lstStyle/>
-        <a:p>
-          <a:endParaRPr lang="en-US"/>
-        </a:p>
-      </dgm:t>
-    </dgm:pt>
-    <dgm:pt modelId="{138F8CB7-F6C4-433C-9214-1F1B22CD0B87}">
-      <dgm:prSet/>
-      <dgm:spPr/>
-      <dgm:t>
-        <a:bodyPr/>
-        <a:lstStyle/>
-        <a:p>
-          <a:r>
-            <a:rPr lang="en-US"/>
-            <a:t>To test communications with another device on a network.</a:t>
-          </a:r>
-        </a:p>
-      </dgm:t>
-    </dgm:pt>
-    <dgm:pt modelId="{60A1A28E-A132-40EF-8C0E-F72C6B5B56EE}" type="parTrans" cxnId="{528537D6-526C-443A-9031-B84895F6CA41}">
-      <dgm:prSet/>
-      <dgm:spPr/>
-      <dgm:t>
-        <a:bodyPr/>
-        <a:lstStyle/>
-        <a:p>
-          <a:endParaRPr lang="en-US"/>
-        </a:p>
-      </dgm:t>
-    </dgm:pt>
-    <dgm:pt modelId="{BE087345-C7BE-4D63-97AB-36864D67DFEC}" type="sibTrans" cxnId="{528537D6-526C-443A-9031-B84895F6CA41}">
-      <dgm:prSet/>
-      <dgm:spPr/>
-      <dgm:t>
-        <a:bodyPr/>
-        <a:lstStyle/>
-        <a:p>
-          <a:endParaRPr lang="en-US"/>
-        </a:p>
-      </dgm:t>
-    </dgm:pt>
-    <dgm:pt modelId="{9E8985B4-5F9E-4AF9-B980-5640DA9C6420}">
-      <dgm:prSet/>
-      <dgm:spPr/>
-      <dgm:t>
-        <a:bodyPr/>
-        <a:lstStyle/>
-        <a:p>
-          <a:r>
-            <a:rPr lang="en-US"/>
-            <a:t>nslookup</a:t>
-          </a:r>
-        </a:p>
-      </dgm:t>
-    </dgm:pt>
-    <dgm:pt modelId="{E43B590A-C546-4B6C-943A-ABECC796F328}" type="parTrans" cxnId="{191CE589-2866-4E84-8284-037AEA338AB5}">
-      <dgm:prSet/>
-      <dgm:spPr/>
-      <dgm:t>
-        <a:bodyPr/>
-        <a:lstStyle/>
-        <a:p>
-          <a:endParaRPr lang="en-US"/>
-        </a:p>
-      </dgm:t>
-    </dgm:pt>
-    <dgm:pt modelId="{17CAF481-CF7D-4599-83A3-6773CB856B58}" type="sibTrans" cxnId="{191CE589-2866-4E84-8284-037AEA338AB5}">
-      <dgm:prSet/>
-      <dgm:spPr/>
-      <dgm:t>
-        <a:bodyPr/>
-        <a:lstStyle/>
-        <a:p>
-          <a:endParaRPr lang="en-US"/>
-        </a:p>
-      </dgm:t>
-    </dgm:pt>
-    <dgm:pt modelId="{67EC4144-1E53-4871-8F18-E557CDCB4202}">
-      <dgm:prSet/>
-      <dgm:spPr/>
-      <dgm:t>
-        <a:bodyPr/>
-        <a:lstStyle/>
-        <a:p>
-          <a:r>
-            <a:rPr lang="en-US"/>
-            <a:t>To resolve an IP Address to a DNS Name</a:t>
-          </a:r>
-        </a:p>
-      </dgm:t>
-    </dgm:pt>
-    <dgm:pt modelId="{83085671-084B-4023-B2BD-AF729C81D8DF}" type="parTrans" cxnId="{CAA7B8DD-D1EE-4436-921B-9C1AB3975D20}">
-      <dgm:prSet/>
-      <dgm:spPr/>
-      <dgm:t>
-        <a:bodyPr/>
-        <a:lstStyle/>
-        <a:p>
-          <a:endParaRPr lang="en-US"/>
-        </a:p>
-      </dgm:t>
-    </dgm:pt>
-    <dgm:pt modelId="{E0376489-6F51-4C86-A65C-C0EA907A6402}" type="sibTrans" cxnId="{CAA7B8DD-D1EE-4436-921B-9C1AB3975D20}">
-      <dgm:prSet/>
-      <dgm:spPr/>
-      <dgm:t>
-        <a:bodyPr/>
-        <a:lstStyle/>
-        <a:p>
-          <a:endParaRPr lang="en-US"/>
-        </a:p>
-      </dgm:t>
-    </dgm:pt>
-    <dgm:pt modelId="{27855A7A-88DB-4A2B-8ACA-09A9646C40C3}">
-      <dgm:prSet/>
-      <dgm:spPr/>
-      <dgm:t>
-        <a:bodyPr/>
-        <a:lstStyle/>
-        <a:p>
-          <a:r>
-            <a:rPr lang="en-US"/>
-            <a:t>nmap</a:t>
-          </a:r>
-        </a:p>
-      </dgm:t>
-    </dgm:pt>
-    <dgm:pt modelId="{BBBD5CC1-86D3-489C-9EDD-B530DA7705F9}" type="parTrans" cxnId="{618AFA2B-53C8-4518-9404-2501EE3245A7}">
-      <dgm:prSet/>
-      <dgm:spPr/>
-      <dgm:t>
-        <a:bodyPr/>
-        <a:lstStyle/>
-        <a:p>
-          <a:endParaRPr lang="en-US"/>
-        </a:p>
-      </dgm:t>
-    </dgm:pt>
-    <dgm:pt modelId="{9DA169C4-A266-4E44-99C4-22D5C7B1DF45}" type="sibTrans" cxnId="{618AFA2B-53C8-4518-9404-2501EE3245A7}">
-      <dgm:prSet/>
-      <dgm:spPr/>
-      <dgm:t>
-        <a:bodyPr/>
-        <a:lstStyle/>
-        <a:p>
-          <a:endParaRPr lang="en-US"/>
-        </a:p>
-      </dgm:t>
-    </dgm:pt>
-    <dgm:pt modelId="{F4714888-AE50-4B18-80AA-55532D29B65B}">
-      <dgm:prSet/>
-      <dgm:spPr/>
-      <dgm:t>
-        <a:bodyPr/>
-        <a:lstStyle/>
-        <a:p>
-          <a:r>
-            <a:rPr lang="en-US"/>
-            <a:t>To test open TCP ports on a network endpoint</a:t>
-          </a:r>
-        </a:p>
-      </dgm:t>
-    </dgm:pt>
-    <dgm:pt modelId="{E7360361-FAB2-49D9-B9A1-A6EE73EA8A80}" type="parTrans" cxnId="{26394FCB-6667-4998-ABBF-255F35F0EC3C}">
-      <dgm:prSet/>
-      <dgm:spPr/>
-      <dgm:t>
-        <a:bodyPr/>
-        <a:lstStyle/>
-        <a:p>
-          <a:endParaRPr lang="en-US"/>
-        </a:p>
-      </dgm:t>
-    </dgm:pt>
-    <dgm:pt modelId="{F3FBFA69-3FBA-4DE4-A460-1899C445237D}" type="sibTrans" cxnId="{26394FCB-6667-4998-ABBF-255F35F0EC3C}">
-      <dgm:prSet/>
-      <dgm:spPr/>
-      <dgm:t>
-        <a:bodyPr/>
-        <a:lstStyle/>
-        <a:p>
-          <a:endParaRPr lang="en-US"/>
-        </a:p>
-      </dgm:t>
-    </dgm:pt>
-    <dgm:pt modelId="{71A95673-B0DE-4D8B-B1BF-1A6DFEA9E6CF}">
-      <dgm:prSet/>
-      <dgm:spPr/>
-      <dgm:t>
-        <a:bodyPr/>
-        <a:lstStyle/>
-        <a:p>
-          <a:r>
-            <a:rPr lang="en-US"/>
-            <a:t>tracert (traceroute)</a:t>
-          </a:r>
-        </a:p>
-      </dgm:t>
-    </dgm:pt>
-    <dgm:pt modelId="{F8B123DB-33E6-4BB0-978B-ACC9E1D7D08F}" type="parTrans" cxnId="{4FDA9741-D132-4EAF-92EB-13B2655665A3}">
-      <dgm:prSet/>
-      <dgm:spPr/>
-      <dgm:t>
-        <a:bodyPr/>
-        <a:lstStyle/>
-        <a:p>
-          <a:endParaRPr lang="en-US"/>
-        </a:p>
-      </dgm:t>
-    </dgm:pt>
-    <dgm:pt modelId="{6EE0B6D5-991A-4BD9-8F33-F76EBF7BD3C8}" type="sibTrans" cxnId="{4FDA9741-D132-4EAF-92EB-13B2655665A3}">
-      <dgm:prSet/>
-      <dgm:spPr/>
-      <dgm:t>
-        <a:bodyPr/>
-        <a:lstStyle/>
-        <a:p>
-          <a:endParaRPr lang="en-US"/>
-        </a:p>
-      </dgm:t>
-    </dgm:pt>
-    <dgm:pt modelId="{87154DC4-6870-4A3B-8249-07574682C5CB}">
-      <dgm:prSet/>
-      <dgm:spPr/>
-      <dgm:t>
-        <a:bodyPr/>
-        <a:lstStyle/>
-        <a:p>
-          <a:r>
-            <a:rPr lang="en-US"/>
-            <a:t>For tracing the entire path a packet traverses to reach and endpoint</a:t>
-          </a:r>
-        </a:p>
-      </dgm:t>
-    </dgm:pt>
-    <dgm:pt modelId="{2586327C-9215-480D-8103-06306A7906C5}" type="parTrans" cxnId="{705F1795-D64A-4FC7-A9DC-870445EAA354}">
-      <dgm:prSet/>
-      <dgm:spPr/>
-      <dgm:t>
-        <a:bodyPr/>
-        <a:lstStyle/>
-        <a:p>
-          <a:endParaRPr lang="en-US"/>
-        </a:p>
-      </dgm:t>
-    </dgm:pt>
-    <dgm:pt modelId="{9410579A-E785-41D9-9E8E-F73DFA9371E9}" type="sibTrans" cxnId="{705F1795-D64A-4FC7-A9DC-870445EAA354}">
-      <dgm:prSet/>
-      <dgm:spPr/>
-      <dgm:t>
-        <a:bodyPr/>
-        <a:lstStyle/>
-        <a:p>
-          <a:endParaRPr lang="en-US"/>
-        </a:p>
-      </dgm:t>
-    </dgm:pt>
-    <dgm:pt modelId="{3AFD765D-5492-40D9-A05B-C524CAD24D5A}">
-      <dgm:prSet/>
-      <dgm:spPr/>
-      <dgm:t>
-        <a:bodyPr/>
-        <a:lstStyle/>
-        <a:p>
-          <a:r>
-            <a:rPr lang="en-US"/>
-            <a:t>netstat</a:t>
-          </a:r>
-        </a:p>
-      </dgm:t>
-    </dgm:pt>
-    <dgm:pt modelId="{6D064769-9E97-4684-8FB1-073A0CB6C5B6}" type="parTrans" cxnId="{548998BA-B8BE-426C-A253-F7AE8CED1B7C}">
-      <dgm:prSet/>
-      <dgm:spPr/>
-      <dgm:t>
-        <a:bodyPr/>
-        <a:lstStyle/>
-        <a:p>
-          <a:endParaRPr lang="en-US"/>
-        </a:p>
-      </dgm:t>
-    </dgm:pt>
-    <dgm:pt modelId="{4CA60B1A-9995-4398-A0E9-F02E7FC851F7}" type="sibTrans" cxnId="{548998BA-B8BE-426C-A253-F7AE8CED1B7C}">
-      <dgm:prSet/>
-      <dgm:spPr/>
-      <dgm:t>
-        <a:bodyPr/>
-        <a:lstStyle/>
-        <a:p>
-          <a:endParaRPr lang="en-US"/>
-        </a:p>
-      </dgm:t>
-    </dgm:pt>
-    <dgm:pt modelId="{11E24C7B-E724-47DB-8245-836532D70F93}">
-      <dgm:prSet/>
-      <dgm:spPr/>
-      <dgm:t>
-        <a:bodyPr/>
-        <a:lstStyle/>
-        <a:p>
-          <a:r>
-            <a:rPr lang="en-US"/>
-            <a:t>For viewing all active communications (inbound and outbound).</a:t>
-          </a:r>
-        </a:p>
-      </dgm:t>
-    </dgm:pt>
-    <dgm:pt modelId="{C8BC9517-2517-4D13-8B51-61420CF844B9}" type="parTrans" cxnId="{562335C5-61F8-4568-9644-24444195BF8A}">
-      <dgm:prSet/>
-      <dgm:spPr/>
-      <dgm:t>
-        <a:bodyPr/>
-        <a:lstStyle/>
-        <a:p>
-          <a:endParaRPr lang="en-US"/>
-        </a:p>
-      </dgm:t>
-    </dgm:pt>
-    <dgm:pt modelId="{5802146A-3875-4133-B46D-713290F2C73E}" type="sibTrans" cxnId="{562335C5-61F8-4568-9644-24444195BF8A}">
-      <dgm:prSet/>
-      <dgm:spPr/>
-      <dgm:t>
-        <a:bodyPr/>
-        <a:lstStyle/>
-        <a:p>
-          <a:endParaRPr lang="en-US"/>
-        </a:p>
-      </dgm:t>
-    </dgm:pt>
-    <dgm:pt modelId="{BEEFA2C7-54D0-4033-BDF2-8B5B977CE16E}" type="pres">
-      <dgm:prSet presAssocID="{9D785267-21AD-481F-B351-7809B96DA154}" presName="Name0" presStyleCnt="0">
-        <dgm:presLayoutVars>
-          <dgm:dir/>
-          <dgm:animLvl val="lvl"/>
-          <dgm:resizeHandles val="exact"/>
-        </dgm:presLayoutVars>
-      </dgm:prSet>
-      <dgm:spPr/>
-      <dgm:t>
-        <a:bodyPr/>
-        <a:lstStyle/>
-        <a:p>
-          <a:endParaRPr lang="en-US"/>
-        </a:p>
-      </dgm:t>
-    </dgm:pt>
-    <dgm:pt modelId="{1BC1FD7F-7124-4C08-831B-12EC1C4C344B}" type="pres">
-      <dgm:prSet presAssocID="{A6934BEF-EF20-4FD0-BEA6-914F1FD1C7C0}" presName="linNode" presStyleCnt="0"/>
-      <dgm:spPr/>
-    </dgm:pt>
-    <dgm:pt modelId="{B7157224-BFAD-4E9F-A4EA-6C66DE876D51}" type="pres">
-      <dgm:prSet presAssocID="{A6934BEF-EF20-4FD0-BEA6-914F1FD1C7C0}" presName="parentText" presStyleLbl="node1" presStyleIdx="0" presStyleCnt="6">
-        <dgm:presLayoutVars>
-          <dgm:chMax val="1"/>
-          <dgm:bulletEnabled val="1"/>
-        </dgm:presLayoutVars>
-      </dgm:prSet>
-      <dgm:spPr/>
-      <dgm:t>
-        <a:bodyPr/>
-        <a:lstStyle/>
-        <a:p>
-          <a:endParaRPr lang="en-US"/>
-        </a:p>
-      </dgm:t>
-    </dgm:pt>
-    <dgm:pt modelId="{D28206AC-B935-4157-99A4-C247686FED65}" type="pres">
-      <dgm:prSet presAssocID="{A6934BEF-EF20-4FD0-BEA6-914F1FD1C7C0}" presName="descendantText" presStyleLbl="alignAccFollowNode1" presStyleIdx="0" presStyleCnt="6">
-        <dgm:presLayoutVars>
-          <dgm:bulletEnabled val="1"/>
-        </dgm:presLayoutVars>
-      </dgm:prSet>
-      <dgm:spPr/>
-      <dgm:t>
-        <a:bodyPr/>
-        <a:lstStyle/>
-        <a:p>
-          <a:endParaRPr lang="en-US"/>
-        </a:p>
-      </dgm:t>
-    </dgm:pt>
-    <dgm:pt modelId="{BF53B6B5-4FA4-4788-997E-12C898A54940}" type="pres">
-      <dgm:prSet presAssocID="{88C75DB8-1CD7-422E-B9AC-796EC250B400}" presName="sp" presStyleCnt="0"/>
-      <dgm:spPr/>
-    </dgm:pt>
-    <dgm:pt modelId="{8871B99D-142A-4D5F-949F-C3EC42897AE5}" type="pres">
-      <dgm:prSet presAssocID="{6838D8B8-3E83-4571-8C58-6E652BA54B2F}" presName="linNode" presStyleCnt="0"/>
-      <dgm:spPr/>
-    </dgm:pt>
-    <dgm:pt modelId="{7ECD120B-8CEE-4B94-9F44-21292E48FFBE}" type="pres">
-      <dgm:prSet presAssocID="{6838D8B8-3E83-4571-8C58-6E652BA54B2F}" presName="parentText" presStyleLbl="node1" presStyleIdx="1" presStyleCnt="6">
-        <dgm:presLayoutVars>
-          <dgm:chMax val="1"/>
-          <dgm:bulletEnabled val="1"/>
-        </dgm:presLayoutVars>
-      </dgm:prSet>
-      <dgm:spPr/>
-      <dgm:t>
-        <a:bodyPr/>
-        <a:lstStyle/>
-        <a:p>
-          <a:endParaRPr lang="en-US"/>
-        </a:p>
-      </dgm:t>
-    </dgm:pt>
-    <dgm:pt modelId="{D8337C47-F0E0-45BA-9654-81D6734E3511}" type="pres">
-      <dgm:prSet presAssocID="{6838D8B8-3E83-4571-8C58-6E652BA54B2F}" presName="descendantText" presStyleLbl="alignAccFollowNode1" presStyleIdx="1" presStyleCnt="6">
-        <dgm:presLayoutVars>
-          <dgm:bulletEnabled val="1"/>
-        </dgm:presLayoutVars>
-      </dgm:prSet>
-      <dgm:spPr/>
-      <dgm:t>
-        <a:bodyPr/>
-        <a:lstStyle/>
-        <a:p>
-          <a:endParaRPr lang="en-US"/>
-        </a:p>
-      </dgm:t>
-    </dgm:pt>
-    <dgm:pt modelId="{60F64971-6E60-4557-A4C8-67B360BE835D}" type="pres">
-      <dgm:prSet presAssocID="{1285F841-ADD2-44E6-9403-A1A8735502F6}" presName="sp" presStyleCnt="0"/>
-      <dgm:spPr/>
-    </dgm:pt>
-    <dgm:pt modelId="{9A060136-974F-4B98-9851-315733D7F94A}" type="pres">
-      <dgm:prSet presAssocID="{9E8985B4-5F9E-4AF9-B980-5640DA9C6420}" presName="linNode" presStyleCnt="0"/>
-      <dgm:spPr/>
-    </dgm:pt>
-    <dgm:pt modelId="{FB2EB111-9B0A-4DE8-8447-2B6F2EF62190}" type="pres">
-      <dgm:prSet presAssocID="{9E8985B4-5F9E-4AF9-B980-5640DA9C6420}" presName="parentText" presStyleLbl="node1" presStyleIdx="2" presStyleCnt="6">
-        <dgm:presLayoutVars>
-          <dgm:chMax val="1"/>
-          <dgm:bulletEnabled val="1"/>
-        </dgm:presLayoutVars>
-      </dgm:prSet>
-      <dgm:spPr/>
-      <dgm:t>
-        <a:bodyPr/>
-        <a:lstStyle/>
-        <a:p>
-          <a:endParaRPr lang="en-US"/>
-        </a:p>
-      </dgm:t>
-    </dgm:pt>
-    <dgm:pt modelId="{8D1F05E9-2853-477F-BAB4-DF1161B0CCA7}" type="pres">
-      <dgm:prSet presAssocID="{9E8985B4-5F9E-4AF9-B980-5640DA9C6420}" presName="descendantText" presStyleLbl="alignAccFollowNode1" presStyleIdx="2" presStyleCnt="6">
-        <dgm:presLayoutVars>
-          <dgm:bulletEnabled val="1"/>
-        </dgm:presLayoutVars>
-      </dgm:prSet>
-      <dgm:spPr/>
-      <dgm:t>
-        <a:bodyPr/>
-        <a:lstStyle/>
-        <a:p>
-          <a:endParaRPr lang="en-US"/>
-        </a:p>
-      </dgm:t>
-    </dgm:pt>
-    <dgm:pt modelId="{A30B4A2B-97E0-4456-A4FB-788B031A7C8A}" type="pres">
-      <dgm:prSet presAssocID="{17CAF481-CF7D-4599-83A3-6773CB856B58}" presName="sp" presStyleCnt="0"/>
-      <dgm:spPr/>
-    </dgm:pt>
-    <dgm:pt modelId="{7B35CE73-19D8-4A46-971E-5D6AB5760828}" type="pres">
-      <dgm:prSet presAssocID="{27855A7A-88DB-4A2B-8ACA-09A9646C40C3}" presName="linNode" presStyleCnt="0"/>
-      <dgm:spPr/>
-    </dgm:pt>
-    <dgm:pt modelId="{44C58D03-2503-455F-9E67-C7B6080DCBB4}" type="pres">
-      <dgm:prSet presAssocID="{27855A7A-88DB-4A2B-8ACA-09A9646C40C3}" presName="parentText" presStyleLbl="node1" presStyleIdx="3" presStyleCnt="6">
-        <dgm:presLayoutVars>
-          <dgm:chMax val="1"/>
-          <dgm:bulletEnabled val="1"/>
-        </dgm:presLayoutVars>
-      </dgm:prSet>
-      <dgm:spPr/>
-      <dgm:t>
-        <a:bodyPr/>
-        <a:lstStyle/>
-        <a:p>
-          <a:endParaRPr lang="en-US"/>
-        </a:p>
-      </dgm:t>
-    </dgm:pt>
-    <dgm:pt modelId="{D1FA42EE-9581-4122-AFD3-59CB9716635C}" type="pres">
-      <dgm:prSet presAssocID="{27855A7A-88DB-4A2B-8ACA-09A9646C40C3}" presName="descendantText" presStyleLbl="alignAccFollowNode1" presStyleIdx="3" presStyleCnt="6">
-        <dgm:presLayoutVars>
-          <dgm:bulletEnabled val="1"/>
-        </dgm:presLayoutVars>
-      </dgm:prSet>
-      <dgm:spPr/>
-      <dgm:t>
-        <a:bodyPr/>
-        <a:lstStyle/>
-        <a:p>
-          <a:endParaRPr lang="en-US"/>
-        </a:p>
-      </dgm:t>
-    </dgm:pt>
-    <dgm:pt modelId="{E7BB9363-8944-45E8-A9FA-847DE8A686A1}" type="pres">
-      <dgm:prSet presAssocID="{9DA169C4-A266-4E44-99C4-22D5C7B1DF45}" presName="sp" presStyleCnt="0"/>
-      <dgm:spPr/>
-    </dgm:pt>
-    <dgm:pt modelId="{DDEE6751-4C0A-4B25-B4B9-05B17FDFD810}" type="pres">
-      <dgm:prSet presAssocID="{71A95673-B0DE-4D8B-B1BF-1A6DFEA9E6CF}" presName="linNode" presStyleCnt="0"/>
-      <dgm:spPr/>
-    </dgm:pt>
-    <dgm:pt modelId="{0F9434F5-6C86-4C47-9812-348CF3B5829E}" type="pres">
-      <dgm:prSet presAssocID="{71A95673-B0DE-4D8B-B1BF-1A6DFEA9E6CF}" presName="parentText" presStyleLbl="node1" presStyleIdx="4" presStyleCnt="6">
-        <dgm:presLayoutVars>
-          <dgm:chMax val="1"/>
-          <dgm:bulletEnabled val="1"/>
-        </dgm:presLayoutVars>
-      </dgm:prSet>
-      <dgm:spPr/>
-      <dgm:t>
-        <a:bodyPr/>
-        <a:lstStyle/>
-        <a:p>
-          <a:endParaRPr lang="en-US"/>
-        </a:p>
-      </dgm:t>
-    </dgm:pt>
-    <dgm:pt modelId="{793A9AF8-8D99-471F-A596-19F6BB196B8C}" type="pres">
-      <dgm:prSet presAssocID="{71A95673-B0DE-4D8B-B1BF-1A6DFEA9E6CF}" presName="descendantText" presStyleLbl="alignAccFollowNode1" presStyleIdx="4" presStyleCnt="6">
-        <dgm:presLayoutVars>
-          <dgm:bulletEnabled val="1"/>
-        </dgm:presLayoutVars>
-      </dgm:prSet>
-      <dgm:spPr/>
-      <dgm:t>
-        <a:bodyPr/>
-        <a:lstStyle/>
-        <a:p>
-          <a:endParaRPr lang="en-US"/>
-        </a:p>
-      </dgm:t>
-    </dgm:pt>
-    <dgm:pt modelId="{16F1A27D-21CA-4F70-874F-1828F900694D}" type="pres">
-      <dgm:prSet presAssocID="{6EE0B6D5-991A-4BD9-8F33-F76EBF7BD3C8}" presName="sp" presStyleCnt="0"/>
-      <dgm:spPr/>
-    </dgm:pt>
-    <dgm:pt modelId="{6823425A-CD62-4643-AE93-90126BDAC994}" type="pres">
-      <dgm:prSet presAssocID="{3AFD765D-5492-40D9-A05B-C524CAD24D5A}" presName="linNode" presStyleCnt="0"/>
-      <dgm:spPr/>
-    </dgm:pt>
-    <dgm:pt modelId="{B7205F3D-B0B5-4167-8541-C80F4F9B4CF1}" type="pres">
-      <dgm:prSet presAssocID="{3AFD765D-5492-40D9-A05B-C524CAD24D5A}" presName="parentText" presStyleLbl="node1" presStyleIdx="5" presStyleCnt="6">
-        <dgm:presLayoutVars>
-          <dgm:chMax val="1"/>
-          <dgm:bulletEnabled val="1"/>
-        </dgm:presLayoutVars>
-      </dgm:prSet>
-      <dgm:spPr/>
-      <dgm:t>
-        <a:bodyPr/>
-        <a:lstStyle/>
-        <a:p>
-          <a:endParaRPr lang="en-US"/>
-        </a:p>
-      </dgm:t>
-    </dgm:pt>
-    <dgm:pt modelId="{936133A0-1C18-4D4F-B190-3A92BD18A9D9}" type="pres">
-      <dgm:prSet presAssocID="{3AFD765D-5492-40D9-A05B-C524CAD24D5A}" presName="descendantText" presStyleLbl="alignAccFollowNode1" presStyleIdx="5" presStyleCnt="6">
-        <dgm:presLayoutVars>
-          <dgm:bulletEnabled val="1"/>
-        </dgm:presLayoutVars>
-      </dgm:prSet>
-      <dgm:spPr/>
-      <dgm:t>
-        <a:bodyPr/>
-        <a:lstStyle/>
-        <a:p>
-          <a:endParaRPr lang="en-US"/>
-        </a:p>
-      </dgm:t>
-    </dgm:pt>
-  </dgm:ptLst>
-  <dgm:cxnLst>
-    <dgm:cxn modelId="{01C2C9EA-0C9C-4F75-8CCA-762E690A83AC}" type="presOf" srcId="{9E8985B4-5F9E-4AF9-B980-5640DA9C6420}" destId="{FB2EB111-9B0A-4DE8-8447-2B6F2EF62190}" srcOrd="0" destOrd="0" presId="urn:microsoft.com/office/officeart/2005/8/layout/vList5"/>
-    <dgm:cxn modelId="{F48EE92C-BB5C-4506-A4F1-89B060B6ECFF}" type="presOf" srcId="{71A95673-B0DE-4D8B-B1BF-1A6DFEA9E6CF}" destId="{0F9434F5-6C86-4C47-9812-348CF3B5829E}" srcOrd="0" destOrd="0" presId="urn:microsoft.com/office/officeart/2005/8/layout/vList5"/>
-    <dgm:cxn modelId="{618AFA2B-53C8-4518-9404-2501EE3245A7}" srcId="{9D785267-21AD-481F-B351-7809B96DA154}" destId="{27855A7A-88DB-4A2B-8ACA-09A9646C40C3}" srcOrd="3" destOrd="0" parTransId="{BBBD5CC1-86D3-489C-9EDD-B530DA7705F9}" sibTransId="{9DA169C4-A266-4E44-99C4-22D5C7B1DF45}"/>
-    <dgm:cxn modelId="{548998BA-B8BE-426C-A253-F7AE8CED1B7C}" srcId="{9D785267-21AD-481F-B351-7809B96DA154}" destId="{3AFD765D-5492-40D9-A05B-C524CAD24D5A}" srcOrd="5" destOrd="0" parTransId="{6D064769-9E97-4684-8FB1-073A0CB6C5B6}" sibTransId="{4CA60B1A-9995-4398-A0E9-F02E7FC851F7}"/>
-    <dgm:cxn modelId="{4FDA9741-D132-4EAF-92EB-13B2655665A3}" srcId="{9D785267-21AD-481F-B351-7809B96DA154}" destId="{71A95673-B0DE-4D8B-B1BF-1A6DFEA9E6CF}" srcOrd="4" destOrd="0" parTransId="{F8B123DB-33E6-4BB0-978B-ACC9E1D7D08F}" sibTransId="{6EE0B6D5-991A-4BD9-8F33-F76EBF7BD3C8}"/>
-    <dgm:cxn modelId="{26394FCB-6667-4998-ABBF-255F35F0EC3C}" srcId="{27855A7A-88DB-4A2B-8ACA-09A9646C40C3}" destId="{F4714888-AE50-4B18-80AA-55532D29B65B}" srcOrd="0" destOrd="0" parTransId="{E7360361-FAB2-49D9-B9A1-A6EE73EA8A80}" sibTransId="{F3FBFA69-3FBA-4DE4-A460-1899C445237D}"/>
-    <dgm:cxn modelId="{21702AD8-B63D-4965-B466-06529761FEFD}" type="presOf" srcId="{3AFD765D-5492-40D9-A05B-C524CAD24D5A}" destId="{B7205F3D-B0B5-4167-8541-C80F4F9B4CF1}" srcOrd="0" destOrd="0" presId="urn:microsoft.com/office/officeart/2005/8/layout/vList5"/>
-    <dgm:cxn modelId="{A82264D4-39DD-4283-8E8F-19B7EB0B7433}" type="presOf" srcId="{E067515D-BA13-44D7-85EB-1ADC60B14FAB}" destId="{D28206AC-B935-4157-99A4-C247686FED65}" srcOrd="0" destOrd="0" presId="urn:microsoft.com/office/officeart/2005/8/layout/vList5"/>
-    <dgm:cxn modelId="{191CE589-2866-4E84-8284-037AEA338AB5}" srcId="{9D785267-21AD-481F-B351-7809B96DA154}" destId="{9E8985B4-5F9E-4AF9-B980-5640DA9C6420}" srcOrd="2" destOrd="0" parTransId="{E43B590A-C546-4B6C-943A-ABECC796F328}" sibTransId="{17CAF481-CF7D-4599-83A3-6773CB856B58}"/>
-    <dgm:cxn modelId="{836C35FE-C39A-4102-8CFB-2A1574E10015}" type="presOf" srcId="{9D785267-21AD-481F-B351-7809B96DA154}" destId="{BEEFA2C7-54D0-4033-BDF2-8B5B977CE16E}" srcOrd="0" destOrd="0" presId="urn:microsoft.com/office/officeart/2005/8/layout/vList5"/>
-    <dgm:cxn modelId="{7AC03E8E-BE58-4945-BB48-79475BE30049}" srcId="{9D785267-21AD-481F-B351-7809B96DA154}" destId="{6838D8B8-3E83-4571-8C58-6E652BA54B2F}" srcOrd="1" destOrd="0" parTransId="{576960CB-8827-4507-8D44-B43A1C3DB394}" sibTransId="{1285F841-ADD2-44E6-9403-A1A8735502F6}"/>
-    <dgm:cxn modelId="{DC91B614-40F2-4FBE-945F-A73EFB5BED38}" type="presOf" srcId="{87154DC4-6870-4A3B-8249-07574682C5CB}" destId="{793A9AF8-8D99-471F-A596-19F6BB196B8C}" srcOrd="0" destOrd="0" presId="urn:microsoft.com/office/officeart/2005/8/layout/vList5"/>
-    <dgm:cxn modelId="{5F6E9DD9-5B29-4D57-9C45-71FC94390A0A}" type="presOf" srcId="{6838D8B8-3E83-4571-8C58-6E652BA54B2F}" destId="{7ECD120B-8CEE-4B94-9F44-21292E48FFBE}" srcOrd="0" destOrd="0" presId="urn:microsoft.com/office/officeart/2005/8/layout/vList5"/>
-    <dgm:cxn modelId="{705F1795-D64A-4FC7-A9DC-870445EAA354}" srcId="{71A95673-B0DE-4D8B-B1BF-1A6DFEA9E6CF}" destId="{87154DC4-6870-4A3B-8249-07574682C5CB}" srcOrd="0" destOrd="0" parTransId="{2586327C-9215-480D-8103-06306A7906C5}" sibTransId="{9410579A-E785-41D9-9E8E-F73DFA9371E9}"/>
-    <dgm:cxn modelId="{E15EFE8A-7D27-4332-959B-DA59A22CBFF1}" type="presOf" srcId="{11E24C7B-E724-47DB-8245-836532D70F93}" destId="{936133A0-1C18-4D4F-B190-3A92BD18A9D9}" srcOrd="0" destOrd="0" presId="urn:microsoft.com/office/officeart/2005/8/layout/vList5"/>
-    <dgm:cxn modelId="{A2DC5C57-77F1-4817-B1EE-1477FCBCDE06}" srcId="{9D785267-21AD-481F-B351-7809B96DA154}" destId="{A6934BEF-EF20-4FD0-BEA6-914F1FD1C7C0}" srcOrd="0" destOrd="0" parTransId="{58BC7A9E-64D8-4BB2-A9D9-81AFCF645AB1}" sibTransId="{88C75DB8-1CD7-422E-B9AC-796EC250B400}"/>
-    <dgm:cxn modelId="{562335C5-61F8-4568-9644-24444195BF8A}" srcId="{3AFD765D-5492-40D9-A05B-C524CAD24D5A}" destId="{11E24C7B-E724-47DB-8245-836532D70F93}" srcOrd="0" destOrd="0" parTransId="{C8BC9517-2517-4D13-8B51-61420CF844B9}" sibTransId="{5802146A-3875-4133-B46D-713290F2C73E}"/>
-    <dgm:cxn modelId="{D138363A-AACF-4046-A031-B0B6FED24381}" type="presOf" srcId="{138F8CB7-F6C4-433C-9214-1F1B22CD0B87}" destId="{D8337C47-F0E0-45BA-9654-81D6734E3511}" srcOrd="0" destOrd="0" presId="urn:microsoft.com/office/officeart/2005/8/layout/vList5"/>
-    <dgm:cxn modelId="{CAA7B8DD-D1EE-4436-921B-9C1AB3975D20}" srcId="{9E8985B4-5F9E-4AF9-B980-5640DA9C6420}" destId="{67EC4144-1E53-4871-8F18-E557CDCB4202}" srcOrd="0" destOrd="0" parTransId="{83085671-084B-4023-B2BD-AF729C81D8DF}" sibTransId="{E0376489-6F51-4C86-A65C-C0EA907A6402}"/>
-    <dgm:cxn modelId="{56AC8998-429B-4193-B215-F59D236BB32F}" type="presOf" srcId="{F4714888-AE50-4B18-80AA-55532D29B65B}" destId="{D1FA42EE-9581-4122-AFD3-59CB9716635C}" srcOrd="0" destOrd="0" presId="urn:microsoft.com/office/officeart/2005/8/layout/vList5"/>
-    <dgm:cxn modelId="{2DB626A2-4EDE-4186-B29F-1B8FD105BCC1}" srcId="{A6934BEF-EF20-4FD0-BEA6-914F1FD1C7C0}" destId="{E067515D-BA13-44D7-85EB-1ADC60B14FAB}" srcOrd="0" destOrd="0" parTransId="{B210159D-6EDB-461A-9357-3A902E261CFF}" sibTransId="{BA4F0DE4-8BEC-4B54-A6B4-0870327187B7}"/>
-    <dgm:cxn modelId="{D1A4EAF6-8B45-495B-961A-5376E736522F}" type="presOf" srcId="{67EC4144-1E53-4871-8F18-E557CDCB4202}" destId="{8D1F05E9-2853-477F-BAB4-DF1161B0CCA7}" srcOrd="0" destOrd="0" presId="urn:microsoft.com/office/officeart/2005/8/layout/vList5"/>
-    <dgm:cxn modelId="{8DCF2FF9-F7AE-416A-86CA-12B44FE3FC97}" type="presOf" srcId="{27855A7A-88DB-4A2B-8ACA-09A9646C40C3}" destId="{44C58D03-2503-455F-9E67-C7B6080DCBB4}" srcOrd="0" destOrd="0" presId="urn:microsoft.com/office/officeart/2005/8/layout/vList5"/>
-    <dgm:cxn modelId="{528537D6-526C-443A-9031-B84895F6CA41}" srcId="{6838D8B8-3E83-4571-8C58-6E652BA54B2F}" destId="{138F8CB7-F6C4-433C-9214-1F1B22CD0B87}" srcOrd="0" destOrd="0" parTransId="{60A1A28E-A132-40EF-8C0E-F72C6B5B56EE}" sibTransId="{BE087345-C7BE-4D63-97AB-36864D67DFEC}"/>
-    <dgm:cxn modelId="{26C4A694-F57D-4B6E-9E30-E6FB397E649D}" type="presOf" srcId="{A6934BEF-EF20-4FD0-BEA6-914F1FD1C7C0}" destId="{B7157224-BFAD-4E9F-A4EA-6C66DE876D51}" srcOrd="0" destOrd="0" presId="urn:microsoft.com/office/officeart/2005/8/layout/vList5"/>
-    <dgm:cxn modelId="{04DB7AEA-606B-4AAC-A7F1-3E9463598D75}" type="presParOf" srcId="{BEEFA2C7-54D0-4033-BDF2-8B5B977CE16E}" destId="{1BC1FD7F-7124-4C08-831B-12EC1C4C344B}" srcOrd="0" destOrd="0" presId="urn:microsoft.com/office/officeart/2005/8/layout/vList5"/>
-    <dgm:cxn modelId="{08435FBF-E005-4EE1-B80A-61D711547EBD}" type="presParOf" srcId="{1BC1FD7F-7124-4C08-831B-12EC1C4C344B}" destId="{B7157224-BFAD-4E9F-A4EA-6C66DE876D51}" srcOrd="0" destOrd="0" presId="urn:microsoft.com/office/officeart/2005/8/layout/vList5"/>
-    <dgm:cxn modelId="{A5A60C90-6AE5-44BD-8557-DC795DCD9B95}" type="presParOf" srcId="{1BC1FD7F-7124-4C08-831B-12EC1C4C344B}" destId="{D28206AC-B935-4157-99A4-C247686FED65}" srcOrd="1" destOrd="0" presId="urn:microsoft.com/office/officeart/2005/8/layout/vList5"/>
-    <dgm:cxn modelId="{5D33D0F7-DF31-4508-81AD-0AEA3F7C037B}" type="presParOf" srcId="{BEEFA2C7-54D0-4033-BDF2-8B5B977CE16E}" destId="{BF53B6B5-4FA4-4788-997E-12C898A54940}" srcOrd="1" destOrd="0" presId="urn:microsoft.com/office/officeart/2005/8/layout/vList5"/>
-    <dgm:cxn modelId="{3B6800BE-D6BE-498A-9E63-627C21162D3A}" type="presParOf" srcId="{BEEFA2C7-54D0-4033-BDF2-8B5B977CE16E}" destId="{8871B99D-142A-4D5F-949F-C3EC42897AE5}" srcOrd="2" destOrd="0" presId="urn:microsoft.com/office/officeart/2005/8/layout/vList5"/>
-    <dgm:cxn modelId="{D7B27CE6-F652-459F-9204-302E43C653C1}" type="presParOf" srcId="{8871B99D-142A-4D5F-949F-C3EC42897AE5}" destId="{7ECD120B-8CEE-4B94-9F44-21292E48FFBE}" srcOrd="0" destOrd="0" presId="urn:microsoft.com/office/officeart/2005/8/layout/vList5"/>
-    <dgm:cxn modelId="{C8D5D3A5-BF12-40A5-87A7-6D4FF55F71B7}" type="presParOf" srcId="{8871B99D-142A-4D5F-949F-C3EC42897AE5}" destId="{D8337C47-F0E0-45BA-9654-81D6734E3511}" srcOrd="1" destOrd="0" presId="urn:microsoft.com/office/officeart/2005/8/layout/vList5"/>
-    <dgm:cxn modelId="{E4ED6574-0F57-44BC-B3E1-9209565A22F5}" type="presParOf" srcId="{BEEFA2C7-54D0-4033-BDF2-8B5B977CE16E}" destId="{60F64971-6E60-4557-A4C8-67B360BE835D}" srcOrd="3" destOrd="0" presId="urn:microsoft.com/office/officeart/2005/8/layout/vList5"/>
-    <dgm:cxn modelId="{9B9CA801-7D14-4326-BBA0-75E9A43A50D4}" type="presParOf" srcId="{BEEFA2C7-54D0-4033-BDF2-8B5B977CE16E}" destId="{9A060136-974F-4B98-9851-315733D7F94A}" srcOrd="4" destOrd="0" presId="urn:microsoft.com/office/officeart/2005/8/layout/vList5"/>
-    <dgm:cxn modelId="{30D3FC5B-AD34-4705-8A30-D72BEEEF8973}" type="presParOf" srcId="{9A060136-974F-4B98-9851-315733D7F94A}" destId="{FB2EB111-9B0A-4DE8-8447-2B6F2EF62190}" srcOrd="0" destOrd="0" presId="urn:microsoft.com/office/officeart/2005/8/layout/vList5"/>
-    <dgm:cxn modelId="{B0840A18-6239-4DBC-B9B2-4421E895BC75}" type="presParOf" srcId="{9A060136-974F-4B98-9851-315733D7F94A}" destId="{8D1F05E9-2853-477F-BAB4-DF1161B0CCA7}" srcOrd="1" destOrd="0" presId="urn:microsoft.com/office/officeart/2005/8/layout/vList5"/>
-    <dgm:cxn modelId="{0339C638-C5B8-4BB4-AD22-46EBDB60366E}" type="presParOf" srcId="{BEEFA2C7-54D0-4033-BDF2-8B5B977CE16E}" destId="{A30B4A2B-97E0-4456-A4FB-788B031A7C8A}" srcOrd="5" destOrd="0" presId="urn:microsoft.com/office/officeart/2005/8/layout/vList5"/>
-    <dgm:cxn modelId="{45C82572-A511-4D6F-A42B-A30A3FAFE430}" type="presParOf" srcId="{BEEFA2C7-54D0-4033-BDF2-8B5B977CE16E}" destId="{7B35CE73-19D8-4A46-971E-5D6AB5760828}" srcOrd="6" destOrd="0" presId="urn:microsoft.com/office/officeart/2005/8/layout/vList5"/>
-    <dgm:cxn modelId="{8AB47594-53F1-4B9C-B493-C92569EB7A12}" type="presParOf" srcId="{7B35CE73-19D8-4A46-971E-5D6AB5760828}" destId="{44C58D03-2503-455F-9E67-C7B6080DCBB4}" srcOrd="0" destOrd="0" presId="urn:microsoft.com/office/officeart/2005/8/layout/vList5"/>
-    <dgm:cxn modelId="{82F545B1-6A1B-4BCC-A107-8ABAE604AAF7}" type="presParOf" srcId="{7B35CE73-19D8-4A46-971E-5D6AB5760828}" destId="{D1FA42EE-9581-4122-AFD3-59CB9716635C}" srcOrd="1" destOrd="0" presId="urn:microsoft.com/office/officeart/2005/8/layout/vList5"/>
-    <dgm:cxn modelId="{05361BE2-727B-427B-9D05-6DDDF42B353E}" type="presParOf" srcId="{BEEFA2C7-54D0-4033-BDF2-8B5B977CE16E}" destId="{E7BB9363-8944-45E8-A9FA-847DE8A686A1}" srcOrd="7" destOrd="0" presId="urn:microsoft.com/office/officeart/2005/8/layout/vList5"/>
-    <dgm:cxn modelId="{DA7ADF9C-AE9D-41AC-ABE0-95279C7F0470}" type="presParOf" srcId="{BEEFA2C7-54D0-4033-BDF2-8B5B977CE16E}" destId="{DDEE6751-4C0A-4B25-B4B9-05B17FDFD810}" srcOrd="8" destOrd="0" presId="urn:microsoft.com/office/officeart/2005/8/layout/vList5"/>
-    <dgm:cxn modelId="{EFDD2B8D-CD22-4E08-AFEA-ACECE6224DFB}" type="presParOf" srcId="{DDEE6751-4C0A-4B25-B4B9-05B17FDFD810}" destId="{0F9434F5-6C86-4C47-9812-348CF3B5829E}" srcOrd="0" destOrd="0" presId="urn:microsoft.com/office/officeart/2005/8/layout/vList5"/>
-    <dgm:cxn modelId="{20151DF7-AABB-4691-8785-61D543E2686E}" type="presParOf" srcId="{DDEE6751-4C0A-4B25-B4B9-05B17FDFD810}" destId="{793A9AF8-8D99-471F-A596-19F6BB196B8C}" srcOrd="1" destOrd="0" presId="urn:microsoft.com/office/officeart/2005/8/layout/vList5"/>
-    <dgm:cxn modelId="{81B7FA96-09EB-4516-8A5E-12983C38FCDB}" type="presParOf" srcId="{BEEFA2C7-54D0-4033-BDF2-8B5B977CE16E}" destId="{16F1A27D-21CA-4F70-874F-1828F900694D}" srcOrd="9" destOrd="0" presId="urn:microsoft.com/office/officeart/2005/8/layout/vList5"/>
-    <dgm:cxn modelId="{215F84AD-DF30-42F6-8F07-F40D356966C0}" type="presParOf" srcId="{BEEFA2C7-54D0-4033-BDF2-8B5B977CE16E}" destId="{6823425A-CD62-4643-AE93-90126BDAC994}" srcOrd="10" destOrd="0" presId="urn:microsoft.com/office/officeart/2005/8/layout/vList5"/>
-    <dgm:cxn modelId="{8CA452D2-8149-42D1-8426-180257182531}" type="presParOf" srcId="{6823425A-CD62-4643-AE93-90126BDAC994}" destId="{B7205F3D-B0B5-4167-8541-C80F4F9B4CF1}" srcOrd="0" destOrd="0" presId="urn:microsoft.com/office/officeart/2005/8/layout/vList5"/>
-    <dgm:cxn modelId="{07188F91-0B8A-45B8-A8A4-3B71BA0FD2E2}" type="presParOf" srcId="{6823425A-CD62-4643-AE93-90126BDAC994}" destId="{936133A0-1C18-4D4F-B190-3A92BD18A9D9}" srcOrd="1" destOrd="0" presId="urn:microsoft.com/office/officeart/2005/8/layout/vList5"/>
-  </dgm:cxnLst>
-  <dgm:bg/>
-  <dgm:whole/>
-  <dgm:extLst>
-    <a:ext uri="http://schemas.microsoft.com/office/drawing/2008/diagram">
-      <dsp:dataModelExt xmlns:dsp="http://schemas.microsoft.com/office/drawing/2008/diagram" relId="rId7" minVer="http://schemas.openxmlformats.org/drawingml/2006/diagram"/>
     </a:ext>
   </dgm:extLst>
 </dgm:dataModel>
@@ -9433,1086 +7895,6 @@
       <dsp:txXfrm>
         <a:off x="5601764" y="1084193"/>
         <a:ext cx="4913783" cy="3046950"/>
-      </dsp:txXfrm>
-    </dsp:sp>
-  </dsp:spTree>
-</dsp:drawing>
-</file>
-
-<file path=ppt/diagrams/drawing6.xml><?xml version="1.0" encoding="utf-8"?>
-<dsp:drawing xmlns:dgm="http://schemas.openxmlformats.org/drawingml/2006/diagram" xmlns:dsp="http://schemas.microsoft.com/office/drawing/2008/diagram" xmlns:a="http://schemas.openxmlformats.org/drawingml/2006/main">
-  <dsp:spTree>
-    <dsp:nvGrpSpPr>
-      <dsp:cNvPr id="0" name=""/>
-      <dsp:cNvGrpSpPr/>
-    </dsp:nvGrpSpPr>
-    <dsp:grpSpPr/>
-    <dsp:sp modelId="{D28206AC-B935-4157-99A4-C247686FED65}">
-      <dsp:nvSpPr>
-        <dsp:cNvPr id="0" name=""/>
-        <dsp:cNvSpPr/>
-      </dsp:nvSpPr>
-      <dsp:spPr>
-        <a:xfrm rot="5400000">
-          <a:off x="3784541" y="-1501632"/>
-          <a:ext cx="712840" cy="3897376"/>
-        </a:xfrm>
-        <a:prstGeom prst="round2SameRect">
-          <a:avLst/>
-        </a:prstGeom>
-        <a:solidFill>
-          <a:schemeClr val="accent2">
-            <a:tint val="40000"/>
-            <a:alpha val="90000"/>
-            <a:hueOff val="0"/>
-            <a:satOff val="0"/>
-            <a:lumOff val="0"/>
-            <a:alphaOff val="0"/>
-          </a:schemeClr>
-        </a:solidFill>
-        <a:ln w="6350" cap="flat" cmpd="sng" algn="ctr">
-          <a:solidFill>
-            <a:schemeClr val="accent2">
-              <a:tint val="40000"/>
-              <a:alpha val="90000"/>
-              <a:hueOff val="0"/>
-              <a:satOff val="0"/>
-              <a:lumOff val="0"/>
-              <a:alphaOff val="0"/>
-            </a:schemeClr>
-          </a:solidFill>
-          <a:prstDash val="solid"/>
-          <a:miter lim="800000"/>
-        </a:ln>
-        <a:effectLst/>
-      </dsp:spPr>
-      <dsp:style>
-        <a:lnRef idx="1">
-          <a:scrgbClr r="0" g="0" b="0"/>
-        </a:lnRef>
-        <a:fillRef idx="1">
-          <a:scrgbClr r="0" g="0" b="0"/>
-        </a:fillRef>
-        <a:effectRef idx="0">
-          <a:scrgbClr r="0" g="0" b="0"/>
-        </a:effectRef>
-        <a:fontRef idx="minor"/>
-      </dsp:style>
-      <dsp:txBody>
-        <a:bodyPr spcFirstLastPara="0" vert="horz" wrap="square" lIns="68580" tIns="34290" rIns="68580" bIns="34290" numCol="1" spcCol="1270" anchor="ctr" anchorCtr="0">
-          <a:noAutofit/>
-        </a:bodyPr>
-        <a:lstStyle/>
-        <a:p>
-          <a:pPr marL="171450" lvl="1" indent="-171450" algn="l" defTabSz="800100">
-            <a:lnSpc>
-              <a:spcPct val="90000"/>
-            </a:lnSpc>
-            <a:spcBef>
-              <a:spcPct val="0"/>
-            </a:spcBef>
-            <a:spcAft>
-              <a:spcPct val="15000"/>
-            </a:spcAft>
-            <a:buChar char="••"/>
-          </a:pPr>
-          <a:r>
-            <a:rPr lang="en-US" sz="1800" kern="1200"/>
-            <a:t>For retrieving IP configuration of a device</a:t>
-          </a:r>
-        </a:p>
-      </dsp:txBody>
-      <dsp:txXfrm rot="-5400000">
-        <a:off x="2192273" y="125434"/>
-        <a:ext cx="3862578" cy="643244"/>
-      </dsp:txXfrm>
-    </dsp:sp>
-    <dsp:sp modelId="{B7157224-BFAD-4E9F-A4EA-6C66DE876D51}">
-      <dsp:nvSpPr>
-        <dsp:cNvPr id="0" name=""/>
-        <dsp:cNvSpPr/>
-      </dsp:nvSpPr>
-      <dsp:spPr>
-        <a:xfrm>
-          <a:off x="0" y="1530"/>
-          <a:ext cx="2192274" cy="891050"/>
-        </a:xfrm>
-        <a:prstGeom prst="roundRect">
-          <a:avLst/>
-        </a:prstGeom>
-        <a:gradFill rotWithShape="0">
-          <a:gsLst>
-            <a:gs pos="0">
-              <a:schemeClr val="accent2">
-                <a:hueOff val="0"/>
-                <a:satOff val="0"/>
-                <a:lumOff val="0"/>
-                <a:alphaOff val="0"/>
-                <a:satMod val="103000"/>
-                <a:lumMod val="102000"/>
-                <a:tint val="94000"/>
-              </a:schemeClr>
-            </a:gs>
-            <a:gs pos="50000">
-              <a:schemeClr val="accent2">
-                <a:hueOff val="0"/>
-                <a:satOff val="0"/>
-                <a:lumOff val="0"/>
-                <a:alphaOff val="0"/>
-                <a:satMod val="110000"/>
-                <a:lumMod val="100000"/>
-                <a:shade val="100000"/>
-              </a:schemeClr>
-            </a:gs>
-            <a:gs pos="100000">
-              <a:schemeClr val="accent2">
-                <a:hueOff val="0"/>
-                <a:satOff val="0"/>
-                <a:lumOff val="0"/>
-                <a:alphaOff val="0"/>
-                <a:lumMod val="99000"/>
-                <a:satMod val="120000"/>
-                <a:shade val="78000"/>
-              </a:schemeClr>
-            </a:gs>
-          </a:gsLst>
-          <a:lin ang="5400000" scaled="0"/>
-        </a:gradFill>
-        <a:ln>
-          <a:noFill/>
-        </a:ln>
-        <a:effectLst/>
-      </dsp:spPr>
-      <dsp:style>
-        <a:lnRef idx="0">
-          <a:scrgbClr r="0" g="0" b="0"/>
-        </a:lnRef>
-        <a:fillRef idx="3">
-          <a:scrgbClr r="0" g="0" b="0"/>
-        </a:fillRef>
-        <a:effectRef idx="2">
-          <a:scrgbClr r="0" g="0" b="0"/>
-        </a:effectRef>
-        <a:fontRef idx="minor">
-          <a:schemeClr val="lt1"/>
-        </a:fontRef>
-      </dsp:style>
-      <dsp:txBody>
-        <a:bodyPr spcFirstLastPara="0" vert="horz" wrap="square" lIns="95250" tIns="47625" rIns="95250" bIns="47625" numCol="1" spcCol="1270" anchor="ctr" anchorCtr="0">
-          <a:noAutofit/>
-        </a:bodyPr>
-        <a:lstStyle/>
-        <a:p>
-          <a:pPr lvl="0" algn="ctr" defTabSz="1111250">
-            <a:lnSpc>
-              <a:spcPct val="90000"/>
-            </a:lnSpc>
-            <a:spcBef>
-              <a:spcPct val="0"/>
-            </a:spcBef>
-            <a:spcAft>
-              <a:spcPct val="35000"/>
-            </a:spcAft>
-          </a:pPr>
-          <a:r>
-            <a:rPr lang="en-US" sz="2500" kern="1200"/>
-            <a:t>ipconfig / ifconfig</a:t>
-          </a:r>
-        </a:p>
-      </dsp:txBody>
-      <dsp:txXfrm>
-        <a:off x="43497" y="45027"/>
-        <a:ext cx="2105280" cy="804056"/>
-      </dsp:txXfrm>
-    </dsp:sp>
-    <dsp:sp modelId="{D8337C47-F0E0-45BA-9654-81D6734E3511}">
-      <dsp:nvSpPr>
-        <dsp:cNvPr id="0" name=""/>
-        <dsp:cNvSpPr/>
-      </dsp:nvSpPr>
-      <dsp:spPr>
-        <a:xfrm rot="5400000">
-          <a:off x="3784541" y="-566029"/>
-          <a:ext cx="712840" cy="3897376"/>
-        </a:xfrm>
-        <a:prstGeom prst="round2SameRect">
-          <a:avLst/>
-        </a:prstGeom>
-        <a:solidFill>
-          <a:schemeClr val="accent2">
-            <a:tint val="40000"/>
-            <a:alpha val="90000"/>
-            <a:hueOff val="-169845"/>
-            <a:satOff val="-15069"/>
-            <a:lumOff val="-154"/>
-            <a:alphaOff val="0"/>
-          </a:schemeClr>
-        </a:solidFill>
-        <a:ln w="6350" cap="flat" cmpd="sng" algn="ctr">
-          <a:solidFill>
-            <a:schemeClr val="accent2">
-              <a:tint val="40000"/>
-              <a:alpha val="90000"/>
-              <a:hueOff val="-169845"/>
-              <a:satOff val="-15069"/>
-              <a:lumOff val="-154"/>
-              <a:alphaOff val="0"/>
-            </a:schemeClr>
-          </a:solidFill>
-          <a:prstDash val="solid"/>
-          <a:miter lim="800000"/>
-        </a:ln>
-        <a:effectLst/>
-      </dsp:spPr>
-      <dsp:style>
-        <a:lnRef idx="1">
-          <a:scrgbClr r="0" g="0" b="0"/>
-        </a:lnRef>
-        <a:fillRef idx="1">
-          <a:scrgbClr r="0" g="0" b="0"/>
-        </a:fillRef>
-        <a:effectRef idx="0">
-          <a:scrgbClr r="0" g="0" b="0"/>
-        </a:effectRef>
-        <a:fontRef idx="minor"/>
-      </dsp:style>
-      <dsp:txBody>
-        <a:bodyPr spcFirstLastPara="0" vert="horz" wrap="square" lIns="68580" tIns="34290" rIns="68580" bIns="34290" numCol="1" spcCol="1270" anchor="ctr" anchorCtr="0">
-          <a:noAutofit/>
-        </a:bodyPr>
-        <a:lstStyle/>
-        <a:p>
-          <a:pPr marL="171450" lvl="1" indent="-171450" algn="l" defTabSz="800100">
-            <a:lnSpc>
-              <a:spcPct val="90000"/>
-            </a:lnSpc>
-            <a:spcBef>
-              <a:spcPct val="0"/>
-            </a:spcBef>
-            <a:spcAft>
-              <a:spcPct val="15000"/>
-            </a:spcAft>
-            <a:buChar char="••"/>
-          </a:pPr>
-          <a:r>
-            <a:rPr lang="en-US" sz="1800" kern="1200"/>
-            <a:t>To test communications with another device on a network.</a:t>
-          </a:r>
-        </a:p>
-      </dsp:txBody>
-      <dsp:txXfrm rot="-5400000">
-        <a:off x="2192273" y="1061037"/>
-        <a:ext cx="3862578" cy="643244"/>
-      </dsp:txXfrm>
-    </dsp:sp>
-    <dsp:sp modelId="{7ECD120B-8CEE-4B94-9F44-21292E48FFBE}">
-      <dsp:nvSpPr>
-        <dsp:cNvPr id="0" name=""/>
-        <dsp:cNvSpPr/>
-      </dsp:nvSpPr>
-      <dsp:spPr>
-        <a:xfrm>
-          <a:off x="0" y="937133"/>
-          <a:ext cx="2192274" cy="891050"/>
-        </a:xfrm>
-        <a:prstGeom prst="roundRect">
-          <a:avLst/>
-        </a:prstGeom>
-        <a:gradFill rotWithShape="0">
-          <a:gsLst>
-            <a:gs pos="0">
-              <a:schemeClr val="accent2">
-                <a:hueOff val="-291073"/>
-                <a:satOff val="-16786"/>
-                <a:lumOff val="1726"/>
-                <a:alphaOff val="0"/>
-                <a:satMod val="103000"/>
-                <a:lumMod val="102000"/>
-                <a:tint val="94000"/>
-              </a:schemeClr>
-            </a:gs>
-            <a:gs pos="50000">
-              <a:schemeClr val="accent2">
-                <a:hueOff val="-291073"/>
-                <a:satOff val="-16786"/>
-                <a:lumOff val="1726"/>
-                <a:alphaOff val="0"/>
-                <a:satMod val="110000"/>
-                <a:lumMod val="100000"/>
-                <a:shade val="100000"/>
-              </a:schemeClr>
-            </a:gs>
-            <a:gs pos="100000">
-              <a:schemeClr val="accent2">
-                <a:hueOff val="-291073"/>
-                <a:satOff val="-16786"/>
-                <a:lumOff val="1726"/>
-                <a:alphaOff val="0"/>
-                <a:lumMod val="99000"/>
-                <a:satMod val="120000"/>
-                <a:shade val="78000"/>
-              </a:schemeClr>
-            </a:gs>
-          </a:gsLst>
-          <a:lin ang="5400000" scaled="0"/>
-        </a:gradFill>
-        <a:ln>
-          <a:noFill/>
-        </a:ln>
-        <a:effectLst/>
-      </dsp:spPr>
-      <dsp:style>
-        <a:lnRef idx="0">
-          <a:scrgbClr r="0" g="0" b="0"/>
-        </a:lnRef>
-        <a:fillRef idx="3">
-          <a:scrgbClr r="0" g="0" b="0"/>
-        </a:fillRef>
-        <a:effectRef idx="2">
-          <a:scrgbClr r="0" g="0" b="0"/>
-        </a:effectRef>
-        <a:fontRef idx="minor">
-          <a:schemeClr val="lt1"/>
-        </a:fontRef>
-      </dsp:style>
-      <dsp:txBody>
-        <a:bodyPr spcFirstLastPara="0" vert="horz" wrap="square" lIns="95250" tIns="47625" rIns="95250" bIns="47625" numCol="1" spcCol="1270" anchor="ctr" anchorCtr="0">
-          <a:noAutofit/>
-        </a:bodyPr>
-        <a:lstStyle/>
-        <a:p>
-          <a:pPr lvl="0" algn="ctr" defTabSz="1111250">
-            <a:lnSpc>
-              <a:spcPct val="90000"/>
-            </a:lnSpc>
-            <a:spcBef>
-              <a:spcPct val="0"/>
-            </a:spcBef>
-            <a:spcAft>
-              <a:spcPct val="35000"/>
-            </a:spcAft>
-          </a:pPr>
-          <a:r>
-            <a:rPr lang="en-US" sz="2500" kern="1200"/>
-            <a:t>ping</a:t>
-          </a:r>
-        </a:p>
-      </dsp:txBody>
-      <dsp:txXfrm>
-        <a:off x="43497" y="980630"/>
-        <a:ext cx="2105280" cy="804056"/>
-      </dsp:txXfrm>
-    </dsp:sp>
-    <dsp:sp modelId="{8D1F05E9-2853-477F-BAB4-DF1161B0CCA7}">
-      <dsp:nvSpPr>
-        <dsp:cNvPr id="0" name=""/>
-        <dsp:cNvSpPr/>
-      </dsp:nvSpPr>
-      <dsp:spPr>
-        <a:xfrm rot="5400000">
-          <a:off x="3784541" y="369573"/>
-          <a:ext cx="712840" cy="3897376"/>
-        </a:xfrm>
-        <a:prstGeom prst="round2SameRect">
-          <a:avLst/>
-        </a:prstGeom>
-        <a:solidFill>
-          <a:schemeClr val="accent2">
-            <a:tint val="40000"/>
-            <a:alpha val="90000"/>
-            <a:hueOff val="-339690"/>
-            <a:satOff val="-30138"/>
-            <a:lumOff val="-308"/>
-            <a:alphaOff val="0"/>
-          </a:schemeClr>
-        </a:solidFill>
-        <a:ln w="6350" cap="flat" cmpd="sng" algn="ctr">
-          <a:solidFill>
-            <a:schemeClr val="accent2">
-              <a:tint val="40000"/>
-              <a:alpha val="90000"/>
-              <a:hueOff val="-339690"/>
-              <a:satOff val="-30138"/>
-              <a:lumOff val="-308"/>
-              <a:alphaOff val="0"/>
-            </a:schemeClr>
-          </a:solidFill>
-          <a:prstDash val="solid"/>
-          <a:miter lim="800000"/>
-        </a:ln>
-        <a:effectLst/>
-      </dsp:spPr>
-      <dsp:style>
-        <a:lnRef idx="1">
-          <a:scrgbClr r="0" g="0" b="0"/>
-        </a:lnRef>
-        <a:fillRef idx="1">
-          <a:scrgbClr r="0" g="0" b="0"/>
-        </a:fillRef>
-        <a:effectRef idx="0">
-          <a:scrgbClr r="0" g="0" b="0"/>
-        </a:effectRef>
-        <a:fontRef idx="minor"/>
-      </dsp:style>
-      <dsp:txBody>
-        <a:bodyPr spcFirstLastPara="0" vert="horz" wrap="square" lIns="68580" tIns="34290" rIns="68580" bIns="34290" numCol="1" spcCol="1270" anchor="ctr" anchorCtr="0">
-          <a:noAutofit/>
-        </a:bodyPr>
-        <a:lstStyle/>
-        <a:p>
-          <a:pPr marL="171450" lvl="1" indent="-171450" algn="l" defTabSz="800100">
-            <a:lnSpc>
-              <a:spcPct val="90000"/>
-            </a:lnSpc>
-            <a:spcBef>
-              <a:spcPct val="0"/>
-            </a:spcBef>
-            <a:spcAft>
-              <a:spcPct val="15000"/>
-            </a:spcAft>
-            <a:buChar char="••"/>
-          </a:pPr>
-          <a:r>
-            <a:rPr lang="en-US" sz="1800" kern="1200"/>
-            <a:t>To resolve an IP Address to a DNS Name</a:t>
-          </a:r>
-        </a:p>
-      </dsp:txBody>
-      <dsp:txXfrm rot="-5400000">
-        <a:off x="2192273" y="1996639"/>
-        <a:ext cx="3862578" cy="643244"/>
-      </dsp:txXfrm>
-    </dsp:sp>
-    <dsp:sp modelId="{FB2EB111-9B0A-4DE8-8447-2B6F2EF62190}">
-      <dsp:nvSpPr>
-        <dsp:cNvPr id="0" name=""/>
-        <dsp:cNvSpPr/>
-      </dsp:nvSpPr>
-      <dsp:spPr>
-        <a:xfrm>
-          <a:off x="0" y="1872735"/>
-          <a:ext cx="2192274" cy="891050"/>
-        </a:xfrm>
-        <a:prstGeom prst="roundRect">
-          <a:avLst/>
-        </a:prstGeom>
-        <a:gradFill rotWithShape="0">
-          <a:gsLst>
-            <a:gs pos="0">
-              <a:schemeClr val="accent2">
-                <a:hueOff val="-582145"/>
-                <a:satOff val="-33571"/>
-                <a:lumOff val="3451"/>
-                <a:alphaOff val="0"/>
-                <a:satMod val="103000"/>
-                <a:lumMod val="102000"/>
-                <a:tint val="94000"/>
-              </a:schemeClr>
-            </a:gs>
-            <a:gs pos="50000">
-              <a:schemeClr val="accent2">
-                <a:hueOff val="-582145"/>
-                <a:satOff val="-33571"/>
-                <a:lumOff val="3451"/>
-                <a:alphaOff val="0"/>
-                <a:satMod val="110000"/>
-                <a:lumMod val="100000"/>
-                <a:shade val="100000"/>
-              </a:schemeClr>
-            </a:gs>
-            <a:gs pos="100000">
-              <a:schemeClr val="accent2">
-                <a:hueOff val="-582145"/>
-                <a:satOff val="-33571"/>
-                <a:lumOff val="3451"/>
-                <a:alphaOff val="0"/>
-                <a:lumMod val="99000"/>
-                <a:satMod val="120000"/>
-                <a:shade val="78000"/>
-              </a:schemeClr>
-            </a:gs>
-          </a:gsLst>
-          <a:lin ang="5400000" scaled="0"/>
-        </a:gradFill>
-        <a:ln>
-          <a:noFill/>
-        </a:ln>
-        <a:effectLst/>
-      </dsp:spPr>
-      <dsp:style>
-        <a:lnRef idx="0">
-          <a:scrgbClr r="0" g="0" b="0"/>
-        </a:lnRef>
-        <a:fillRef idx="3">
-          <a:scrgbClr r="0" g="0" b="0"/>
-        </a:fillRef>
-        <a:effectRef idx="2">
-          <a:scrgbClr r="0" g="0" b="0"/>
-        </a:effectRef>
-        <a:fontRef idx="minor">
-          <a:schemeClr val="lt1"/>
-        </a:fontRef>
-      </dsp:style>
-      <dsp:txBody>
-        <a:bodyPr spcFirstLastPara="0" vert="horz" wrap="square" lIns="95250" tIns="47625" rIns="95250" bIns="47625" numCol="1" spcCol="1270" anchor="ctr" anchorCtr="0">
-          <a:noAutofit/>
-        </a:bodyPr>
-        <a:lstStyle/>
-        <a:p>
-          <a:pPr lvl="0" algn="ctr" defTabSz="1111250">
-            <a:lnSpc>
-              <a:spcPct val="90000"/>
-            </a:lnSpc>
-            <a:spcBef>
-              <a:spcPct val="0"/>
-            </a:spcBef>
-            <a:spcAft>
-              <a:spcPct val="35000"/>
-            </a:spcAft>
-          </a:pPr>
-          <a:r>
-            <a:rPr lang="en-US" sz="2500" kern="1200"/>
-            <a:t>nslookup</a:t>
-          </a:r>
-        </a:p>
-      </dsp:txBody>
-      <dsp:txXfrm>
-        <a:off x="43497" y="1916232"/>
-        <a:ext cx="2105280" cy="804056"/>
-      </dsp:txXfrm>
-    </dsp:sp>
-    <dsp:sp modelId="{D1FA42EE-9581-4122-AFD3-59CB9716635C}">
-      <dsp:nvSpPr>
-        <dsp:cNvPr id="0" name=""/>
-        <dsp:cNvSpPr/>
-      </dsp:nvSpPr>
-      <dsp:spPr>
-        <a:xfrm rot="5400000">
-          <a:off x="3784541" y="1305175"/>
-          <a:ext cx="712840" cy="3897376"/>
-        </a:xfrm>
-        <a:prstGeom prst="round2SameRect">
-          <a:avLst/>
-        </a:prstGeom>
-        <a:solidFill>
-          <a:schemeClr val="accent2">
-            <a:tint val="40000"/>
-            <a:alpha val="90000"/>
-            <a:hueOff val="-509536"/>
-            <a:satOff val="-45208"/>
-            <a:lumOff val="-461"/>
-            <a:alphaOff val="0"/>
-          </a:schemeClr>
-        </a:solidFill>
-        <a:ln w="6350" cap="flat" cmpd="sng" algn="ctr">
-          <a:solidFill>
-            <a:schemeClr val="accent2">
-              <a:tint val="40000"/>
-              <a:alpha val="90000"/>
-              <a:hueOff val="-509536"/>
-              <a:satOff val="-45208"/>
-              <a:lumOff val="-461"/>
-              <a:alphaOff val="0"/>
-            </a:schemeClr>
-          </a:solidFill>
-          <a:prstDash val="solid"/>
-          <a:miter lim="800000"/>
-        </a:ln>
-        <a:effectLst/>
-      </dsp:spPr>
-      <dsp:style>
-        <a:lnRef idx="1">
-          <a:scrgbClr r="0" g="0" b="0"/>
-        </a:lnRef>
-        <a:fillRef idx="1">
-          <a:scrgbClr r="0" g="0" b="0"/>
-        </a:fillRef>
-        <a:effectRef idx="0">
-          <a:scrgbClr r="0" g="0" b="0"/>
-        </a:effectRef>
-        <a:fontRef idx="minor"/>
-      </dsp:style>
-      <dsp:txBody>
-        <a:bodyPr spcFirstLastPara="0" vert="horz" wrap="square" lIns="68580" tIns="34290" rIns="68580" bIns="34290" numCol="1" spcCol="1270" anchor="ctr" anchorCtr="0">
-          <a:noAutofit/>
-        </a:bodyPr>
-        <a:lstStyle/>
-        <a:p>
-          <a:pPr marL="171450" lvl="1" indent="-171450" algn="l" defTabSz="800100">
-            <a:lnSpc>
-              <a:spcPct val="90000"/>
-            </a:lnSpc>
-            <a:spcBef>
-              <a:spcPct val="0"/>
-            </a:spcBef>
-            <a:spcAft>
-              <a:spcPct val="15000"/>
-            </a:spcAft>
-            <a:buChar char="••"/>
-          </a:pPr>
-          <a:r>
-            <a:rPr lang="en-US" sz="1800" kern="1200"/>
-            <a:t>To test open TCP ports on a network endpoint</a:t>
-          </a:r>
-        </a:p>
-      </dsp:txBody>
-      <dsp:txXfrm rot="-5400000">
-        <a:off x="2192273" y="2932241"/>
-        <a:ext cx="3862578" cy="643244"/>
-      </dsp:txXfrm>
-    </dsp:sp>
-    <dsp:sp modelId="{44C58D03-2503-455F-9E67-C7B6080DCBB4}">
-      <dsp:nvSpPr>
-        <dsp:cNvPr id="0" name=""/>
-        <dsp:cNvSpPr/>
-      </dsp:nvSpPr>
-      <dsp:spPr>
-        <a:xfrm>
-          <a:off x="0" y="2808338"/>
-          <a:ext cx="2192274" cy="891050"/>
-        </a:xfrm>
-        <a:prstGeom prst="roundRect">
-          <a:avLst/>
-        </a:prstGeom>
-        <a:gradFill rotWithShape="0">
-          <a:gsLst>
-            <a:gs pos="0">
-              <a:schemeClr val="accent2">
-                <a:hueOff val="-873218"/>
-                <a:satOff val="-50357"/>
-                <a:lumOff val="5177"/>
-                <a:alphaOff val="0"/>
-                <a:satMod val="103000"/>
-                <a:lumMod val="102000"/>
-                <a:tint val="94000"/>
-              </a:schemeClr>
-            </a:gs>
-            <a:gs pos="50000">
-              <a:schemeClr val="accent2">
-                <a:hueOff val="-873218"/>
-                <a:satOff val="-50357"/>
-                <a:lumOff val="5177"/>
-                <a:alphaOff val="0"/>
-                <a:satMod val="110000"/>
-                <a:lumMod val="100000"/>
-                <a:shade val="100000"/>
-              </a:schemeClr>
-            </a:gs>
-            <a:gs pos="100000">
-              <a:schemeClr val="accent2">
-                <a:hueOff val="-873218"/>
-                <a:satOff val="-50357"/>
-                <a:lumOff val="5177"/>
-                <a:alphaOff val="0"/>
-                <a:lumMod val="99000"/>
-                <a:satMod val="120000"/>
-                <a:shade val="78000"/>
-              </a:schemeClr>
-            </a:gs>
-          </a:gsLst>
-          <a:lin ang="5400000" scaled="0"/>
-        </a:gradFill>
-        <a:ln>
-          <a:noFill/>
-        </a:ln>
-        <a:effectLst/>
-      </dsp:spPr>
-      <dsp:style>
-        <a:lnRef idx="0">
-          <a:scrgbClr r="0" g="0" b="0"/>
-        </a:lnRef>
-        <a:fillRef idx="3">
-          <a:scrgbClr r="0" g="0" b="0"/>
-        </a:fillRef>
-        <a:effectRef idx="2">
-          <a:scrgbClr r="0" g="0" b="0"/>
-        </a:effectRef>
-        <a:fontRef idx="minor">
-          <a:schemeClr val="lt1"/>
-        </a:fontRef>
-      </dsp:style>
-      <dsp:txBody>
-        <a:bodyPr spcFirstLastPara="0" vert="horz" wrap="square" lIns="95250" tIns="47625" rIns="95250" bIns="47625" numCol="1" spcCol="1270" anchor="ctr" anchorCtr="0">
-          <a:noAutofit/>
-        </a:bodyPr>
-        <a:lstStyle/>
-        <a:p>
-          <a:pPr lvl="0" algn="ctr" defTabSz="1111250">
-            <a:lnSpc>
-              <a:spcPct val="90000"/>
-            </a:lnSpc>
-            <a:spcBef>
-              <a:spcPct val="0"/>
-            </a:spcBef>
-            <a:spcAft>
-              <a:spcPct val="35000"/>
-            </a:spcAft>
-          </a:pPr>
-          <a:r>
-            <a:rPr lang="en-US" sz="2500" kern="1200"/>
-            <a:t>nmap</a:t>
-          </a:r>
-        </a:p>
-      </dsp:txBody>
-      <dsp:txXfrm>
-        <a:off x="43497" y="2851835"/>
-        <a:ext cx="2105280" cy="804056"/>
-      </dsp:txXfrm>
-    </dsp:sp>
-    <dsp:sp modelId="{793A9AF8-8D99-471F-A596-19F6BB196B8C}">
-      <dsp:nvSpPr>
-        <dsp:cNvPr id="0" name=""/>
-        <dsp:cNvSpPr/>
-      </dsp:nvSpPr>
-      <dsp:spPr>
-        <a:xfrm rot="5400000">
-          <a:off x="3784541" y="2240778"/>
-          <a:ext cx="712840" cy="3897376"/>
-        </a:xfrm>
-        <a:prstGeom prst="round2SameRect">
-          <a:avLst/>
-        </a:prstGeom>
-        <a:solidFill>
-          <a:schemeClr val="accent2">
-            <a:tint val="40000"/>
-            <a:alpha val="90000"/>
-            <a:hueOff val="-679381"/>
-            <a:satOff val="-60277"/>
-            <a:lumOff val="-615"/>
-            <a:alphaOff val="0"/>
-          </a:schemeClr>
-        </a:solidFill>
-        <a:ln w="6350" cap="flat" cmpd="sng" algn="ctr">
-          <a:solidFill>
-            <a:schemeClr val="accent2">
-              <a:tint val="40000"/>
-              <a:alpha val="90000"/>
-              <a:hueOff val="-679381"/>
-              <a:satOff val="-60277"/>
-              <a:lumOff val="-615"/>
-              <a:alphaOff val="0"/>
-            </a:schemeClr>
-          </a:solidFill>
-          <a:prstDash val="solid"/>
-          <a:miter lim="800000"/>
-        </a:ln>
-        <a:effectLst/>
-      </dsp:spPr>
-      <dsp:style>
-        <a:lnRef idx="1">
-          <a:scrgbClr r="0" g="0" b="0"/>
-        </a:lnRef>
-        <a:fillRef idx="1">
-          <a:scrgbClr r="0" g="0" b="0"/>
-        </a:fillRef>
-        <a:effectRef idx="0">
-          <a:scrgbClr r="0" g="0" b="0"/>
-        </a:effectRef>
-        <a:fontRef idx="minor"/>
-      </dsp:style>
-      <dsp:txBody>
-        <a:bodyPr spcFirstLastPara="0" vert="horz" wrap="square" lIns="68580" tIns="34290" rIns="68580" bIns="34290" numCol="1" spcCol="1270" anchor="ctr" anchorCtr="0">
-          <a:noAutofit/>
-        </a:bodyPr>
-        <a:lstStyle/>
-        <a:p>
-          <a:pPr marL="171450" lvl="1" indent="-171450" algn="l" defTabSz="800100">
-            <a:lnSpc>
-              <a:spcPct val="90000"/>
-            </a:lnSpc>
-            <a:spcBef>
-              <a:spcPct val="0"/>
-            </a:spcBef>
-            <a:spcAft>
-              <a:spcPct val="15000"/>
-            </a:spcAft>
-            <a:buChar char="••"/>
-          </a:pPr>
-          <a:r>
-            <a:rPr lang="en-US" sz="1800" kern="1200"/>
-            <a:t>For tracing the entire path a packet traverses to reach and endpoint</a:t>
-          </a:r>
-        </a:p>
-      </dsp:txBody>
-      <dsp:txXfrm rot="-5400000">
-        <a:off x="2192273" y="3867844"/>
-        <a:ext cx="3862578" cy="643244"/>
-      </dsp:txXfrm>
-    </dsp:sp>
-    <dsp:sp modelId="{0F9434F5-6C86-4C47-9812-348CF3B5829E}">
-      <dsp:nvSpPr>
-        <dsp:cNvPr id="0" name=""/>
-        <dsp:cNvSpPr/>
-      </dsp:nvSpPr>
-      <dsp:spPr>
-        <a:xfrm>
-          <a:off x="0" y="3743941"/>
-          <a:ext cx="2192274" cy="891050"/>
-        </a:xfrm>
-        <a:prstGeom prst="roundRect">
-          <a:avLst/>
-        </a:prstGeom>
-        <a:gradFill rotWithShape="0">
-          <a:gsLst>
-            <a:gs pos="0">
-              <a:schemeClr val="accent2">
-                <a:hueOff val="-1164290"/>
-                <a:satOff val="-67142"/>
-                <a:lumOff val="6902"/>
-                <a:alphaOff val="0"/>
-                <a:satMod val="103000"/>
-                <a:lumMod val="102000"/>
-                <a:tint val="94000"/>
-              </a:schemeClr>
-            </a:gs>
-            <a:gs pos="50000">
-              <a:schemeClr val="accent2">
-                <a:hueOff val="-1164290"/>
-                <a:satOff val="-67142"/>
-                <a:lumOff val="6902"/>
-                <a:alphaOff val="0"/>
-                <a:satMod val="110000"/>
-                <a:lumMod val="100000"/>
-                <a:shade val="100000"/>
-              </a:schemeClr>
-            </a:gs>
-            <a:gs pos="100000">
-              <a:schemeClr val="accent2">
-                <a:hueOff val="-1164290"/>
-                <a:satOff val="-67142"/>
-                <a:lumOff val="6902"/>
-                <a:alphaOff val="0"/>
-                <a:lumMod val="99000"/>
-                <a:satMod val="120000"/>
-                <a:shade val="78000"/>
-              </a:schemeClr>
-            </a:gs>
-          </a:gsLst>
-          <a:lin ang="5400000" scaled="0"/>
-        </a:gradFill>
-        <a:ln>
-          <a:noFill/>
-        </a:ln>
-        <a:effectLst/>
-      </dsp:spPr>
-      <dsp:style>
-        <a:lnRef idx="0">
-          <a:scrgbClr r="0" g="0" b="0"/>
-        </a:lnRef>
-        <a:fillRef idx="3">
-          <a:scrgbClr r="0" g="0" b="0"/>
-        </a:fillRef>
-        <a:effectRef idx="2">
-          <a:scrgbClr r="0" g="0" b="0"/>
-        </a:effectRef>
-        <a:fontRef idx="minor">
-          <a:schemeClr val="lt1"/>
-        </a:fontRef>
-      </dsp:style>
-      <dsp:txBody>
-        <a:bodyPr spcFirstLastPara="0" vert="horz" wrap="square" lIns="95250" tIns="47625" rIns="95250" bIns="47625" numCol="1" spcCol="1270" anchor="ctr" anchorCtr="0">
-          <a:noAutofit/>
-        </a:bodyPr>
-        <a:lstStyle/>
-        <a:p>
-          <a:pPr lvl="0" algn="ctr" defTabSz="1111250">
-            <a:lnSpc>
-              <a:spcPct val="90000"/>
-            </a:lnSpc>
-            <a:spcBef>
-              <a:spcPct val="0"/>
-            </a:spcBef>
-            <a:spcAft>
-              <a:spcPct val="35000"/>
-            </a:spcAft>
-          </a:pPr>
-          <a:r>
-            <a:rPr lang="en-US" sz="2500" kern="1200"/>
-            <a:t>tracert (traceroute)</a:t>
-          </a:r>
-        </a:p>
-      </dsp:txBody>
-      <dsp:txXfrm>
-        <a:off x="43497" y="3787438"/>
-        <a:ext cx="2105280" cy="804056"/>
-      </dsp:txXfrm>
-    </dsp:sp>
-    <dsp:sp modelId="{936133A0-1C18-4D4F-B190-3A92BD18A9D9}">
-      <dsp:nvSpPr>
-        <dsp:cNvPr id="0" name=""/>
-        <dsp:cNvSpPr/>
-      </dsp:nvSpPr>
-      <dsp:spPr>
-        <a:xfrm rot="5400000">
-          <a:off x="3784541" y="3176381"/>
-          <a:ext cx="712840" cy="3897376"/>
-        </a:xfrm>
-        <a:prstGeom prst="round2SameRect">
-          <a:avLst/>
-        </a:prstGeom>
-        <a:solidFill>
-          <a:schemeClr val="accent2">
-            <a:tint val="40000"/>
-            <a:alpha val="90000"/>
-            <a:hueOff val="-849226"/>
-            <a:satOff val="-75346"/>
-            <a:lumOff val="-769"/>
-            <a:alphaOff val="0"/>
-          </a:schemeClr>
-        </a:solidFill>
-        <a:ln w="6350" cap="flat" cmpd="sng" algn="ctr">
-          <a:solidFill>
-            <a:schemeClr val="accent2">
-              <a:tint val="40000"/>
-              <a:alpha val="90000"/>
-              <a:hueOff val="-849226"/>
-              <a:satOff val="-75346"/>
-              <a:lumOff val="-769"/>
-              <a:alphaOff val="0"/>
-            </a:schemeClr>
-          </a:solidFill>
-          <a:prstDash val="solid"/>
-          <a:miter lim="800000"/>
-        </a:ln>
-        <a:effectLst/>
-      </dsp:spPr>
-      <dsp:style>
-        <a:lnRef idx="1">
-          <a:scrgbClr r="0" g="0" b="0"/>
-        </a:lnRef>
-        <a:fillRef idx="1">
-          <a:scrgbClr r="0" g="0" b="0"/>
-        </a:fillRef>
-        <a:effectRef idx="0">
-          <a:scrgbClr r="0" g="0" b="0"/>
-        </a:effectRef>
-        <a:fontRef idx="minor"/>
-      </dsp:style>
-      <dsp:txBody>
-        <a:bodyPr spcFirstLastPara="0" vert="horz" wrap="square" lIns="68580" tIns="34290" rIns="68580" bIns="34290" numCol="1" spcCol="1270" anchor="ctr" anchorCtr="0">
-          <a:noAutofit/>
-        </a:bodyPr>
-        <a:lstStyle/>
-        <a:p>
-          <a:pPr marL="171450" lvl="1" indent="-171450" algn="l" defTabSz="800100">
-            <a:lnSpc>
-              <a:spcPct val="90000"/>
-            </a:lnSpc>
-            <a:spcBef>
-              <a:spcPct val="0"/>
-            </a:spcBef>
-            <a:spcAft>
-              <a:spcPct val="15000"/>
-            </a:spcAft>
-            <a:buChar char="••"/>
-          </a:pPr>
-          <a:r>
-            <a:rPr lang="en-US" sz="1800" kern="1200"/>
-            <a:t>For viewing all active communications (inbound and outbound).</a:t>
-          </a:r>
-        </a:p>
-      </dsp:txBody>
-      <dsp:txXfrm rot="-5400000">
-        <a:off x="2192273" y="4803447"/>
-        <a:ext cx="3862578" cy="643244"/>
-      </dsp:txXfrm>
-    </dsp:sp>
-    <dsp:sp modelId="{B7205F3D-B0B5-4167-8541-C80F4F9B4CF1}">
-      <dsp:nvSpPr>
-        <dsp:cNvPr id="0" name=""/>
-        <dsp:cNvSpPr/>
-      </dsp:nvSpPr>
-      <dsp:spPr>
-        <a:xfrm>
-          <a:off x="0" y="4679544"/>
-          <a:ext cx="2192274" cy="891050"/>
-        </a:xfrm>
-        <a:prstGeom prst="roundRect">
-          <a:avLst/>
-        </a:prstGeom>
-        <a:gradFill rotWithShape="0">
-          <a:gsLst>
-            <a:gs pos="0">
-              <a:schemeClr val="accent2">
-                <a:hueOff val="-1455363"/>
-                <a:satOff val="-83928"/>
-                <a:lumOff val="8628"/>
-                <a:alphaOff val="0"/>
-                <a:satMod val="103000"/>
-                <a:lumMod val="102000"/>
-                <a:tint val="94000"/>
-              </a:schemeClr>
-            </a:gs>
-            <a:gs pos="50000">
-              <a:schemeClr val="accent2">
-                <a:hueOff val="-1455363"/>
-                <a:satOff val="-83928"/>
-                <a:lumOff val="8628"/>
-                <a:alphaOff val="0"/>
-                <a:satMod val="110000"/>
-                <a:lumMod val="100000"/>
-                <a:shade val="100000"/>
-              </a:schemeClr>
-            </a:gs>
-            <a:gs pos="100000">
-              <a:schemeClr val="accent2">
-                <a:hueOff val="-1455363"/>
-                <a:satOff val="-83928"/>
-                <a:lumOff val="8628"/>
-                <a:alphaOff val="0"/>
-                <a:lumMod val="99000"/>
-                <a:satMod val="120000"/>
-                <a:shade val="78000"/>
-              </a:schemeClr>
-            </a:gs>
-          </a:gsLst>
-          <a:lin ang="5400000" scaled="0"/>
-        </a:gradFill>
-        <a:ln>
-          <a:noFill/>
-        </a:ln>
-        <a:effectLst/>
-      </dsp:spPr>
-      <dsp:style>
-        <a:lnRef idx="0">
-          <a:scrgbClr r="0" g="0" b="0"/>
-        </a:lnRef>
-        <a:fillRef idx="3">
-          <a:scrgbClr r="0" g="0" b="0"/>
-        </a:fillRef>
-        <a:effectRef idx="2">
-          <a:scrgbClr r="0" g="0" b="0"/>
-        </a:effectRef>
-        <a:fontRef idx="minor">
-          <a:schemeClr val="lt1"/>
-        </a:fontRef>
-      </dsp:style>
-      <dsp:txBody>
-        <a:bodyPr spcFirstLastPara="0" vert="horz" wrap="square" lIns="95250" tIns="47625" rIns="95250" bIns="47625" numCol="1" spcCol="1270" anchor="ctr" anchorCtr="0">
-          <a:noAutofit/>
-        </a:bodyPr>
-        <a:lstStyle/>
-        <a:p>
-          <a:pPr lvl="0" algn="ctr" defTabSz="1111250">
-            <a:lnSpc>
-              <a:spcPct val="90000"/>
-            </a:lnSpc>
-            <a:spcBef>
-              <a:spcPct val="0"/>
-            </a:spcBef>
-            <a:spcAft>
-              <a:spcPct val="35000"/>
-            </a:spcAft>
-          </a:pPr>
-          <a:r>
-            <a:rPr lang="en-US" sz="2500" kern="1200"/>
-            <a:t>netstat</a:t>
-          </a:r>
-        </a:p>
-      </dsp:txBody>
-      <dsp:txXfrm>
-        <a:off x="43497" y="4723041"/>
-        <a:ext cx="2105280" cy="804056"/>
       </dsp:txXfrm>
     </dsp:sp>
   </dsp:spTree>
@@ -13041,239 +10423,6 @@
 </dgm:layoutDef>
 </file>
 
-<file path=ppt/diagrams/layout6.xml><?xml version="1.0" encoding="utf-8"?>
-<dgm:layoutDef xmlns:dgm="http://schemas.openxmlformats.org/drawingml/2006/diagram" xmlns:a="http://schemas.openxmlformats.org/drawingml/2006/main" uniqueId="urn:microsoft.com/office/officeart/2005/8/layout/vList5">
-  <dgm:title val=""/>
-  <dgm:desc val=""/>
-  <dgm:catLst>
-    <dgm:cat type="list" pri="15000"/>
-    <dgm:cat type="convert" pri="2000"/>
-  </dgm:catLst>
-  <dgm:sampData>
-    <dgm:dataModel>
-      <dgm:ptLst>
-        <dgm:pt modelId="0" type="doc"/>
-        <dgm:pt modelId="1">
-          <dgm:prSet phldr="1"/>
-        </dgm:pt>
-        <dgm:pt modelId="11">
-          <dgm:prSet phldr="1"/>
-        </dgm:pt>
-        <dgm:pt modelId="12">
-          <dgm:prSet phldr="1"/>
-        </dgm:pt>
-        <dgm:pt modelId="2">
-          <dgm:prSet phldr="1"/>
-        </dgm:pt>
-        <dgm:pt modelId="21">
-          <dgm:prSet phldr="1"/>
-        </dgm:pt>
-        <dgm:pt modelId="22">
-          <dgm:prSet phldr="1"/>
-        </dgm:pt>
-        <dgm:pt modelId="3">
-          <dgm:prSet phldr="1"/>
-        </dgm:pt>
-        <dgm:pt modelId="31">
-          <dgm:prSet phldr="1"/>
-        </dgm:pt>
-        <dgm:pt modelId="32">
-          <dgm:prSet phldr="1"/>
-        </dgm:pt>
-      </dgm:ptLst>
-      <dgm:cxnLst>
-        <dgm:cxn modelId="4" srcId="0" destId="1" srcOrd="0" destOrd="0"/>
-        <dgm:cxn modelId="5" srcId="0" destId="2" srcOrd="1" destOrd="0"/>
-        <dgm:cxn modelId="6" srcId="0" destId="3" srcOrd="2" destOrd="0"/>
-        <dgm:cxn modelId="13" srcId="1" destId="11" srcOrd="0" destOrd="0"/>
-        <dgm:cxn modelId="14" srcId="1" destId="12" srcOrd="1" destOrd="0"/>
-        <dgm:cxn modelId="23" srcId="2" destId="21" srcOrd="0" destOrd="0"/>
-        <dgm:cxn modelId="24" srcId="2" destId="22" srcOrd="1" destOrd="0"/>
-        <dgm:cxn modelId="33" srcId="3" destId="31" srcOrd="0" destOrd="0"/>
-        <dgm:cxn modelId="34" srcId="3" destId="32" srcOrd="1" destOrd="0"/>
-      </dgm:cxnLst>
-      <dgm:bg/>
-      <dgm:whole/>
-    </dgm:dataModel>
-  </dgm:sampData>
-  <dgm:styleData>
-    <dgm:dataModel>
-      <dgm:ptLst>
-        <dgm:pt modelId="0" type="doc"/>
-        <dgm:pt modelId="1"/>
-        <dgm:pt modelId="11"/>
-        <dgm:pt modelId="2"/>
-        <dgm:pt modelId="21"/>
-      </dgm:ptLst>
-      <dgm:cxnLst>
-        <dgm:cxn modelId="4" srcId="0" destId="1" srcOrd="0" destOrd="0"/>
-        <dgm:cxn modelId="5" srcId="0" destId="2" srcOrd="1" destOrd="0"/>
-        <dgm:cxn modelId="13" srcId="1" destId="11" srcOrd="0" destOrd="0"/>
-        <dgm:cxn modelId="23" srcId="2" destId="21" srcOrd="0" destOrd="0"/>
-      </dgm:cxnLst>
-      <dgm:bg/>
-      <dgm:whole/>
-    </dgm:dataModel>
-  </dgm:styleData>
-  <dgm:clrData>
-    <dgm:dataModel>
-      <dgm:ptLst>
-        <dgm:pt modelId="0" type="doc"/>
-        <dgm:pt modelId="1"/>
-        <dgm:pt modelId="11"/>
-        <dgm:pt modelId="2"/>
-        <dgm:pt modelId="21"/>
-        <dgm:pt modelId="3"/>
-        <dgm:pt modelId="31"/>
-        <dgm:pt modelId="4"/>
-        <dgm:pt modelId="41"/>
-      </dgm:ptLst>
-      <dgm:cxnLst>
-        <dgm:cxn modelId="5" srcId="0" destId="1" srcOrd="0" destOrd="0"/>
-        <dgm:cxn modelId="6" srcId="0" destId="2" srcOrd="1" destOrd="0"/>
-        <dgm:cxn modelId="7" srcId="0" destId="3" srcOrd="2" destOrd="0"/>
-        <dgm:cxn modelId="8" srcId="0" destId="4" srcOrd="3" destOrd="0"/>
-        <dgm:cxn modelId="13" srcId="1" destId="11" srcOrd="0" destOrd="0"/>
-        <dgm:cxn modelId="23" srcId="2" destId="21" srcOrd="0" destOrd="0"/>
-        <dgm:cxn modelId="33" srcId="3" destId="31" srcOrd="0" destOrd="0"/>
-        <dgm:cxn modelId="43" srcId="4" destId="41" srcOrd="0" destOrd="0"/>
-      </dgm:cxnLst>
-      <dgm:bg/>
-      <dgm:whole/>
-    </dgm:dataModel>
-  </dgm:clrData>
-  <dgm:layoutNode name="Name0">
-    <dgm:varLst>
-      <dgm:dir/>
-      <dgm:animLvl val="lvl"/>
-      <dgm:resizeHandles val="exact"/>
-    </dgm:varLst>
-    <dgm:choose name="Name1">
-      <dgm:if name="Name2" func="var" arg="dir" op="equ" val="norm">
-        <dgm:alg type="lin">
-          <dgm:param type="linDir" val="fromT"/>
-          <dgm:param type="nodeHorzAlign" val="l"/>
-        </dgm:alg>
-      </dgm:if>
-      <dgm:else name="Name3">
-        <dgm:alg type="lin">
-          <dgm:param type="linDir" val="fromT"/>
-          <dgm:param type="nodeHorzAlign" val="r"/>
-        </dgm:alg>
-      </dgm:else>
-    </dgm:choose>
-    <dgm:shape xmlns:r="http://schemas.openxmlformats.org/officeDocument/2006/relationships" r:blip="">
-      <dgm:adjLst/>
-    </dgm:shape>
-    <dgm:presOf/>
-    <dgm:constrLst>
-      <dgm:constr type="h" for="ch" forName="linNode" refType="h"/>
-      <dgm:constr type="w" for="ch" forName="linNode" refType="w"/>
-      <dgm:constr type="h" for="ch" forName="sp" refType="h" fact="0.05"/>
-      <dgm:constr type="primFontSz" for="des" forName="parentText" op="equ" val="65"/>
-      <dgm:constr type="secFontSz" for="des" forName="descendantText" op="equ"/>
-    </dgm:constrLst>
-    <dgm:ruleLst/>
-    <dgm:forEach name="Name4" axis="ch" ptType="node">
-      <dgm:layoutNode name="linNode">
-        <dgm:choose name="Name5">
-          <dgm:if name="Name6" func="var" arg="dir" op="equ" val="norm">
-            <dgm:alg type="lin">
-              <dgm:param type="linDir" val="fromL"/>
-            </dgm:alg>
-          </dgm:if>
-          <dgm:else name="Name7">
-            <dgm:alg type="lin">
-              <dgm:param type="linDir" val="fromR"/>
-            </dgm:alg>
-          </dgm:else>
-        </dgm:choose>
-        <dgm:shape xmlns:r="http://schemas.openxmlformats.org/officeDocument/2006/relationships" r:blip="">
-          <dgm:adjLst/>
-        </dgm:shape>
-        <dgm:presOf/>
-        <dgm:constrLst>
-          <dgm:constr type="w" for="ch" forName="parentText" refType="w" fact="0.36"/>
-          <dgm:constr type="w" for="ch" forName="descendantText" refType="w" fact="0.64"/>
-          <dgm:constr type="h" for="ch" forName="parentText" refType="h"/>
-          <dgm:constr type="h" for="ch" forName="descendantText" refType="h" refFor="ch" refForName="parentText" fact="0.8"/>
-        </dgm:constrLst>
-        <dgm:ruleLst/>
-        <dgm:layoutNode name="parentText">
-          <dgm:varLst>
-            <dgm:chMax val="1"/>
-            <dgm:bulletEnabled val="1"/>
-          </dgm:varLst>
-          <dgm:alg type="tx"/>
-          <dgm:shape xmlns:r="http://schemas.openxmlformats.org/officeDocument/2006/relationships" type="roundRect" r:blip="" zOrderOff="3">
-            <dgm:adjLst/>
-          </dgm:shape>
-          <dgm:presOf axis="self" ptType="node"/>
-          <dgm:constrLst>
-            <dgm:constr type="tMarg" refType="primFontSz" fact="0.15"/>
-            <dgm:constr type="bMarg" refType="primFontSz" fact="0.15"/>
-            <dgm:constr type="lMarg" refType="primFontSz" fact="0.3"/>
-            <dgm:constr type="rMarg" refType="primFontSz" fact="0.3"/>
-          </dgm:constrLst>
-          <dgm:ruleLst>
-            <dgm:rule type="primFontSz" val="5" fact="NaN" max="NaN"/>
-          </dgm:ruleLst>
-        </dgm:layoutNode>
-        <dgm:choose name="Name8">
-          <dgm:if name="Name9" axis="ch" ptType="node" func="cnt" op="gte" val="1">
-            <dgm:layoutNode name="descendantText" styleLbl="alignAccFollowNode1">
-              <dgm:varLst>
-                <dgm:bulletEnabled val="1"/>
-              </dgm:varLst>
-              <dgm:alg type="tx">
-                <dgm:param type="stBulletLvl" val="1"/>
-                <dgm:param type="txAnchorVertCh" val="mid"/>
-              </dgm:alg>
-              <dgm:choose name="Name10">
-                <dgm:if name="Name11" func="var" arg="dir" op="equ" val="norm">
-                  <dgm:shape xmlns:r="http://schemas.openxmlformats.org/officeDocument/2006/relationships" rot="90" type="round2SameRect" r:blip="">
-                    <dgm:adjLst/>
-                  </dgm:shape>
-                </dgm:if>
-                <dgm:else name="Name12">
-                  <dgm:shape xmlns:r="http://schemas.openxmlformats.org/officeDocument/2006/relationships" rot="-90" type="round2SameRect" r:blip="">
-                    <dgm:adjLst/>
-                  </dgm:shape>
-                </dgm:else>
-              </dgm:choose>
-              <dgm:presOf axis="des" ptType="node"/>
-              <dgm:constrLst>
-                <dgm:constr type="secFontSz" val="65"/>
-                <dgm:constr type="primFontSz" refType="secFontSz"/>
-                <dgm:constr type="lMarg" refType="secFontSz" fact="0.3"/>
-                <dgm:constr type="rMarg" refType="secFontSz" fact="0.3"/>
-                <dgm:constr type="tMarg" refType="secFontSz" fact="0.15"/>
-                <dgm:constr type="bMarg" refType="secFontSz" fact="0.15"/>
-              </dgm:constrLst>
-              <dgm:ruleLst>
-                <dgm:rule type="secFontSz" val="5" fact="NaN" max="NaN"/>
-              </dgm:ruleLst>
-            </dgm:layoutNode>
-          </dgm:if>
-          <dgm:else name="Name13"/>
-        </dgm:choose>
-      </dgm:layoutNode>
-      <dgm:forEach name="Name14" axis="followSib" ptType="sibTrans" cnt="1">
-        <dgm:layoutNode name="sp">
-          <dgm:alg type="sp"/>
-          <dgm:shape xmlns:r="http://schemas.openxmlformats.org/officeDocument/2006/relationships" r:blip="">
-            <dgm:adjLst/>
-          </dgm:shape>
-          <dgm:presOf/>
-          <dgm:constrLst/>
-          <dgm:ruleLst/>
-        </dgm:layoutNode>
-      </dgm:forEach>
-    </dgm:forEach>
-  </dgm:layoutNode>
-</dgm:layoutDef>
-</file>
-
 <file path=ppt/diagrams/quickStyle1.xml><?xml version="1.0" encoding="utf-8"?>
 <dgm:styleDef xmlns:dgm="http://schemas.openxmlformats.org/drawingml/2006/diagram" xmlns:a="http://schemas.openxmlformats.org/drawingml/2006/main" uniqueId="urn:microsoft.com/office/officeart/2005/8/quickstyle/simple4">
   <dgm:title val=""/>
@@ -18468,1040 +15617,6 @@
         <a:scrgbClr r="0" g="0" b="0"/>
       </a:fillRef>
       <a:effectRef idx="1">
-        <a:scrgbClr r="0" g="0" b="0"/>
-      </a:effectRef>
-      <a:fontRef idx="minor"/>
-    </dgm:style>
-  </dgm:styleLbl>
-  <dgm:styleLbl name="revTx">
-    <dgm:scene3d>
-      <a:camera prst="orthographicFront"/>
-      <a:lightRig rig="threePt" dir="t"/>
-    </dgm:scene3d>
-    <dgm:sp3d/>
-    <dgm:txPr/>
-    <dgm:style>
-      <a:lnRef idx="0">
-        <a:scrgbClr r="0" g="0" b="0"/>
-      </a:lnRef>
-      <a:fillRef idx="0">
-        <a:scrgbClr r="0" g="0" b="0"/>
-      </a:fillRef>
-      <a:effectRef idx="0">
-        <a:scrgbClr r="0" g="0" b="0"/>
-      </a:effectRef>
-      <a:fontRef idx="minor"/>
-    </dgm:style>
-  </dgm:styleLbl>
-</dgm:styleDef>
-</file>
-
-<file path=ppt/diagrams/quickStyle6.xml><?xml version="1.0" encoding="utf-8"?>
-<dgm:styleDef xmlns:dgm="http://schemas.openxmlformats.org/drawingml/2006/diagram" xmlns:a="http://schemas.openxmlformats.org/drawingml/2006/main" uniqueId="urn:microsoft.com/office/officeart/2005/8/quickstyle/simple4">
-  <dgm:title val=""/>
-  <dgm:desc val=""/>
-  <dgm:catLst>
-    <dgm:cat type="simple" pri="10400"/>
-  </dgm:catLst>
-  <dgm:scene3d>
-    <a:camera prst="orthographicFront"/>
-    <a:lightRig rig="threePt" dir="t"/>
-  </dgm:scene3d>
-  <dgm:styleLbl name="node0">
-    <dgm:scene3d>
-      <a:camera prst="orthographicFront"/>
-      <a:lightRig rig="threePt" dir="t"/>
-    </dgm:scene3d>
-    <dgm:sp3d/>
-    <dgm:txPr/>
-    <dgm:style>
-      <a:lnRef idx="0">
-        <a:scrgbClr r="0" g="0" b="0"/>
-      </a:lnRef>
-      <a:fillRef idx="3">
-        <a:scrgbClr r="0" g="0" b="0"/>
-      </a:fillRef>
-      <a:effectRef idx="2">
-        <a:scrgbClr r="0" g="0" b="0"/>
-      </a:effectRef>
-      <a:fontRef idx="minor">
-        <a:schemeClr val="lt1"/>
-      </a:fontRef>
-    </dgm:style>
-  </dgm:styleLbl>
-  <dgm:styleLbl name="lnNode1">
-    <dgm:scene3d>
-      <a:camera prst="orthographicFront"/>
-      <a:lightRig rig="threePt" dir="t"/>
-    </dgm:scene3d>
-    <dgm:sp3d/>
-    <dgm:txPr/>
-    <dgm:style>
-      <a:lnRef idx="1">
-        <a:scrgbClr r="0" g="0" b="0"/>
-      </a:lnRef>
-      <a:fillRef idx="3">
-        <a:scrgbClr r="0" g="0" b="0"/>
-      </a:fillRef>
-      <a:effectRef idx="2">
-        <a:scrgbClr r="0" g="0" b="0"/>
-      </a:effectRef>
-      <a:fontRef idx="minor">
-        <a:schemeClr val="lt1"/>
-      </a:fontRef>
-    </dgm:style>
-  </dgm:styleLbl>
-  <dgm:styleLbl name="vennNode1">
-    <dgm:scene3d>
-      <a:camera prst="orthographicFront"/>
-      <a:lightRig rig="threePt" dir="t"/>
-    </dgm:scene3d>
-    <dgm:sp3d/>
-    <dgm:txPr/>
-    <dgm:style>
-      <a:lnRef idx="0">
-        <a:scrgbClr r="0" g="0" b="0"/>
-      </a:lnRef>
-      <a:fillRef idx="3">
-        <a:scrgbClr r="0" g="0" b="0"/>
-      </a:fillRef>
-      <a:effectRef idx="0">
-        <a:scrgbClr r="0" g="0" b="0"/>
-      </a:effectRef>
-      <a:fontRef idx="minor">
-        <a:schemeClr val="tx1"/>
-      </a:fontRef>
-    </dgm:style>
-  </dgm:styleLbl>
-  <dgm:styleLbl name="alignNode1">
-    <dgm:scene3d>
-      <a:camera prst="orthographicFront"/>
-      <a:lightRig rig="threePt" dir="t"/>
-    </dgm:scene3d>
-    <dgm:sp3d/>
-    <dgm:txPr/>
-    <dgm:style>
-      <a:lnRef idx="1">
-        <a:scrgbClr r="0" g="0" b="0"/>
-      </a:lnRef>
-      <a:fillRef idx="3">
-        <a:scrgbClr r="0" g="0" b="0"/>
-      </a:fillRef>
-      <a:effectRef idx="2">
-        <a:scrgbClr r="0" g="0" b="0"/>
-      </a:effectRef>
-      <a:fontRef idx="minor">
-        <a:schemeClr val="lt1"/>
-      </a:fontRef>
-    </dgm:style>
-  </dgm:styleLbl>
-  <dgm:styleLbl name="node1">
-    <dgm:scene3d>
-      <a:camera prst="orthographicFront"/>
-      <a:lightRig rig="threePt" dir="t"/>
-    </dgm:scene3d>
-    <dgm:sp3d/>
-    <dgm:txPr/>
-    <dgm:style>
-      <a:lnRef idx="0">
-        <a:scrgbClr r="0" g="0" b="0"/>
-      </a:lnRef>
-      <a:fillRef idx="3">
-        <a:scrgbClr r="0" g="0" b="0"/>
-      </a:fillRef>
-      <a:effectRef idx="2">
-        <a:scrgbClr r="0" g="0" b="0"/>
-      </a:effectRef>
-      <a:fontRef idx="minor">
-        <a:schemeClr val="lt1"/>
-      </a:fontRef>
-    </dgm:style>
-  </dgm:styleLbl>
-  <dgm:styleLbl name="node2">
-    <dgm:scene3d>
-      <a:camera prst="orthographicFront"/>
-      <a:lightRig rig="threePt" dir="t"/>
-    </dgm:scene3d>
-    <dgm:sp3d/>
-    <dgm:txPr/>
-    <dgm:style>
-      <a:lnRef idx="0">
-        <a:scrgbClr r="0" g="0" b="0"/>
-      </a:lnRef>
-      <a:fillRef idx="3">
-        <a:scrgbClr r="0" g="0" b="0"/>
-      </a:fillRef>
-      <a:effectRef idx="2">
-        <a:scrgbClr r="0" g="0" b="0"/>
-      </a:effectRef>
-      <a:fontRef idx="minor">
-        <a:schemeClr val="lt1"/>
-      </a:fontRef>
-    </dgm:style>
-  </dgm:styleLbl>
-  <dgm:styleLbl name="node3">
-    <dgm:scene3d>
-      <a:camera prst="orthographicFront"/>
-      <a:lightRig rig="threePt" dir="t"/>
-    </dgm:scene3d>
-    <dgm:sp3d/>
-    <dgm:txPr/>
-    <dgm:style>
-      <a:lnRef idx="0">
-        <a:scrgbClr r="0" g="0" b="0"/>
-      </a:lnRef>
-      <a:fillRef idx="3">
-        <a:scrgbClr r="0" g="0" b="0"/>
-      </a:fillRef>
-      <a:effectRef idx="2">
-        <a:scrgbClr r="0" g="0" b="0"/>
-      </a:effectRef>
-      <a:fontRef idx="minor">
-        <a:schemeClr val="lt1"/>
-      </a:fontRef>
-    </dgm:style>
-  </dgm:styleLbl>
-  <dgm:styleLbl name="node4">
-    <dgm:scene3d>
-      <a:camera prst="orthographicFront"/>
-      <a:lightRig rig="threePt" dir="t"/>
-    </dgm:scene3d>
-    <dgm:sp3d/>
-    <dgm:txPr/>
-    <dgm:style>
-      <a:lnRef idx="0">
-        <a:scrgbClr r="0" g="0" b="0"/>
-      </a:lnRef>
-      <a:fillRef idx="3">
-        <a:scrgbClr r="0" g="0" b="0"/>
-      </a:fillRef>
-      <a:effectRef idx="2">
-        <a:scrgbClr r="0" g="0" b="0"/>
-      </a:effectRef>
-      <a:fontRef idx="minor">
-        <a:schemeClr val="lt1"/>
-      </a:fontRef>
-    </dgm:style>
-  </dgm:styleLbl>
-  <dgm:styleLbl name="fgImgPlace1">
-    <dgm:scene3d>
-      <a:camera prst="orthographicFront"/>
-      <a:lightRig rig="threePt" dir="t"/>
-    </dgm:scene3d>
-    <dgm:sp3d/>
-    <dgm:txPr/>
-    <dgm:style>
-      <a:lnRef idx="0">
-        <a:scrgbClr r="0" g="0" b="0"/>
-      </a:lnRef>
-      <a:fillRef idx="1">
-        <a:scrgbClr r="0" g="0" b="0"/>
-      </a:fillRef>
-      <a:effectRef idx="2">
-        <a:scrgbClr r="0" g="0" b="0"/>
-      </a:effectRef>
-      <a:fontRef idx="minor"/>
-    </dgm:style>
-  </dgm:styleLbl>
-  <dgm:styleLbl name="alignImgPlace1">
-    <dgm:scene3d>
-      <a:camera prst="orthographicFront"/>
-      <a:lightRig rig="threePt" dir="t"/>
-    </dgm:scene3d>
-    <dgm:sp3d/>
-    <dgm:txPr/>
-    <dgm:style>
-      <a:lnRef idx="0">
-        <a:scrgbClr r="0" g="0" b="0"/>
-      </a:lnRef>
-      <a:fillRef idx="1">
-        <a:scrgbClr r="0" g="0" b="0"/>
-      </a:fillRef>
-      <a:effectRef idx="2">
-        <a:scrgbClr r="0" g="0" b="0"/>
-      </a:effectRef>
-      <a:fontRef idx="minor"/>
-    </dgm:style>
-  </dgm:styleLbl>
-  <dgm:styleLbl name="bgImgPlace1">
-    <dgm:scene3d>
-      <a:camera prst="orthographicFront"/>
-      <a:lightRig rig="threePt" dir="t"/>
-    </dgm:scene3d>
-    <dgm:sp3d/>
-    <dgm:txPr/>
-    <dgm:style>
-      <a:lnRef idx="0">
-        <a:scrgbClr r="0" g="0" b="0"/>
-      </a:lnRef>
-      <a:fillRef idx="1">
-        <a:scrgbClr r="0" g="0" b="0"/>
-      </a:fillRef>
-      <a:effectRef idx="2">
-        <a:scrgbClr r="0" g="0" b="0"/>
-      </a:effectRef>
-      <a:fontRef idx="minor"/>
-    </dgm:style>
-  </dgm:styleLbl>
-  <dgm:styleLbl name="sibTrans2D1">
-    <dgm:scene3d>
-      <a:camera prst="orthographicFront"/>
-      <a:lightRig rig="threePt" dir="t"/>
-    </dgm:scene3d>
-    <dgm:sp3d/>
-    <dgm:txPr/>
-    <dgm:style>
-      <a:lnRef idx="0">
-        <a:scrgbClr r="0" g="0" b="0"/>
-      </a:lnRef>
-      <a:fillRef idx="3">
-        <a:scrgbClr r="0" g="0" b="0"/>
-      </a:fillRef>
-      <a:effectRef idx="2">
-        <a:scrgbClr r="0" g="0" b="0"/>
-      </a:effectRef>
-      <a:fontRef idx="minor">
-        <a:schemeClr val="lt1"/>
-      </a:fontRef>
-    </dgm:style>
-  </dgm:styleLbl>
-  <dgm:styleLbl name="fgSibTrans2D1">
-    <dgm:scene3d>
-      <a:camera prst="orthographicFront"/>
-      <a:lightRig rig="threePt" dir="t"/>
-    </dgm:scene3d>
-    <dgm:sp3d/>
-    <dgm:txPr/>
-    <dgm:style>
-      <a:lnRef idx="0">
-        <a:scrgbClr r="0" g="0" b="0"/>
-      </a:lnRef>
-      <a:fillRef idx="3">
-        <a:scrgbClr r="0" g="0" b="0"/>
-      </a:fillRef>
-      <a:effectRef idx="2">
-        <a:scrgbClr r="0" g="0" b="0"/>
-      </a:effectRef>
-      <a:fontRef idx="minor">
-        <a:schemeClr val="lt1"/>
-      </a:fontRef>
-    </dgm:style>
-  </dgm:styleLbl>
-  <dgm:styleLbl name="bgSibTrans2D1">
-    <dgm:scene3d>
-      <a:camera prst="orthographicFront"/>
-      <a:lightRig rig="threePt" dir="t"/>
-    </dgm:scene3d>
-    <dgm:sp3d/>
-    <dgm:txPr/>
-    <dgm:style>
-      <a:lnRef idx="0">
-        <a:scrgbClr r="0" g="0" b="0"/>
-      </a:lnRef>
-      <a:fillRef idx="3">
-        <a:scrgbClr r="0" g="0" b="0"/>
-      </a:fillRef>
-      <a:effectRef idx="2">
-        <a:scrgbClr r="0" g="0" b="0"/>
-      </a:effectRef>
-      <a:fontRef idx="minor">
-        <a:schemeClr val="lt1"/>
-      </a:fontRef>
-    </dgm:style>
-  </dgm:styleLbl>
-  <dgm:styleLbl name="sibTrans1D1">
-    <dgm:scene3d>
-      <a:camera prst="orthographicFront"/>
-      <a:lightRig rig="threePt" dir="t"/>
-    </dgm:scene3d>
-    <dgm:sp3d/>
-    <dgm:txPr/>
-    <dgm:style>
-      <a:lnRef idx="1">
-        <a:scrgbClr r="0" g="0" b="0"/>
-      </a:lnRef>
-      <a:fillRef idx="0">
-        <a:scrgbClr r="0" g="0" b="0"/>
-      </a:fillRef>
-      <a:effectRef idx="0">
-        <a:scrgbClr r="0" g="0" b="0"/>
-      </a:effectRef>
-      <a:fontRef idx="minor"/>
-    </dgm:style>
-  </dgm:styleLbl>
-  <dgm:styleLbl name="callout">
-    <dgm:scene3d>
-      <a:camera prst="orthographicFront"/>
-      <a:lightRig rig="threePt" dir="t"/>
-    </dgm:scene3d>
-    <dgm:sp3d/>
-    <dgm:txPr/>
-    <dgm:style>
-      <a:lnRef idx="2">
-        <a:scrgbClr r="0" g="0" b="0"/>
-      </a:lnRef>
-      <a:fillRef idx="1">
-        <a:scrgbClr r="0" g="0" b="0"/>
-      </a:fillRef>
-      <a:effectRef idx="1">
-        <a:scrgbClr r="0" g="0" b="0"/>
-      </a:effectRef>
-      <a:fontRef idx="minor"/>
-    </dgm:style>
-  </dgm:styleLbl>
-  <dgm:styleLbl name="asst0">
-    <dgm:scene3d>
-      <a:camera prst="orthographicFront"/>
-      <a:lightRig rig="threePt" dir="t"/>
-    </dgm:scene3d>
-    <dgm:sp3d/>
-    <dgm:txPr/>
-    <dgm:style>
-      <a:lnRef idx="0">
-        <a:scrgbClr r="0" g="0" b="0"/>
-      </a:lnRef>
-      <a:fillRef idx="3">
-        <a:scrgbClr r="0" g="0" b="0"/>
-      </a:fillRef>
-      <a:effectRef idx="2">
-        <a:scrgbClr r="0" g="0" b="0"/>
-      </a:effectRef>
-      <a:fontRef idx="minor">
-        <a:schemeClr val="lt1"/>
-      </a:fontRef>
-    </dgm:style>
-  </dgm:styleLbl>
-  <dgm:styleLbl name="asst1">
-    <dgm:scene3d>
-      <a:camera prst="orthographicFront"/>
-      <a:lightRig rig="threePt" dir="t"/>
-    </dgm:scene3d>
-    <dgm:sp3d/>
-    <dgm:txPr/>
-    <dgm:style>
-      <a:lnRef idx="0">
-        <a:scrgbClr r="0" g="0" b="0"/>
-      </a:lnRef>
-      <a:fillRef idx="3">
-        <a:scrgbClr r="0" g="0" b="0"/>
-      </a:fillRef>
-      <a:effectRef idx="2">
-        <a:scrgbClr r="0" g="0" b="0"/>
-      </a:effectRef>
-      <a:fontRef idx="minor">
-        <a:schemeClr val="lt1"/>
-      </a:fontRef>
-    </dgm:style>
-  </dgm:styleLbl>
-  <dgm:styleLbl name="asst2">
-    <dgm:scene3d>
-      <a:camera prst="orthographicFront"/>
-      <a:lightRig rig="threePt" dir="t"/>
-    </dgm:scene3d>
-    <dgm:sp3d/>
-    <dgm:txPr/>
-    <dgm:style>
-      <a:lnRef idx="0">
-        <a:scrgbClr r="0" g="0" b="0"/>
-      </a:lnRef>
-      <a:fillRef idx="3">
-        <a:scrgbClr r="0" g="0" b="0"/>
-      </a:fillRef>
-      <a:effectRef idx="2">
-        <a:scrgbClr r="0" g="0" b="0"/>
-      </a:effectRef>
-      <a:fontRef idx="minor">
-        <a:schemeClr val="lt1"/>
-      </a:fontRef>
-    </dgm:style>
-  </dgm:styleLbl>
-  <dgm:styleLbl name="asst3">
-    <dgm:scene3d>
-      <a:camera prst="orthographicFront"/>
-      <a:lightRig rig="threePt" dir="t"/>
-    </dgm:scene3d>
-    <dgm:sp3d/>
-    <dgm:txPr/>
-    <dgm:style>
-      <a:lnRef idx="0">
-        <a:scrgbClr r="0" g="0" b="0"/>
-      </a:lnRef>
-      <a:fillRef idx="3">
-        <a:scrgbClr r="0" g="0" b="0"/>
-      </a:fillRef>
-      <a:effectRef idx="2">
-        <a:scrgbClr r="0" g="0" b="0"/>
-      </a:effectRef>
-      <a:fontRef idx="minor">
-        <a:schemeClr val="lt1"/>
-      </a:fontRef>
-    </dgm:style>
-  </dgm:styleLbl>
-  <dgm:styleLbl name="asst4">
-    <dgm:scene3d>
-      <a:camera prst="orthographicFront"/>
-      <a:lightRig rig="threePt" dir="t"/>
-    </dgm:scene3d>
-    <dgm:sp3d/>
-    <dgm:txPr/>
-    <dgm:style>
-      <a:lnRef idx="0">
-        <a:scrgbClr r="0" g="0" b="0"/>
-      </a:lnRef>
-      <a:fillRef idx="3">
-        <a:scrgbClr r="0" g="0" b="0"/>
-      </a:fillRef>
-      <a:effectRef idx="2">
-        <a:scrgbClr r="0" g="0" b="0"/>
-      </a:effectRef>
-      <a:fontRef idx="minor">
-        <a:schemeClr val="lt1"/>
-      </a:fontRef>
-    </dgm:style>
-  </dgm:styleLbl>
-  <dgm:styleLbl name="parChTrans2D1">
-    <dgm:scene3d>
-      <a:camera prst="orthographicFront"/>
-      <a:lightRig rig="threePt" dir="t"/>
-    </dgm:scene3d>
-    <dgm:sp3d/>
-    <dgm:txPr/>
-    <dgm:style>
-      <a:lnRef idx="0">
-        <a:scrgbClr r="0" g="0" b="0"/>
-      </a:lnRef>
-      <a:fillRef idx="3">
-        <a:scrgbClr r="0" g="0" b="0"/>
-      </a:fillRef>
-      <a:effectRef idx="2">
-        <a:scrgbClr r="0" g="0" b="0"/>
-      </a:effectRef>
-      <a:fontRef idx="minor">
-        <a:schemeClr val="lt1"/>
-      </a:fontRef>
-    </dgm:style>
-  </dgm:styleLbl>
-  <dgm:styleLbl name="parChTrans2D2">
-    <dgm:scene3d>
-      <a:camera prst="orthographicFront"/>
-      <a:lightRig rig="threePt" dir="t"/>
-    </dgm:scene3d>
-    <dgm:sp3d/>
-    <dgm:txPr/>
-    <dgm:style>
-      <a:lnRef idx="0">
-        <a:scrgbClr r="0" g="0" b="0"/>
-      </a:lnRef>
-      <a:fillRef idx="3">
-        <a:scrgbClr r="0" g="0" b="0"/>
-      </a:fillRef>
-      <a:effectRef idx="2">
-        <a:scrgbClr r="0" g="0" b="0"/>
-      </a:effectRef>
-      <a:fontRef idx="minor">
-        <a:schemeClr val="lt1"/>
-      </a:fontRef>
-    </dgm:style>
-  </dgm:styleLbl>
-  <dgm:styleLbl name="parChTrans2D3">
-    <dgm:scene3d>
-      <a:camera prst="orthographicFront"/>
-      <a:lightRig rig="threePt" dir="t"/>
-    </dgm:scene3d>
-    <dgm:sp3d/>
-    <dgm:txPr/>
-    <dgm:style>
-      <a:lnRef idx="1">
-        <a:scrgbClr r="0" g="0" b="0"/>
-      </a:lnRef>
-      <a:fillRef idx="3">
-        <a:scrgbClr r="0" g="0" b="0"/>
-      </a:fillRef>
-      <a:effectRef idx="2">
-        <a:scrgbClr r="0" g="0" b="0"/>
-      </a:effectRef>
-      <a:fontRef idx="minor">
-        <a:schemeClr val="lt1"/>
-      </a:fontRef>
-    </dgm:style>
-  </dgm:styleLbl>
-  <dgm:styleLbl name="parChTrans2D4">
-    <dgm:scene3d>
-      <a:camera prst="orthographicFront"/>
-      <a:lightRig rig="threePt" dir="t"/>
-    </dgm:scene3d>
-    <dgm:sp3d/>
-    <dgm:txPr/>
-    <dgm:style>
-      <a:lnRef idx="1">
-        <a:scrgbClr r="0" g="0" b="0"/>
-      </a:lnRef>
-      <a:fillRef idx="3">
-        <a:scrgbClr r="0" g="0" b="0"/>
-      </a:fillRef>
-      <a:effectRef idx="2">
-        <a:scrgbClr r="0" g="0" b="0"/>
-      </a:effectRef>
-      <a:fontRef idx="minor">
-        <a:schemeClr val="lt1"/>
-      </a:fontRef>
-    </dgm:style>
-  </dgm:styleLbl>
-  <dgm:styleLbl name="parChTrans1D1">
-    <dgm:scene3d>
-      <a:camera prst="orthographicFront"/>
-      <a:lightRig rig="threePt" dir="t"/>
-    </dgm:scene3d>
-    <dgm:sp3d/>
-    <dgm:txPr/>
-    <dgm:style>
-      <a:lnRef idx="1">
-        <a:scrgbClr r="0" g="0" b="0"/>
-      </a:lnRef>
-      <a:fillRef idx="0">
-        <a:scrgbClr r="0" g="0" b="0"/>
-      </a:fillRef>
-      <a:effectRef idx="0">
-        <a:scrgbClr r="0" g="0" b="0"/>
-      </a:effectRef>
-      <a:fontRef idx="minor"/>
-    </dgm:style>
-  </dgm:styleLbl>
-  <dgm:styleLbl name="parChTrans1D2">
-    <dgm:scene3d>
-      <a:camera prst="orthographicFront"/>
-      <a:lightRig rig="threePt" dir="t"/>
-    </dgm:scene3d>
-    <dgm:sp3d/>
-    <dgm:txPr/>
-    <dgm:style>
-      <a:lnRef idx="1">
-        <a:scrgbClr r="0" g="0" b="0"/>
-      </a:lnRef>
-      <a:fillRef idx="0">
-        <a:scrgbClr r="0" g="0" b="0"/>
-      </a:fillRef>
-      <a:effectRef idx="0">
-        <a:scrgbClr r="0" g="0" b="0"/>
-      </a:effectRef>
-      <a:fontRef idx="minor"/>
-    </dgm:style>
-  </dgm:styleLbl>
-  <dgm:styleLbl name="parChTrans1D3">
-    <dgm:scene3d>
-      <a:camera prst="orthographicFront"/>
-      <a:lightRig rig="threePt" dir="t"/>
-    </dgm:scene3d>
-    <dgm:sp3d/>
-    <dgm:txPr/>
-    <dgm:style>
-      <a:lnRef idx="1">
-        <a:scrgbClr r="0" g="0" b="0"/>
-      </a:lnRef>
-      <a:fillRef idx="0">
-        <a:scrgbClr r="0" g="0" b="0"/>
-      </a:fillRef>
-      <a:effectRef idx="0">
-        <a:scrgbClr r="0" g="0" b="0"/>
-      </a:effectRef>
-      <a:fontRef idx="minor"/>
-    </dgm:style>
-  </dgm:styleLbl>
-  <dgm:styleLbl name="parChTrans1D4">
-    <dgm:scene3d>
-      <a:camera prst="orthographicFront"/>
-      <a:lightRig rig="threePt" dir="t"/>
-    </dgm:scene3d>
-    <dgm:sp3d/>
-    <dgm:txPr/>
-    <dgm:style>
-      <a:lnRef idx="1">
-        <a:scrgbClr r="0" g="0" b="0"/>
-      </a:lnRef>
-      <a:fillRef idx="0">
-        <a:scrgbClr r="0" g="0" b="0"/>
-      </a:fillRef>
-      <a:effectRef idx="0">
-        <a:scrgbClr r="0" g="0" b="0"/>
-      </a:effectRef>
-      <a:fontRef idx="minor"/>
-    </dgm:style>
-  </dgm:styleLbl>
-  <dgm:styleLbl name="fgAcc1">
-    <dgm:scene3d>
-      <a:camera prst="orthographicFront"/>
-      <a:lightRig rig="threePt" dir="t"/>
-    </dgm:scene3d>
-    <dgm:sp3d/>
-    <dgm:txPr/>
-    <dgm:style>
-      <a:lnRef idx="1">
-        <a:scrgbClr r="0" g="0" b="0"/>
-      </a:lnRef>
-      <a:fillRef idx="1">
-        <a:scrgbClr r="0" g="0" b="0"/>
-      </a:fillRef>
-      <a:effectRef idx="0">
-        <a:scrgbClr r="0" g="0" b="0"/>
-      </a:effectRef>
-      <a:fontRef idx="minor"/>
-    </dgm:style>
-  </dgm:styleLbl>
-  <dgm:styleLbl name="conFgAcc1">
-    <dgm:scene3d>
-      <a:camera prst="orthographicFront"/>
-      <a:lightRig rig="threePt" dir="t"/>
-    </dgm:scene3d>
-    <dgm:sp3d/>
-    <dgm:txPr/>
-    <dgm:style>
-      <a:lnRef idx="1">
-        <a:scrgbClr r="0" g="0" b="0"/>
-      </a:lnRef>
-      <a:fillRef idx="1">
-        <a:scrgbClr r="0" g="0" b="0"/>
-      </a:fillRef>
-      <a:effectRef idx="0">
-        <a:scrgbClr r="0" g="0" b="0"/>
-      </a:effectRef>
-      <a:fontRef idx="minor"/>
-    </dgm:style>
-  </dgm:styleLbl>
-  <dgm:styleLbl name="alignAcc1">
-    <dgm:scene3d>
-      <a:camera prst="orthographicFront"/>
-      <a:lightRig rig="threePt" dir="t"/>
-    </dgm:scene3d>
-    <dgm:sp3d/>
-    <dgm:txPr/>
-    <dgm:style>
-      <a:lnRef idx="1">
-        <a:scrgbClr r="0" g="0" b="0"/>
-      </a:lnRef>
-      <a:fillRef idx="1">
-        <a:scrgbClr r="0" g="0" b="0"/>
-      </a:fillRef>
-      <a:effectRef idx="0">
-        <a:scrgbClr r="0" g="0" b="0"/>
-      </a:effectRef>
-      <a:fontRef idx="minor"/>
-    </dgm:style>
-  </dgm:styleLbl>
-  <dgm:styleLbl name="trAlignAcc1">
-    <dgm:scene3d>
-      <a:camera prst="orthographicFront"/>
-      <a:lightRig rig="threePt" dir="t"/>
-    </dgm:scene3d>
-    <dgm:sp3d/>
-    <dgm:txPr/>
-    <dgm:style>
-      <a:lnRef idx="1">
-        <a:scrgbClr r="0" g="0" b="0"/>
-      </a:lnRef>
-      <a:fillRef idx="1">
-        <a:scrgbClr r="0" g="0" b="0"/>
-      </a:fillRef>
-      <a:effectRef idx="0">
-        <a:scrgbClr r="0" g="0" b="0"/>
-      </a:effectRef>
-      <a:fontRef idx="minor"/>
-    </dgm:style>
-  </dgm:styleLbl>
-  <dgm:styleLbl name="bgAcc1">
-    <dgm:scene3d>
-      <a:camera prst="orthographicFront"/>
-      <a:lightRig rig="threePt" dir="t"/>
-    </dgm:scene3d>
-    <dgm:sp3d/>
-    <dgm:txPr/>
-    <dgm:style>
-      <a:lnRef idx="1">
-        <a:scrgbClr r="0" g="0" b="0"/>
-      </a:lnRef>
-      <a:fillRef idx="1">
-        <a:scrgbClr r="0" g="0" b="0"/>
-      </a:fillRef>
-      <a:effectRef idx="0">
-        <a:scrgbClr r="0" g="0" b="0"/>
-      </a:effectRef>
-      <a:fontRef idx="minor"/>
-    </dgm:style>
-  </dgm:styleLbl>
-  <dgm:styleLbl name="solidFgAcc1">
-    <dgm:scene3d>
-      <a:camera prst="orthographicFront"/>
-      <a:lightRig rig="threePt" dir="t"/>
-    </dgm:scene3d>
-    <dgm:sp3d/>
-    <dgm:txPr/>
-    <dgm:style>
-      <a:lnRef idx="1">
-        <a:scrgbClr r="0" g="0" b="0"/>
-      </a:lnRef>
-      <a:fillRef idx="1">
-        <a:scrgbClr r="0" g="0" b="0"/>
-      </a:fillRef>
-      <a:effectRef idx="0">
-        <a:scrgbClr r="0" g="0" b="0"/>
-      </a:effectRef>
-      <a:fontRef idx="minor"/>
-    </dgm:style>
-  </dgm:styleLbl>
-  <dgm:styleLbl name="solidAlignAcc1">
-    <dgm:scene3d>
-      <a:camera prst="orthographicFront"/>
-      <a:lightRig rig="threePt" dir="t"/>
-    </dgm:scene3d>
-    <dgm:sp3d/>
-    <dgm:txPr/>
-    <dgm:style>
-      <a:lnRef idx="1">
-        <a:scrgbClr r="0" g="0" b="0"/>
-      </a:lnRef>
-      <a:fillRef idx="1">
-        <a:scrgbClr r="0" g="0" b="0"/>
-      </a:fillRef>
-      <a:effectRef idx="0">
-        <a:scrgbClr r="0" g="0" b="0"/>
-      </a:effectRef>
-      <a:fontRef idx="minor"/>
-    </dgm:style>
-  </dgm:styleLbl>
-  <dgm:styleLbl name="solidBgAcc1">
-    <dgm:scene3d>
-      <a:camera prst="orthographicFront"/>
-      <a:lightRig rig="threePt" dir="t"/>
-    </dgm:scene3d>
-    <dgm:sp3d/>
-    <dgm:txPr/>
-    <dgm:style>
-      <a:lnRef idx="1">
-        <a:scrgbClr r="0" g="0" b="0"/>
-      </a:lnRef>
-      <a:fillRef idx="1">
-        <a:scrgbClr r="0" g="0" b="0"/>
-      </a:fillRef>
-      <a:effectRef idx="0">
-        <a:scrgbClr r="0" g="0" b="0"/>
-      </a:effectRef>
-      <a:fontRef idx="minor"/>
-    </dgm:style>
-  </dgm:styleLbl>
-  <dgm:styleLbl name="fgAccFollowNode1">
-    <dgm:scene3d>
-      <a:camera prst="orthographicFront"/>
-      <a:lightRig rig="threePt" dir="t"/>
-    </dgm:scene3d>
-    <dgm:sp3d/>
-    <dgm:txPr/>
-    <dgm:style>
-      <a:lnRef idx="1">
-        <a:scrgbClr r="0" g="0" b="0"/>
-      </a:lnRef>
-      <a:fillRef idx="1">
-        <a:scrgbClr r="0" g="0" b="0"/>
-      </a:fillRef>
-      <a:effectRef idx="0">
-        <a:scrgbClr r="0" g="0" b="0"/>
-      </a:effectRef>
-      <a:fontRef idx="minor"/>
-    </dgm:style>
-  </dgm:styleLbl>
-  <dgm:styleLbl name="alignAccFollowNode1">
-    <dgm:scene3d>
-      <a:camera prst="orthographicFront"/>
-      <a:lightRig rig="threePt" dir="t"/>
-    </dgm:scene3d>
-    <dgm:sp3d/>
-    <dgm:txPr/>
-    <dgm:style>
-      <a:lnRef idx="1">
-        <a:scrgbClr r="0" g="0" b="0"/>
-      </a:lnRef>
-      <a:fillRef idx="1">
-        <a:scrgbClr r="0" g="0" b="0"/>
-      </a:fillRef>
-      <a:effectRef idx="0">
-        <a:scrgbClr r="0" g="0" b="0"/>
-      </a:effectRef>
-      <a:fontRef idx="minor"/>
-    </dgm:style>
-  </dgm:styleLbl>
-  <dgm:styleLbl name="bgAccFollowNode1">
-    <dgm:scene3d>
-      <a:camera prst="orthographicFront"/>
-      <a:lightRig rig="threePt" dir="t"/>
-    </dgm:scene3d>
-    <dgm:sp3d/>
-    <dgm:txPr/>
-    <dgm:style>
-      <a:lnRef idx="1">
-        <a:scrgbClr r="0" g="0" b="0"/>
-      </a:lnRef>
-      <a:fillRef idx="1">
-        <a:scrgbClr r="0" g="0" b="0"/>
-      </a:fillRef>
-      <a:effectRef idx="0">
-        <a:scrgbClr r="0" g="0" b="0"/>
-      </a:effectRef>
-      <a:fontRef idx="minor"/>
-    </dgm:style>
-  </dgm:styleLbl>
-  <dgm:styleLbl name="fgAcc0">
-    <dgm:scene3d>
-      <a:camera prst="orthographicFront"/>
-      <a:lightRig rig="threePt" dir="t"/>
-    </dgm:scene3d>
-    <dgm:sp3d/>
-    <dgm:txPr/>
-    <dgm:style>
-      <a:lnRef idx="1">
-        <a:scrgbClr r="0" g="0" b="0"/>
-      </a:lnRef>
-      <a:fillRef idx="1">
-        <a:scrgbClr r="0" g="0" b="0"/>
-      </a:fillRef>
-      <a:effectRef idx="0">
-        <a:scrgbClr r="0" g="0" b="0"/>
-      </a:effectRef>
-      <a:fontRef idx="minor"/>
-    </dgm:style>
-  </dgm:styleLbl>
-  <dgm:styleLbl name="fgAcc2">
-    <dgm:scene3d>
-      <a:camera prst="orthographicFront"/>
-      <a:lightRig rig="threePt" dir="t"/>
-    </dgm:scene3d>
-    <dgm:sp3d/>
-    <dgm:txPr/>
-    <dgm:style>
-      <a:lnRef idx="1">
-        <a:scrgbClr r="0" g="0" b="0"/>
-      </a:lnRef>
-      <a:fillRef idx="1">
-        <a:scrgbClr r="0" g="0" b="0"/>
-      </a:fillRef>
-      <a:effectRef idx="0">
-        <a:scrgbClr r="0" g="0" b="0"/>
-      </a:effectRef>
-      <a:fontRef idx="minor"/>
-    </dgm:style>
-  </dgm:styleLbl>
-  <dgm:styleLbl name="fgAcc3">
-    <dgm:scene3d>
-      <a:camera prst="orthographicFront"/>
-      <a:lightRig rig="threePt" dir="t"/>
-    </dgm:scene3d>
-    <dgm:sp3d/>
-    <dgm:txPr/>
-    <dgm:style>
-      <a:lnRef idx="1">
-        <a:scrgbClr r="0" g="0" b="0"/>
-      </a:lnRef>
-      <a:fillRef idx="1">
-        <a:scrgbClr r="0" g="0" b="0"/>
-      </a:fillRef>
-      <a:effectRef idx="0">
-        <a:scrgbClr r="0" g="0" b="0"/>
-      </a:effectRef>
-      <a:fontRef idx="minor"/>
-    </dgm:style>
-  </dgm:styleLbl>
-  <dgm:styleLbl name="fgAcc4">
-    <dgm:scene3d>
-      <a:camera prst="orthographicFront"/>
-      <a:lightRig rig="threePt" dir="t"/>
-    </dgm:scene3d>
-    <dgm:sp3d/>
-    <dgm:txPr/>
-    <dgm:style>
-      <a:lnRef idx="1">
-        <a:scrgbClr r="0" g="0" b="0"/>
-      </a:lnRef>
-      <a:fillRef idx="1">
-        <a:scrgbClr r="0" g="0" b="0"/>
-      </a:fillRef>
-      <a:effectRef idx="0">
-        <a:scrgbClr r="0" g="0" b="0"/>
-      </a:effectRef>
-      <a:fontRef idx="minor"/>
-    </dgm:style>
-  </dgm:styleLbl>
-  <dgm:styleLbl name="bgShp">
-    <dgm:scene3d>
-      <a:camera prst="orthographicFront"/>
-      <a:lightRig rig="threePt" dir="t"/>
-    </dgm:scene3d>
-    <dgm:sp3d/>
-    <dgm:txPr/>
-    <dgm:style>
-      <a:lnRef idx="0">
-        <a:scrgbClr r="0" g="0" b="0"/>
-      </a:lnRef>
-      <a:fillRef idx="1">
-        <a:scrgbClr r="0" g="0" b="0"/>
-      </a:fillRef>
-      <a:effectRef idx="2">
-        <a:scrgbClr r="0" g="0" b="0"/>
-      </a:effectRef>
-      <a:fontRef idx="minor"/>
-    </dgm:style>
-  </dgm:styleLbl>
-  <dgm:styleLbl name="dkBgShp">
-    <dgm:scene3d>
-      <a:camera prst="orthographicFront"/>
-      <a:lightRig rig="threePt" dir="t"/>
-    </dgm:scene3d>
-    <dgm:sp3d/>
-    <dgm:txPr/>
-    <dgm:style>
-      <a:lnRef idx="0">
-        <a:scrgbClr r="0" g="0" b="0"/>
-      </a:lnRef>
-      <a:fillRef idx="1">
-        <a:scrgbClr r="0" g="0" b="0"/>
-      </a:fillRef>
-      <a:effectRef idx="2">
-        <a:scrgbClr r="0" g="0" b="0"/>
-      </a:effectRef>
-      <a:fontRef idx="minor"/>
-    </dgm:style>
-  </dgm:styleLbl>
-  <dgm:styleLbl name="trBgShp">
-    <dgm:scene3d>
-      <a:camera prst="orthographicFront"/>
-      <a:lightRig rig="threePt" dir="t"/>
-    </dgm:scene3d>
-    <dgm:sp3d/>
-    <dgm:txPr/>
-    <dgm:style>
-      <a:lnRef idx="0">
-        <a:scrgbClr r="0" g="0" b="0"/>
-      </a:lnRef>
-      <a:fillRef idx="1">
-        <a:scrgbClr r="0" g="0" b="0"/>
-      </a:fillRef>
-      <a:effectRef idx="0">
-        <a:scrgbClr r="0" g="0" b="0"/>
-      </a:effectRef>
-      <a:fontRef idx="minor"/>
-    </dgm:style>
-  </dgm:styleLbl>
-  <dgm:styleLbl name="fgShp">
-    <dgm:scene3d>
-      <a:camera prst="orthographicFront"/>
-      <a:lightRig rig="threePt" dir="t"/>
-    </dgm:scene3d>
-    <dgm:sp3d/>
-    <dgm:txPr/>
-    <dgm:style>
-      <a:lnRef idx="0">
-        <a:scrgbClr r="0" g="0" b="0"/>
-      </a:lnRef>
-      <a:fillRef idx="3">
-        <a:scrgbClr r="0" g="0" b="0"/>
-      </a:fillRef>
-      <a:effectRef idx="2">
         <a:scrgbClr r="0" g="0" b="0"/>
       </a:effectRef>
       <a:fontRef idx="minor"/>
@@ -19612,7 +15727,7 @@
           <a:p>
             <a:fld id="{7BCB8214-0E7E-4EFC-9E1C-25F6159D4170}" type="datetimeFigureOut">
               <a:rPr lang="en-US" smtClean="0"/>
-              <a:t>8/21/2018</a:t>
+              <a:t>8/28/2018</a:t>
             </a:fld>
             <a:endParaRPr lang="en-US"/>
           </a:p>
@@ -20010,10 +16125,38 @@
           <a:bodyPr/>
           <a:lstStyle/>
           <a:p>
+            <a:pPr marL="0" marR="0" lvl="0" indent="0" algn="l" defTabSz="914400" rtl="0" eaLnBrk="1" fontAlgn="auto" latinLnBrk="0" hangingPunct="1">
+              <a:lnSpc>
+                <a:spcPct val="100000"/>
+              </a:lnSpc>
+              <a:spcBef>
+                <a:spcPts val="0"/>
+              </a:spcBef>
+              <a:spcAft>
+                <a:spcPts val="0"/>
+              </a:spcAft>
+              <a:buClrTx/>
+              <a:buSzTx/>
+              <a:buFontTx/>
+              <a:buNone/>
+              <a:tabLst/>
+              <a:defRPr/>
+            </a:pPr>
             <a:r>
-              <a:rPr lang="en-US" dirty="0"/>
-              <a:t>Give students 1-2 minutes for each question. Its important to provide them  with the opportunity to answer the questions based on the reading, labs, and assigned homework.</a:t>
+              <a:rPr lang="en-US" dirty="0" smtClean="0"/>
+              <a:t>Go over the lab questions. With the students. Ask</a:t>
             </a:r>
+            <a:r>
+              <a:rPr lang="en-US" baseline="0" dirty="0" smtClean="0"/>
+              <a:t> them to take out their answers to the lab questions. And their questions about the lab itself.</a:t>
+            </a:r>
+            <a:endParaRPr lang="en-US" dirty="0" smtClean="0"/>
+          </a:p>
+          <a:p>
+            <a:endParaRPr lang="en-US" dirty="0" smtClean="0"/>
+          </a:p>
+          <a:p>
+            <a:endParaRPr lang="en-US" dirty="0"/>
           </a:p>
         </p:txBody>
       </p:sp>
@@ -20043,7 +16186,7 @@
     </p:spTree>
     <p:extLst>
       <p:ext uri="{BB962C8B-B14F-4D97-AF65-F5344CB8AC3E}">
-        <p14:creationId xmlns:p14="http://schemas.microsoft.com/office/powerpoint/2010/main" val="227659581"/>
+        <p14:creationId xmlns:p14="http://schemas.microsoft.com/office/powerpoint/2010/main" val="2114558944"/>
       </p:ext>
     </p:extLst>
   </p:cSld>
@@ -20657,166 +16800,6 @@
 </p:notes>
 </file>
 
-<file path=ppt/notesSlides/notesSlide8.xml><?xml version="1.0" encoding="utf-8"?>
-<p:notes xmlns:a="http://schemas.openxmlformats.org/drawingml/2006/main" xmlns:r="http://schemas.openxmlformats.org/officeDocument/2006/relationships" xmlns:p="http://schemas.openxmlformats.org/presentationml/2006/main">
-  <p:cSld>
-    <p:spTree>
-      <p:nvGrpSpPr>
-        <p:cNvPr id="1" name=""/>
-        <p:cNvGrpSpPr/>
-        <p:nvPr/>
-      </p:nvGrpSpPr>
-      <p:grpSpPr>
-        <a:xfrm>
-          <a:off x="0" y="0"/>
-          <a:ext cx="0" cy="0"/>
-          <a:chOff x="0" y="0"/>
-          <a:chExt cx="0" cy="0"/>
-        </a:xfrm>
-      </p:grpSpPr>
-      <p:sp>
-        <p:nvSpPr>
-          <p:cNvPr id="2" name="Slide Image Placeholder 1"/>
-          <p:cNvSpPr>
-            <a:spLocks noGrp="1" noRot="1" noChangeAspect="1"/>
-          </p:cNvSpPr>
-          <p:nvPr>
-            <p:ph type="sldImg"/>
-          </p:nvPr>
-        </p:nvSpPr>
-        <p:spPr/>
-      </p:sp>
-      <p:sp>
-        <p:nvSpPr>
-          <p:cNvPr id="3" name="Notes Placeholder 2"/>
-          <p:cNvSpPr>
-            <a:spLocks noGrp="1"/>
-          </p:cNvSpPr>
-          <p:nvPr>
-            <p:ph type="body" idx="1"/>
-          </p:nvPr>
-        </p:nvSpPr>
-        <p:spPr/>
-        <p:txBody>
-          <a:bodyPr/>
-          <a:lstStyle/>
-          <a:p>
-            <a:r>
-              <a:rPr lang="en-US" dirty="0"/>
-              <a:t>Demonstrate commands if you have time </a:t>
-            </a:r>
-          </a:p>
-          <a:p>
-            <a:endParaRPr lang="en-US" dirty="0"/>
-          </a:p>
-          <a:p>
-            <a:r>
-              <a:rPr lang="en-US" dirty="0" err="1"/>
-              <a:t>Ifcofnig</a:t>
-            </a:r>
-            <a:r>
-              <a:rPr lang="en-US" dirty="0"/>
-              <a:t> / ipconfig</a:t>
-            </a:r>
-          </a:p>
-          <a:p>
-            <a:r>
-              <a:rPr lang="en-US" dirty="0"/>
-              <a:t> </a:t>
-            </a:r>
-          </a:p>
-          <a:p>
-            <a:r>
-              <a:rPr lang="en-US" dirty="0"/>
-              <a:t>Ping host</a:t>
-            </a:r>
-          </a:p>
-          <a:p>
-            <a:endParaRPr lang="en-US" dirty="0"/>
-          </a:p>
-          <a:p>
-            <a:r>
-              <a:rPr lang="en-US" dirty="0" err="1"/>
-              <a:t>Nslookup</a:t>
-            </a:r>
-            <a:r>
-              <a:rPr lang="en-US" dirty="0"/>
-              <a:t> host</a:t>
-            </a:r>
-          </a:p>
-          <a:p>
-            <a:endParaRPr lang="en-US" dirty="0"/>
-          </a:p>
-          <a:p>
-            <a:r>
-              <a:rPr lang="en-US" dirty="0"/>
-              <a:t>Nmap host</a:t>
-            </a:r>
-          </a:p>
-          <a:p>
-            <a:endParaRPr lang="en-US" dirty="0"/>
-          </a:p>
-          <a:p>
-            <a:r>
-              <a:rPr lang="en-US" dirty="0" err="1"/>
-              <a:t>Tracacert</a:t>
-            </a:r>
-            <a:r>
-              <a:rPr lang="en-US" dirty="0"/>
-              <a:t> host (does not work on docker)</a:t>
-            </a:r>
-          </a:p>
-          <a:p>
-            <a:endParaRPr lang="en-US" dirty="0"/>
-          </a:p>
-          <a:p>
-            <a:r>
-              <a:rPr lang="en-US"/>
-              <a:t>Netstat -n</a:t>
-            </a:r>
-            <a:endParaRPr lang="en-US" dirty="0"/>
-          </a:p>
-          <a:p>
-            <a:endParaRPr lang="en-US" dirty="0"/>
-          </a:p>
-        </p:txBody>
-      </p:sp>
-      <p:sp>
-        <p:nvSpPr>
-          <p:cNvPr id="4" name="Slide Number Placeholder 3"/>
-          <p:cNvSpPr>
-            <a:spLocks noGrp="1"/>
-          </p:cNvSpPr>
-          <p:nvPr>
-            <p:ph type="sldNum" sz="quarter" idx="10"/>
-          </p:nvPr>
-        </p:nvSpPr>
-        <p:spPr/>
-        <p:txBody>
-          <a:bodyPr/>
-          <a:lstStyle/>
-          <a:p>
-            <a:fld id="{0112F830-31CF-4898-9DC8-86941997CB87}" type="slidenum">
-              <a:rPr lang="en-US" smtClean="0"/>
-              <a:t>32</a:t>
-            </a:fld>
-            <a:endParaRPr lang="en-US"/>
-          </a:p>
-        </p:txBody>
-      </p:sp>
-    </p:spTree>
-    <p:extLst>
-      <p:ext uri="{BB962C8B-B14F-4D97-AF65-F5344CB8AC3E}">
-        <p14:creationId xmlns:p14="http://schemas.microsoft.com/office/powerpoint/2010/main" val="2006803123"/>
-      </p:ext>
-    </p:extLst>
-  </p:cSld>
-  <p:clrMapOvr>
-    <a:masterClrMapping/>
-  </p:clrMapOvr>
-</p:notes>
-</file>
-
 <file path=ppt/slideLayouts/slideLayout1.xml><?xml version="1.0" encoding="utf-8"?>
 <p:sldLayout xmlns:a="http://schemas.openxmlformats.org/drawingml/2006/main" xmlns:r="http://schemas.openxmlformats.org/officeDocument/2006/relationships" xmlns:p="http://schemas.openxmlformats.org/presentationml/2006/main" type="title" preserve="1">
   <p:cSld name="Title Slide">
@@ -20948,7 +16931,7 @@
           <a:p>
             <a:fld id="{C8AC65AB-5746-43EA-A59E-648FB11CA309}" type="datetimeFigureOut">
               <a:rPr lang="en-US" smtClean="0"/>
-              <a:t>8/21/2018</a:t>
+              <a:t>8/28/2018</a:t>
             </a:fld>
             <a:endParaRPr lang="en-US"/>
           </a:p>
@@ -21118,7 +17101,7 @@
           <a:p>
             <a:fld id="{C8AC65AB-5746-43EA-A59E-648FB11CA309}" type="datetimeFigureOut">
               <a:rPr lang="en-US" smtClean="0"/>
-              <a:t>8/21/2018</a:t>
+              <a:t>8/28/2018</a:t>
             </a:fld>
             <a:endParaRPr lang="en-US"/>
           </a:p>
@@ -21298,7 +17281,7 @@
           <a:p>
             <a:fld id="{C8AC65AB-5746-43EA-A59E-648FB11CA309}" type="datetimeFigureOut">
               <a:rPr lang="en-US" smtClean="0"/>
-              <a:t>8/21/2018</a:t>
+              <a:t>8/28/2018</a:t>
             </a:fld>
             <a:endParaRPr lang="en-US"/>
           </a:p>
@@ -21490,7 +17473,7 @@
           <a:p>
             <a:fld id="{C8AC65AB-5746-43EA-A59E-648FB11CA309}" type="datetimeFigureOut">
               <a:rPr lang="en-US" smtClean="0"/>
-              <a:t>8/21/2018</a:t>
+              <a:t>8/28/2018</a:t>
             </a:fld>
             <a:endParaRPr lang="en-US"/>
           </a:p>
@@ -21735,7 +17718,7 @@
           <a:p>
             <a:fld id="{C8AC65AB-5746-43EA-A59E-648FB11CA309}" type="datetimeFigureOut">
               <a:rPr lang="en-US" smtClean="0"/>
-              <a:t>8/21/2018</a:t>
+              <a:t>8/28/2018</a:t>
             </a:fld>
             <a:endParaRPr lang="en-US"/>
           </a:p>
@@ -21972,7 +17955,7 @@
           <a:p>
             <a:fld id="{C8AC65AB-5746-43EA-A59E-648FB11CA309}" type="datetimeFigureOut">
               <a:rPr lang="en-US" smtClean="0"/>
-              <a:t>8/21/2018</a:t>
+              <a:t>8/28/2018</a:t>
             </a:fld>
             <a:endParaRPr lang="en-US"/>
           </a:p>
@@ -22348,7 +18331,7 @@
           <a:p>
             <a:fld id="{C8AC65AB-5746-43EA-A59E-648FB11CA309}" type="datetimeFigureOut">
               <a:rPr lang="en-US" smtClean="0"/>
-              <a:t>8/21/2018</a:t>
+              <a:t>8/28/2018</a:t>
             </a:fld>
             <a:endParaRPr lang="en-US"/>
           </a:p>
@@ -22471,7 +18454,7 @@
           <a:p>
             <a:fld id="{C8AC65AB-5746-43EA-A59E-648FB11CA309}" type="datetimeFigureOut">
               <a:rPr lang="en-US" smtClean="0"/>
-              <a:t>8/21/2018</a:t>
+              <a:t>8/28/2018</a:t>
             </a:fld>
             <a:endParaRPr lang="en-US"/>
           </a:p>
@@ -22566,7 +18549,7 @@
           <a:p>
             <a:fld id="{C8AC65AB-5746-43EA-A59E-648FB11CA309}" type="datetimeFigureOut">
               <a:rPr lang="en-US" smtClean="0"/>
-              <a:t>8/21/2018</a:t>
+              <a:t>8/28/2018</a:t>
             </a:fld>
             <a:endParaRPr lang="en-US"/>
           </a:p>
@@ -22843,7 +18826,7 @@
           <a:p>
             <a:fld id="{C8AC65AB-5746-43EA-A59E-648FB11CA309}" type="datetimeFigureOut">
               <a:rPr lang="en-US" smtClean="0"/>
-              <a:t>8/21/2018</a:t>
+              <a:t>8/28/2018</a:t>
             </a:fld>
             <a:endParaRPr lang="en-US"/>
           </a:p>
@@ -23100,7 +19083,7 @@
           <a:p>
             <a:fld id="{C8AC65AB-5746-43EA-A59E-648FB11CA309}" type="datetimeFigureOut">
               <a:rPr lang="en-US" smtClean="0"/>
-              <a:t>8/21/2018</a:t>
+              <a:t>8/28/2018</a:t>
             </a:fld>
             <a:endParaRPr lang="en-US"/>
           </a:p>
@@ -23313,7 +19296,7 @@
           <a:p>
             <a:fld id="{C8AC65AB-5746-43EA-A59E-648FB11CA309}" type="datetimeFigureOut">
               <a:rPr lang="en-US" smtClean="0"/>
-              <a:t>8/21/2018</a:t>
+              <a:t>8/28/2018</a:t>
             </a:fld>
             <a:endParaRPr lang="en-US"/>
           </a:p>
@@ -25236,7 +21219,7 @@
         </p:spPr>
         <p:txBody>
           <a:bodyPr>
-            <a:normAutofit lnSpcReduction="10000"/>
+            <a:normAutofit/>
           </a:bodyPr>
           <a:lstStyle/>
           <a:p>
@@ -25281,21 +21264,10 @@
           </a:p>
           <a:p>
             <a:r>
-              <a:rPr lang="en-US" dirty="0"/>
-              <a:t>Summary</a:t>
+              <a:rPr lang="en-US" dirty="0" smtClean="0"/>
+              <a:t>Wrap-Up</a:t>
             </a:r>
-          </a:p>
-          <a:p>
-            <a:r>
-              <a:rPr lang="en-US" dirty="0"/>
-              <a:t>Homework</a:t>
-            </a:r>
-          </a:p>
-          <a:p>
-            <a:r>
-              <a:rPr lang="en-US" dirty="0"/>
-              <a:t>Questions</a:t>
-            </a:r>
+            <a:endParaRPr lang="en-US" dirty="0"/>
           </a:p>
         </p:txBody>
       </p:sp>
@@ -29008,6 +24980,11 @@
               <a:rPr lang="en-US" dirty="0"/>
               <a:t>What does DHCP stand for? </a:t>
             </a:r>
+            <a:r>
+              <a:rPr lang="en-US" dirty="0" smtClean="0"/>
+              <a:t> What does it do?</a:t>
+            </a:r>
+            <a:endParaRPr lang="en-US" dirty="0"/>
           </a:p>
           <a:p>
             <a:pPr marL="514350" lvl="0" indent="-514350">
@@ -29015,9 +24992,14 @@
               <a:buAutoNum type="arabicPeriod"/>
             </a:pPr>
             <a:r>
-              <a:rPr lang="en-US" dirty="0"/>
-              <a:t>Describe what DHCP does?</a:t>
+              <a:rPr lang="en-US" smtClean="0"/>
+              <a:t>What </a:t>
             </a:r>
+            <a:r>
+              <a:rPr lang="en-US" dirty="0" smtClean="0"/>
+              <a:t>is DNS? What does it do?</a:t>
+            </a:r>
+            <a:endParaRPr lang="en-US" dirty="0"/>
           </a:p>
           <a:p>
             <a:pPr marL="514350" lvl="0" indent="-514350">
@@ -29036,14 +25018,12 @@
             </a:pPr>
             <a:r>
               <a:rPr lang="en-US" dirty="0"/>
-              <a:t>Explain what is meant by a public / private internet address?</a:t>
+              <a:t>Explain what is meant by a public / private internet address</a:t>
             </a:r>
-          </a:p>
-          <a:p>
-            <a:pPr marL="0" lvl="0" indent="0">
-              <a:buNone/>
-            </a:pPr>
-            <a:endParaRPr lang="en-US" dirty="0"/>
+            <a:r>
+              <a:rPr lang="en-US" dirty="0" smtClean="0"/>
+              <a:t>?</a:t>
+            </a:r>
           </a:p>
         </p:txBody>
       </p:sp>
@@ -30507,334 +26487,6 @@
           <a:chExt cx="0" cy="0"/>
         </a:xfrm>
       </p:grpSpPr>
-      <p:sp>
-        <p:nvSpPr>
-          <p:cNvPr id="13" name="Rectangle 12">
-            <a:extLst>
-              <a:ext uri="{FF2B5EF4-FFF2-40B4-BE49-F238E27FC236}">
-                <a16:creationId xmlns:a16="http://schemas.microsoft.com/office/drawing/2014/main" id="{BE95D989-81FA-4BAD-9AD5-E46CEDA91B36}"/>
-              </a:ext>
-              <a:ext uri="{C183D7F6-B498-43B3-948B-1728B52AA6E4}">
-                <adec:decorative xmlns:adec="http://schemas.microsoft.com/office/drawing/2017/decorative" xmlns="" val="1"/>
-              </a:ext>
-            </a:extLst>
-          </p:cNvPr>
-          <p:cNvSpPr>
-            <a:spLocks noGrp="1" noRot="1" noChangeAspect="1" noMove="1" noResize="1" noEditPoints="1" noAdjustHandles="1" noChangeArrowheads="1" noChangeShapeType="1" noTextEdit="1"/>
-          </p:cNvSpPr>
-          <p:nvPr>
-            <p:extLst>
-              <p:ext uri="{386F3935-93C4-4BCD-93E2-E3B085C9AB24}">
-                <p16:designElem xmlns:p16="http://schemas.microsoft.com/office/powerpoint/2015/main" val="1"/>
-              </p:ext>
-            </p:extLst>
-          </p:nvPr>
-        </p:nvSpPr>
-        <p:spPr>
-          <a:xfrm>
-            <a:off x="0" y="0"/>
-            <a:ext cx="4654293" cy="6858000"/>
-          </a:xfrm>
-          <a:prstGeom prst="rect">
-            <a:avLst/>
-          </a:prstGeom>
-          <a:solidFill>
-            <a:srgbClr val="404040"/>
-          </a:solidFill>
-          <a:ln>
-            <a:noFill/>
-          </a:ln>
-        </p:spPr>
-        <p:style>
-          <a:lnRef idx="2">
-            <a:schemeClr val="accent1">
-              <a:shade val="50000"/>
-            </a:schemeClr>
-          </a:lnRef>
-          <a:fillRef idx="1">
-            <a:schemeClr val="accent1"/>
-          </a:fillRef>
-          <a:effectRef idx="0">
-            <a:schemeClr val="accent1"/>
-          </a:effectRef>
-          <a:fontRef idx="minor">
-            <a:schemeClr val="lt1"/>
-          </a:fontRef>
-        </p:style>
-        <p:txBody>
-          <a:bodyPr rtlCol="0" anchor="ctr"/>
-          <a:lstStyle/>
-          <a:p>
-            <a:pPr marL="0" marR="0" lvl="0" indent="0" algn="ctr" defTabSz="914400" rtl="0" eaLnBrk="1" fontAlgn="auto" latinLnBrk="0" hangingPunct="1">
-              <a:lnSpc>
-                <a:spcPct val="100000"/>
-              </a:lnSpc>
-              <a:spcBef>
-                <a:spcPts val="0"/>
-              </a:spcBef>
-              <a:spcAft>
-                <a:spcPts val="0"/>
-              </a:spcAft>
-              <a:buClrTx/>
-              <a:buSzTx/>
-              <a:buFontTx/>
-              <a:buNone/>
-              <a:tabLst/>
-              <a:defRPr/>
-            </a:pPr>
-            <a:endParaRPr kumimoji="0" lang="en-US" sz="1800" b="0" i="0" u="none" strike="noStrike" kern="1200" cap="none" spc="0" normalizeH="0" baseline="0" noProof="0">
-              <a:ln>
-                <a:noFill/>
-              </a:ln>
-              <a:solidFill>
-                <a:prstClr val="white"/>
-              </a:solidFill>
-              <a:effectLst/>
-              <a:uLnTx/>
-              <a:uFillTx/>
-              <a:latin typeface="Calibri" panose="020F0502020204030204"/>
-              <a:ea typeface="+mn-ea"/>
-              <a:cs typeface="+mn-cs"/>
-            </a:endParaRPr>
-          </a:p>
-        </p:txBody>
-      </p:sp>
-      <p:sp>
-        <p:nvSpPr>
-          <p:cNvPr id="15" name="Rectangle 14">
-            <a:extLst>
-              <a:ext uri="{FF2B5EF4-FFF2-40B4-BE49-F238E27FC236}">
-                <a16:creationId xmlns:a16="http://schemas.microsoft.com/office/drawing/2014/main" id="{156189E5-8A3E-4CFD-B71B-CCD0F8495E56}"/>
-              </a:ext>
-              <a:ext uri="{C183D7F6-B498-43B3-948B-1728B52AA6E4}">
-                <adec:decorative xmlns:adec="http://schemas.microsoft.com/office/drawing/2017/decorative" xmlns="" val="1"/>
-              </a:ext>
-            </a:extLst>
-          </p:cNvPr>
-          <p:cNvSpPr>
-            <a:spLocks noGrp="1" noRot="1" noChangeAspect="1" noMove="1" noResize="1" noEditPoints="1" noAdjustHandles="1" noChangeArrowheads="1" noChangeShapeType="1" noTextEdit="1"/>
-          </p:cNvSpPr>
-          <p:nvPr>
-            <p:extLst>
-              <p:ext uri="{386F3935-93C4-4BCD-93E2-E3B085C9AB24}">
-                <p16:designElem xmlns:p16="http://schemas.microsoft.com/office/powerpoint/2015/main" val="1"/>
-              </p:ext>
-            </p:extLst>
-          </p:nvPr>
-        </p:nvSpPr>
-        <p:spPr>
-          <a:xfrm>
-            <a:off x="4654293" y="0"/>
-            <a:ext cx="142074" cy="6858000"/>
-          </a:xfrm>
-          <a:prstGeom prst="rect">
-            <a:avLst/>
-          </a:prstGeom>
-          <a:solidFill>
-            <a:schemeClr val="tx1">
-              <a:alpha val="20000"/>
-            </a:schemeClr>
-          </a:solidFill>
-          <a:ln>
-            <a:noFill/>
-          </a:ln>
-        </p:spPr>
-        <p:style>
-          <a:lnRef idx="2">
-            <a:schemeClr val="accent1">
-              <a:shade val="50000"/>
-            </a:schemeClr>
-          </a:lnRef>
-          <a:fillRef idx="1">
-            <a:schemeClr val="accent1"/>
-          </a:fillRef>
-          <a:effectRef idx="0">
-            <a:schemeClr val="accent1"/>
-          </a:effectRef>
-          <a:fontRef idx="minor">
-            <a:schemeClr val="lt1"/>
-          </a:fontRef>
-        </p:style>
-        <p:txBody>
-          <a:bodyPr rtlCol="0" anchor="ctr"/>
-          <a:lstStyle/>
-          <a:p>
-            <a:pPr marL="0" marR="0" lvl="0" indent="0" algn="ctr" defTabSz="914400" rtl="0" eaLnBrk="1" fontAlgn="auto" latinLnBrk="0" hangingPunct="1">
-              <a:lnSpc>
-                <a:spcPct val="100000"/>
-              </a:lnSpc>
-              <a:spcBef>
-                <a:spcPts val="0"/>
-              </a:spcBef>
-              <a:spcAft>
-                <a:spcPts val="0"/>
-              </a:spcAft>
-              <a:buClrTx/>
-              <a:buSzTx/>
-              <a:buFontTx/>
-              <a:buNone/>
-              <a:tabLst/>
-              <a:defRPr/>
-            </a:pPr>
-            <a:endParaRPr kumimoji="0" lang="en-US" sz="1800" b="0" i="0" u="none" strike="noStrike" kern="1200" cap="none" spc="0" normalizeH="0" baseline="0" noProof="0">
-              <a:ln>
-                <a:noFill/>
-              </a:ln>
-              <a:solidFill>
-                <a:prstClr val="white"/>
-              </a:solidFill>
-              <a:effectLst/>
-              <a:uLnTx/>
-              <a:uFillTx/>
-              <a:latin typeface="Calibri" panose="020F0502020204030204"/>
-              <a:ea typeface="+mn-ea"/>
-              <a:cs typeface="+mn-cs"/>
-            </a:endParaRPr>
-          </a:p>
-        </p:txBody>
-      </p:sp>
-      <p:graphicFrame>
-        <p:nvGraphicFramePr>
-          <p:cNvPr id="8" name="Content Placeholder 1">
-            <a:extLst>
-              <a:ext uri="{FF2B5EF4-FFF2-40B4-BE49-F238E27FC236}">
-                <a16:creationId xmlns:a16="http://schemas.microsoft.com/office/drawing/2014/main" id="{C5BF08CB-2870-4694-89A2-ED523D19583D}"/>
-              </a:ext>
-            </a:extLst>
-          </p:cNvPr>
-          <p:cNvGraphicFramePr>
-            <a:graphicFrameLocks noGrp="1"/>
-          </p:cNvGraphicFramePr>
-          <p:nvPr>
-            <p:ph idx="1"/>
-            <p:extLst>
-              <p:ext uri="{D42A27DB-BD31-4B8C-83A1-F6EECF244321}">
-                <p14:modId xmlns:p14="http://schemas.microsoft.com/office/powerpoint/2010/main" val="463444356"/>
-              </p:ext>
-            </p:extLst>
-          </p:nvPr>
-        </p:nvGraphicFramePr>
-        <p:xfrm>
-          <a:off x="5459413" y="642938"/>
-          <a:ext cx="6089650" cy="5572125"/>
-        </p:xfrm>
-        <a:graphic>
-          <a:graphicData uri="http://schemas.openxmlformats.org/drawingml/2006/diagram">
-            <dgm:relIds xmlns:dgm="http://schemas.openxmlformats.org/drawingml/2006/diagram" xmlns:r="http://schemas.openxmlformats.org/officeDocument/2006/relationships" r:dm="rId3" r:lo="rId4" r:qs="rId5" r:cs="rId6"/>
-          </a:graphicData>
-        </a:graphic>
-      </p:graphicFrame>
-      <p:sp>
-        <p:nvSpPr>
-          <p:cNvPr id="4" name="Footer Placeholder 3"/>
-          <p:cNvSpPr>
-            <a:spLocks noGrp="1"/>
-          </p:cNvSpPr>
-          <p:nvPr>
-            <p:ph type="ftr" sz="quarter" idx="11"/>
-          </p:nvPr>
-        </p:nvSpPr>
-        <p:spPr>
-          <a:xfrm>
-            <a:off x="5459413" y="6199632"/>
-            <a:ext cx="5365665" cy="365125"/>
-          </a:xfrm>
-        </p:spPr>
-        <p:txBody>
-          <a:bodyPr>
-            <a:normAutofit/>
-          </a:bodyPr>
-          <a:lstStyle/>
-          <a:p>
-            <a:pPr algn="r">
-              <a:spcAft>
-                <a:spcPts val="600"/>
-              </a:spcAft>
-            </a:pPr>
-            <a:r>
-              <a:rPr lang="en-US" sz="1100">
-                <a:solidFill>
-                  <a:prstClr val="black">
-                    <a:alpha val="80000"/>
-                  </a:prstClr>
-                </a:solidFill>
-              </a:rPr>
-              <a:t>IST346: Info Tech Management &amp; Administration</a:t>
-            </a:r>
-          </a:p>
-        </p:txBody>
-      </p:sp>
-      <p:sp>
-        <p:nvSpPr>
-          <p:cNvPr id="6" name="Title 5"/>
-          <p:cNvSpPr>
-            <a:spLocks noGrp="1"/>
-          </p:cNvSpPr>
-          <p:nvPr>
-            <p:ph type="title"/>
-          </p:nvPr>
-        </p:nvSpPr>
-        <p:spPr>
-          <a:xfrm>
-            <a:off x="838200" y="811161"/>
-            <a:ext cx="3335594" cy="5403370"/>
-          </a:xfrm>
-        </p:spPr>
-        <p:txBody>
-          <a:bodyPr>
-            <a:normAutofit/>
-          </a:bodyPr>
-          <a:lstStyle/>
-          <a:p>
-            <a:r>
-              <a:rPr lang="en-US">
-                <a:solidFill>
-                  <a:srgbClr val="FFFFFF"/>
-                </a:solidFill>
-              </a:rPr>
-              <a:t>Commands Everyone Should Know</a:t>
-            </a:r>
-          </a:p>
-        </p:txBody>
-      </p:sp>
-    </p:spTree>
-    <p:extLst>
-      <p:ext uri="{BB962C8B-B14F-4D97-AF65-F5344CB8AC3E}">
-        <p14:creationId xmlns:p14="http://schemas.microsoft.com/office/powerpoint/2010/main" val="967133050"/>
-      </p:ext>
-    </p:extLst>
-  </p:cSld>
-  <p:clrMapOvr>
-    <a:masterClrMapping/>
-  </p:clrMapOvr>
-</p:sld>
-</file>
-
-<file path=ppt/slides/slide33.xml><?xml version="1.0" encoding="utf-8"?>
-<p:sld xmlns:a="http://schemas.openxmlformats.org/drawingml/2006/main" xmlns:r="http://schemas.openxmlformats.org/officeDocument/2006/relationships" xmlns:p="http://schemas.openxmlformats.org/presentationml/2006/main">
-  <p:cSld>
-    <p:bg>
-      <p:bgPr>
-        <a:solidFill>
-          <a:schemeClr val="bg1"/>
-        </a:solidFill>
-        <a:effectLst/>
-      </p:bgPr>
-    </p:bg>
-    <p:spTree>
-      <p:nvGrpSpPr>
-        <p:cNvPr id="1" name=""/>
-        <p:cNvGrpSpPr/>
-        <p:nvPr/>
-      </p:nvGrpSpPr>
-      <p:grpSpPr>
-        <a:xfrm>
-          <a:off x="0" y="0"/>
-          <a:ext cx="0" cy="0"/>
-          <a:chOff x="0" y="0"/>
-          <a:chExt cx="0" cy="0"/>
-        </a:xfrm>
-      </p:grpSpPr>
       <p:pic>
         <p:nvPicPr>
           <p:cNvPr id="16" name="Graphic 6">
@@ -31302,7 +26954,7 @@
 </p:sld>
 </file>
 
-<file path=ppt/slides/slide34.xml><?xml version="1.0" encoding="utf-8"?>
+<file path=ppt/slides/slide33.xml><?xml version="1.0" encoding="utf-8"?>
 <p:sld xmlns:a="http://schemas.openxmlformats.org/drawingml/2006/main" xmlns:r="http://schemas.openxmlformats.org/officeDocument/2006/relationships" xmlns:p="http://schemas.openxmlformats.org/presentationml/2006/main">
   <p:cSld>
     <p:bg>
@@ -31836,7 +27488,7 @@
 </p:sld>
 </file>
 
-<file path=ppt/slides/slide35.xml><?xml version="1.0" encoding="utf-8"?>
+<file path=ppt/slides/slide34.xml><?xml version="1.0" encoding="utf-8"?>
 <p:sld xmlns:a="http://schemas.openxmlformats.org/drawingml/2006/main" xmlns:r="http://schemas.openxmlformats.org/officeDocument/2006/relationships" xmlns:p="http://schemas.openxmlformats.org/presentationml/2006/main">
   <p:cSld>
     <p:bg>
@@ -32282,7 +27934,9 @@
     <p:bg>
       <p:bgPr>
         <a:solidFill>
-          <a:schemeClr val="bg1"/>
+          <a:schemeClr val="tx2">
+            <a:lumMod val="25000"/>
+          </a:schemeClr>
         </a:solidFill>
         <a:effectLst/>
       </p:bgPr>
@@ -32303,97 +27957,15 @@
       </p:grpSpPr>
       <p:sp>
         <p:nvSpPr>
-          <p:cNvPr id="8" name="Rectangle 7">
-            <a:extLst>
-              <a:ext uri="{FF2B5EF4-FFF2-40B4-BE49-F238E27FC236}">
-                <a16:creationId xmlns:a16="http://schemas.microsoft.com/office/drawing/2014/main" id="{F98ED85F-DCEE-4B50-802E-71A6E3E12B04}"/>
-              </a:ext>
-              <a:ext uri="{C183D7F6-B498-43B3-948B-1728B52AA6E4}">
-                <adec:decorative xmlns:adec="http://schemas.microsoft.com/office/drawing/2017/decorative" xmlns="" val="1"/>
-              </a:ext>
-            </a:extLst>
-          </p:cNvPr>
-          <p:cNvSpPr>
-            <a:spLocks noGrp="1" noRot="1" noChangeAspect="1" noMove="1" noResize="1" noEditPoints="1" noAdjustHandles="1" noChangeArrowheads="1" noChangeShapeType="1" noTextEdit="1"/>
-          </p:cNvSpPr>
-          <p:nvPr>
-            <p:extLst>
-              <p:ext uri="{386F3935-93C4-4BCD-93E2-E3B085C9AB24}">
-                <p16:designElem xmlns:p16="http://schemas.microsoft.com/office/powerpoint/2015/main" val="1"/>
-              </p:ext>
-            </p:extLst>
-          </p:nvPr>
-        </p:nvSpPr>
-        <p:spPr bwMode="ltGray">
-          <a:xfrm>
-            <a:off x="321564" y="320040"/>
-            <a:ext cx="11548872" cy="6217920"/>
-          </a:xfrm>
-          <a:prstGeom prst="rect">
-            <a:avLst/>
-          </a:prstGeom>
-          <a:solidFill>
-            <a:schemeClr val="tx1">
-              <a:alpha val="14000"/>
-            </a:schemeClr>
-          </a:solidFill>
-          <a:ln w="127000" cap="sq" cmpd="thinThick">
-            <a:solidFill>
-              <a:schemeClr val="tx1">
-                <a:lumMod val="85000"/>
-                <a:lumOff val="15000"/>
-                <a:alpha val="15000"/>
-              </a:schemeClr>
-            </a:solidFill>
-          </a:ln>
-        </p:spPr>
-        <p:style>
-          <a:lnRef idx="2">
-            <a:schemeClr val="accent1">
-              <a:shade val="50000"/>
-            </a:schemeClr>
-          </a:lnRef>
-          <a:fillRef idx="1">
-            <a:schemeClr val="accent1"/>
-          </a:fillRef>
-          <a:effectRef idx="0">
-            <a:schemeClr val="accent1"/>
-          </a:effectRef>
-          <a:fontRef idx="minor">
-            <a:schemeClr val="lt1"/>
-          </a:fontRef>
-        </p:style>
-        <p:txBody>
-          <a:bodyPr rtlCol="0" anchor="ctr"/>
-          <a:lstStyle/>
-          <a:p>
-            <a:pPr algn="ctr"/>
-            <a:endParaRPr lang="en-US"/>
-          </a:p>
-        </p:txBody>
-      </p:sp>
-      <p:sp>
-        <p:nvSpPr>
-          <p:cNvPr id="2" name="Title 1">
-            <a:extLst>
-              <a:ext uri="{FF2B5EF4-FFF2-40B4-BE49-F238E27FC236}">
-                <a16:creationId xmlns:a16="http://schemas.microsoft.com/office/drawing/2014/main" id="{B9E49FAD-5FE2-405D-B69A-08F3F9D69B7A}"/>
-              </a:ext>
-            </a:extLst>
-          </p:cNvPr>
+          <p:cNvPr id="2" name="Title 1"/>
           <p:cNvSpPr>
             <a:spLocks noGrp="1"/>
           </p:cNvSpPr>
           <p:nvPr>
-            <p:ph type="title"/>
+            <p:ph type="ctrTitle"/>
           </p:nvPr>
         </p:nvSpPr>
-        <p:spPr>
-          <a:xfrm>
-            <a:off x="838200" y="631825"/>
-            <a:ext cx="10515600" cy="1325563"/>
-          </a:xfrm>
-        </p:spPr>
+        <p:spPr/>
         <p:txBody>
           <a:bodyPr>
             <a:normAutofit/>
@@ -32401,55 +27973,70 @@
           <a:lstStyle/>
           <a:p>
             <a:r>
-              <a:rPr lang="en-US" dirty="0"/>
-              <a:t>ROI / TCO Homework</a:t>
+              <a:rPr lang="en-US" sz="7200" dirty="0" smtClean="0"/>
+              <a:t>Lab Debrief</a:t>
             </a:r>
+            <a:endParaRPr lang="en-US" sz="7200" dirty="0"/>
           </a:p>
         </p:txBody>
       </p:sp>
       <p:sp>
         <p:nvSpPr>
-          <p:cNvPr id="3" name="Content Placeholder 2">
-            <a:extLst>
-              <a:ext uri="{FF2B5EF4-FFF2-40B4-BE49-F238E27FC236}">
-                <a16:creationId xmlns:a16="http://schemas.microsoft.com/office/drawing/2014/main" id="{90E8D228-254D-4BFA-ADE9-CEE3CA6F7672}"/>
-              </a:ext>
-            </a:extLst>
-          </p:cNvPr>
+          <p:cNvPr id="5" name="Subtitle 4"/>
           <p:cNvSpPr>
             <a:spLocks noGrp="1"/>
           </p:cNvSpPr>
           <p:nvPr>
-            <p:ph idx="1"/>
+            <p:ph type="subTitle" idx="1"/>
           </p:nvPr>
         </p:nvSpPr>
-        <p:spPr>
-          <a:xfrm>
-            <a:off x="838200" y="2057400"/>
-            <a:ext cx="10515600" cy="3871762"/>
-          </a:xfrm>
-        </p:spPr>
+        <p:spPr/>
         <p:txBody>
           <a:bodyPr>
             <a:normAutofit/>
           </a:bodyPr>
           <a:lstStyle/>
           <a:p>
-            <a:pPr marL="514350" lvl="0" indent="-514350">
-              <a:buFont typeface="+mj-lt"/>
-              <a:buAutoNum type="arabicPeriod"/>
-            </a:pPr>
             <a:r>
-              <a:rPr lang="en-US" dirty="0"/>
-              <a:t>TODO</a:t>
+              <a:rPr lang="en-US" sz="3600" dirty="0" smtClean="0"/>
+              <a:t>Lab – </a:t>
             </a:r>
+            <a:r>
+              <a:rPr lang="en-US" sz="3600" dirty="0" smtClean="0"/>
+              <a:t>C </a:t>
+            </a:r>
+            <a:endParaRPr lang="en-US" sz="3600" dirty="0"/>
           </a:p>
         </p:txBody>
       </p:sp>
+      <p:pic>
+        <p:nvPicPr>
+          <p:cNvPr id="4" name="Picture 3"/>
+          <p:cNvPicPr>
+            <a:picLocks noChangeAspect="1"/>
+          </p:cNvPicPr>
+          <p:nvPr/>
+        </p:nvPicPr>
+        <p:blipFill>
+          <a:blip r:embed="rId3"/>
+          <a:stretch>
+            <a:fillRect/>
+          </a:stretch>
+        </p:blipFill>
+        <p:spPr>
+          <a:xfrm>
+            <a:off x="5232015" y="4429919"/>
+            <a:ext cx="1727969" cy="1382375"/>
+          </a:xfrm>
+          <a:prstGeom prst="rect">
+            <a:avLst/>
+          </a:prstGeom>
+        </p:spPr>
+      </p:pic>
     </p:spTree>
     <p:extLst>
       <p:ext uri="{BB962C8B-B14F-4D97-AF65-F5344CB8AC3E}">
-        <p14:creationId xmlns:p14="http://schemas.microsoft.com/office/powerpoint/2010/main" val="3674838437"/>
+        <p14:creationId xmlns:p14="http://schemas.microsoft.com/office/powerpoint/2010/main" val="3661020401"/>
       </p:ext>
     </p:extLst>
   </p:cSld>
@@ -33152,7 +28739,7 @@
                   <a:spcPts val="600"/>
                 </a:spcAft>
               </a:pPr>
-              <a:t>8/21/2018</a:t>
+              <a:t>8/28/2018</a:t>
             </a:fld>
             <a:endParaRPr lang="en-US" sz="1100">
               <a:solidFill>
@@ -33398,7 +28985,7 @@
                   <a:spcPts val="600"/>
                 </a:spcAft>
               </a:pPr>
-              <a:t>8/21/2018</a:t>
+              <a:t>8/28/2018</a:t>
             </a:fld>
             <a:endParaRPr lang="en-US"/>
           </a:p>
